--- a/slides/containers-namespace-cgroups.pptx
+++ b/slides/containers-namespace-cgroups.pptx
@@ -5169,7 +5169,12 @@
             <p:ph type="ctrTitle"/>
           </p:nvPr>
         </p:nvSpPr>
-        <p:spPr/>
+        <p:spPr>
+          <a:xfrm>
+            <a:off x="1524000" y="158976"/>
+            <a:ext cx="9144000" cy="2387600"/>
+          </a:xfrm>
+        </p:spPr>
         <p:txBody>
           <a:bodyPr/>
           <a:lstStyle/>
@@ -5201,28 +5206,53 @@
             <p:ph type="subTitle" idx="1"/>
           </p:nvPr>
         </p:nvSpPr>
-        <p:spPr/>
+        <p:spPr>
+          <a:xfrm>
+            <a:off x="1524000" y="2638651"/>
+            <a:ext cx="9144000" cy="1655762"/>
+          </a:xfrm>
+        </p:spPr>
         <p:txBody>
           <a:bodyPr/>
           <a:lstStyle/>
           <a:p>
             <a:r>
-              <a:rPr lang="en-US" dirty="0"/>
+              <a:rPr lang="en-US" sz="3200" dirty="0"/>
               <a:t>Namespaces &amp; Control Groups</a:t>
             </a:r>
+            <a:br>
+              <a:rPr lang="en-US" sz="3200" dirty="0"/>
+            </a:br>
+            <a:endParaRPr lang="en-US" sz="3200" dirty="0"/>
+          </a:p>
+          <a:p>
+            <a:r>
+              <a:rPr lang="en-US" sz="2800" b="1" dirty="0" err="1"/>
+              <a:t>Senthilnathan</a:t>
+            </a:r>
+            <a:r>
+              <a:rPr lang="en-US" sz="2800" b="1" dirty="0"/>
+              <a:t> N</a:t>
+            </a:r>
+            <a:br>
+              <a:rPr lang="en-US" sz="2800" dirty="0"/>
+            </a:br>
+            <a:endParaRPr lang="en-US" sz="2800" dirty="0"/>
+          </a:p>
+          <a:p>
+            <a:r>
+              <a:rPr lang="en-US" sz="2800" dirty="0"/>
+              <a:t>Research Scientist</a:t>
+            </a:r>
+          </a:p>
+          <a:p>
+            <a:r>
+              <a:rPr lang="en-US" sz="2800" dirty="0"/>
+              <a:t>IBM Research, India</a:t>
+            </a:r>
           </a:p>
           <a:p>
             <a:endParaRPr lang="en-US" dirty="0"/>
-          </a:p>
-          <a:p>
-            <a:r>
-              <a:rPr lang="en-US" dirty="0" err="1"/>
-              <a:t>Senthilnathan</a:t>
-            </a:r>
-            <a:r>
-              <a:rPr lang="en-US" dirty="0"/>
-              <a:t> N</a:t>
-            </a:r>
           </a:p>
           <a:p>
             <a:endParaRPr lang="en-US" dirty="0"/>
@@ -28347,7 +28377,7 @@
                 <a:latin typeface="Times New Roman" panose="02020603050405020304" pitchFamily="18" charset="0"/>
                 <a:cs typeface="Times New Roman" panose="02020603050405020304" pitchFamily="18" charset="0"/>
               </a:rPr>
-              <a:t>Change the hostname to the desired</a:t>
+              <a:t>Change the hostname to the desired one</a:t>
             </a:r>
           </a:p>
           <a:p>

--- a/slides/containers-namespace-cgroups.pptx
+++ b/slides/containers-namespace-cgroups.pptx
@@ -5217,37 +5217,62 @@
           <a:lstStyle/>
           <a:p>
             <a:r>
-              <a:rPr lang="en-US" sz="3200" dirty="0"/>
+              <a:rPr lang="en-US" sz="3200" dirty="0">
+                <a:latin typeface="Times New Roman" panose="02020603050405020304" pitchFamily="18" charset="0"/>
+                <a:cs typeface="Times New Roman" panose="02020603050405020304" pitchFamily="18" charset="0"/>
+              </a:rPr>
               <a:t>Namespaces &amp; Control Groups</a:t>
             </a:r>
             <a:br>
-              <a:rPr lang="en-US" sz="3200" dirty="0"/>
+              <a:rPr lang="en-US" sz="3200" dirty="0">
+                <a:latin typeface="Times New Roman" panose="02020603050405020304" pitchFamily="18" charset="0"/>
+                <a:cs typeface="Times New Roman" panose="02020603050405020304" pitchFamily="18" charset="0"/>
+              </a:rPr>
             </a:br>
-            <a:endParaRPr lang="en-US" sz="3200" dirty="0"/>
-          </a:p>
-          <a:p>
-            <a:r>
-              <a:rPr lang="en-US" sz="2800" b="1" dirty="0" err="1"/>
+            <a:endParaRPr lang="en-US" sz="3200" dirty="0">
+              <a:latin typeface="Times New Roman" panose="02020603050405020304" pitchFamily="18" charset="0"/>
+              <a:cs typeface="Times New Roman" panose="02020603050405020304" pitchFamily="18" charset="0"/>
+            </a:endParaRPr>
+          </a:p>
+          <a:p>
+            <a:r>
+              <a:rPr lang="en-US" sz="3200" b="1" dirty="0" err="1">
+                <a:latin typeface="Centaur" panose="02030504050205020304" pitchFamily="18" charset="77"/>
+                <a:cs typeface="Times New Roman" panose="02020603050405020304" pitchFamily="18" charset="0"/>
+              </a:rPr>
               <a:t>Senthilnathan</a:t>
             </a:r>
             <a:r>
-              <a:rPr lang="en-US" sz="2800" b="1" dirty="0"/>
+              <a:rPr lang="en-US" sz="3200" b="1" dirty="0">
+                <a:latin typeface="Centaur" panose="02030504050205020304" pitchFamily="18" charset="77"/>
+                <a:cs typeface="Times New Roman" panose="02020603050405020304" pitchFamily="18" charset="0"/>
+              </a:rPr>
               <a:t> N</a:t>
             </a:r>
             <a:br>
-              <a:rPr lang="en-US" sz="2800" dirty="0"/>
+              <a:rPr lang="en-US" sz="3200" dirty="0">
+                <a:latin typeface="Centaur" panose="02030504050205020304" pitchFamily="18" charset="77"/>
+              </a:rPr>
             </a:br>
-            <a:endParaRPr lang="en-US" sz="2800" dirty="0"/>
-          </a:p>
-          <a:p>
-            <a:r>
-              <a:rPr lang="en-US" sz="2800" dirty="0"/>
+            <a:endParaRPr lang="en-US" sz="3200" dirty="0">
+              <a:latin typeface="Centaur" panose="02030504050205020304" pitchFamily="18" charset="77"/>
+            </a:endParaRPr>
+          </a:p>
+          <a:p>
+            <a:r>
+              <a:rPr lang="en-US" sz="2800" dirty="0">
+                <a:latin typeface="Centaur" panose="02030504050205020304" pitchFamily="18" charset="77"/>
+                <a:cs typeface="Times New Roman" panose="02020603050405020304" pitchFamily="18" charset="0"/>
+              </a:rPr>
               <a:t>Research Scientist</a:t>
             </a:r>
           </a:p>
           <a:p>
             <a:r>
-              <a:rPr lang="en-US" sz="2800" dirty="0"/>
+              <a:rPr lang="en-US" sz="2800" dirty="0">
+                <a:latin typeface="Centaur" panose="02030504050205020304" pitchFamily="18" charset="77"/>
+                <a:cs typeface="Times New Roman" panose="02020603050405020304" pitchFamily="18" charset="0"/>
+              </a:rPr>
               <a:t>IBM Research, India</a:t>
             </a:r>
           </a:p>
@@ -21542,7 +21567,7 @@
                 <a:latin typeface="Times New Roman" panose="02020603050405020304" pitchFamily="18" charset="0"/>
                 <a:cs typeface="Times New Roman" panose="02020603050405020304" pitchFamily="18" charset="0"/>
               </a:rPr>
-              <a:t>Tools to Create Containers: Container Runtime</a:t>
+              <a:t>Tools to Easily and Quickly Create Containers</a:t>
             </a:r>
           </a:p>
         </p:txBody>
@@ -21916,6 +21941,45 @@
           <a:p>
             <a:pPr algn="ctr"/>
             <a:endParaRPr lang="en-US"/>
+          </a:p>
+        </p:txBody>
+      </p:sp>
+      <p:sp>
+        <p:nvSpPr>
+          <p:cNvPr id="7" name="TextBox 6">
+            <a:extLst>
+              <a:ext uri="{FF2B5EF4-FFF2-40B4-BE49-F238E27FC236}">
+                <a16:creationId xmlns:a16="http://schemas.microsoft.com/office/drawing/2014/main" id="{60C4C840-9143-4E4E-9B57-E2334FCC1BDE}"/>
+              </a:ext>
+            </a:extLst>
+          </p:cNvPr>
+          <p:cNvSpPr txBox="1"/>
+          <p:nvPr/>
+        </p:nvSpPr>
+        <p:spPr>
+          <a:xfrm>
+            <a:off x="4564104" y="6308079"/>
+            <a:ext cx="1138453" cy="461665"/>
+          </a:xfrm>
+          <a:prstGeom prst="rect">
+            <a:avLst/>
+          </a:prstGeom>
+          <a:noFill/>
+        </p:spPr>
+        <p:txBody>
+          <a:bodyPr wrap="none" rtlCol="0">
+            <a:spAutoFit/>
+          </a:bodyPr>
+          <a:lstStyle/>
+          <a:p>
+            <a:r>
+              <a:rPr lang="en-US" sz="2400" dirty="0">
+                <a:solidFill>
+                  <a:schemeClr val="bg1"/>
+                </a:solidFill>
+              </a:rPr>
+              <a:t>Mac OS</a:t>
+            </a:r>
           </a:p>
         </p:txBody>
       </p:sp>
@@ -22140,8 +22204,8 @@
         </p:nvSpPr>
         <p:spPr>
           <a:xfrm>
-            <a:off x="838200" y="2766218"/>
-            <a:ext cx="10515600" cy="1325563"/>
+            <a:off x="838200" y="2178389"/>
+            <a:ext cx="10515600" cy="3590132"/>
           </a:xfrm>
         </p:spPr>
         <p:txBody>
@@ -22150,9 +22214,32 @@
           <a:p>
             <a:pPr algn="ctr"/>
             <a:r>
+              <a:rPr lang="en-US" sz="5200" dirty="0">
+                <a:latin typeface="Times New Roman" panose="02020603050405020304" pitchFamily="18" charset="0"/>
+                <a:cs typeface="Times New Roman" panose="02020603050405020304" pitchFamily="18" charset="0"/>
+              </a:rPr>
+              <a:t>Thank You</a:t>
+            </a:r>
+            <a:br>
               <a:rPr lang="en-US" dirty="0"/>
-              <a:t>Thank You</a:t>
-            </a:r>
+            </a:br>
+            <a:br>
+              <a:rPr lang="en-US" dirty="0"/>
+            </a:br>
+            <a:br>
+              <a:rPr lang="en-US" dirty="0"/>
+            </a:br>
+            <a:r>
+              <a:rPr lang="en-US" dirty="0"/>
+              <a:t>My Blog on Blockchain </a:t>
+            </a:r>
+            <a:r>
+              <a:rPr lang="en-US" dirty="0">
+                <a:hlinkClick r:id="rId2"/>
+              </a:rPr>
+              <a:t>http://www.bchainledger.com/</a:t>
+            </a:r>
+            <a:endParaRPr lang="en-US" dirty="0"/>
           </a:p>
         </p:txBody>
       </p:sp>

--- a/slides/containers-namespace-cgroups.pptx
+++ b/slides/containers-namespace-cgroups.pptx
@@ -5,7 +5,7 @@
     <p:sldMasterId id="2147483648" r:id="rId1"/>
   </p:sldMasterIdLst>
   <p:notesMasterIdLst>
-    <p:notesMasterId r:id="rId27"/>
+    <p:notesMasterId r:id="rId28"/>
   </p:notesMasterIdLst>
   <p:sldIdLst>
     <p:sldId id="256" r:id="rId2"/>
@@ -21,18 +21,19 @@
     <p:sldId id="269" r:id="rId12"/>
     <p:sldId id="264" r:id="rId13"/>
     <p:sldId id="265" r:id="rId14"/>
-    <p:sldId id="273" r:id="rId15"/>
-    <p:sldId id="275" r:id="rId16"/>
-    <p:sldId id="286" r:id="rId17"/>
-    <p:sldId id="276" r:id="rId18"/>
-    <p:sldId id="277" r:id="rId19"/>
-    <p:sldId id="279" r:id="rId20"/>
-    <p:sldId id="280" r:id="rId21"/>
-    <p:sldId id="281" r:id="rId22"/>
-    <p:sldId id="266" r:id="rId23"/>
-    <p:sldId id="284" r:id="rId24"/>
-    <p:sldId id="285" r:id="rId25"/>
-    <p:sldId id="282" r:id="rId26"/>
+    <p:sldId id="287" r:id="rId15"/>
+    <p:sldId id="273" r:id="rId16"/>
+    <p:sldId id="275" r:id="rId17"/>
+    <p:sldId id="286" r:id="rId18"/>
+    <p:sldId id="276" r:id="rId19"/>
+    <p:sldId id="277" r:id="rId20"/>
+    <p:sldId id="279" r:id="rId21"/>
+    <p:sldId id="280" r:id="rId22"/>
+    <p:sldId id="281" r:id="rId23"/>
+    <p:sldId id="266" r:id="rId24"/>
+    <p:sldId id="284" r:id="rId25"/>
+    <p:sldId id="285" r:id="rId26"/>
+    <p:sldId id="282" r:id="rId27"/>
   </p:sldIdLst>
   <p:sldSz cx="12192000" cy="6858000"/>
   <p:notesSz cx="6858000" cy="9144000"/>
@@ -221,7 +222,7 @@
           <a:p>
             <a:fld id="{C66B5945-3F29-6140-B691-C952B0E4A69A}" type="datetimeFigureOut">
               <a:rPr lang="en-US" smtClean="0"/>
-              <a:t>1/10/20</a:t>
+              <a:t>1/11/20</a:t>
             </a:fld>
             <a:endParaRPr lang="en-US"/>
           </a:p>
@@ -647,7 +648,7 @@
     </p:spTree>
     <p:extLst>
       <p:ext uri="{BB962C8B-B14F-4D97-AF65-F5344CB8AC3E}">
-        <p14:creationId xmlns:p14="http://schemas.microsoft.com/office/powerpoint/2010/main" val="726916437"/>
+        <p14:creationId xmlns:p14="http://schemas.microsoft.com/office/powerpoint/2010/main" val="3890526474"/>
       </p:ext>
     </p:extLst>
   </p:cSld>
@@ -731,7 +732,7 @@
     </p:spTree>
     <p:extLst>
       <p:ext uri="{BB962C8B-B14F-4D97-AF65-F5344CB8AC3E}">
-        <p14:creationId xmlns:p14="http://schemas.microsoft.com/office/powerpoint/2010/main" val="1973793277"/>
+        <p14:creationId xmlns:p14="http://schemas.microsoft.com/office/powerpoint/2010/main" val="726916437"/>
       </p:ext>
     </p:extLst>
   </p:cSld>
@@ -815,7 +816,7 @@
     </p:spTree>
     <p:extLst>
       <p:ext uri="{BB962C8B-B14F-4D97-AF65-F5344CB8AC3E}">
-        <p14:creationId xmlns:p14="http://schemas.microsoft.com/office/powerpoint/2010/main" val="509430627"/>
+        <p14:creationId xmlns:p14="http://schemas.microsoft.com/office/powerpoint/2010/main" val="1973793277"/>
       </p:ext>
     </p:extLst>
   </p:cSld>
@@ -890,7 +891,7 @@
           <a:p>
             <a:fld id="{93C3B4D7-0BB6-8848-AAEB-035530BD24FD}" type="slidenum">
               <a:rPr lang="en-US" smtClean="0"/>
-              <a:t>19</a:t>
+              <a:t>18</a:t>
             </a:fld>
             <a:endParaRPr lang="en-US"/>
           </a:p>
@@ -899,7 +900,7 @@
     </p:spTree>
     <p:extLst>
       <p:ext uri="{BB962C8B-B14F-4D97-AF65-F5344CB8AC3E}">
-        <p14:creationId xmlns:p14="http://schemas.microsoft.com/office/powerpoint/2010/main" val="1076809204"/>
+        <p14:creationId xmlns:p14="http://schemas.microsoft.com/office/powerpoint/2010/main" val="509430627"/>
       </p:ext>
     </p:extLst>
   </p:cSld>
@@ -974,7 +975,7 @@
           <a:p>
             <a:fld id="{93C3B4D7-0BB6-8848-AAEB-035530BD24FD}" type="slidenum">
               <a:rPr lang="en-US" smtClean="0"/>
-              <a:t>21</a:t>
+              <a:t>20</a:t>
             </a:fld>
             <a:endParaRPr lang="en-US"/>
           </a:p>
@@ -983,7 +984,7 @@
     </p:spTree>
     <p:extLst>
       <p:ext uri="{BB962C8B-B14F-4D97-AF65-F5344CB8AC3E}">
-        <p14:creationId xmlns:p14="http://schemas.microsoft.com/office/powerpoint/2010/main" val="2313163340"/>
+        <p14:creationId xmlns:p14="http://schemas.microsoft.com/office/powerpoint/2010/main" val="1076809204"/>
       </p:ext>
     </p:extLst>
   </p:cSld>
@@ -1067,7 +1068,7 @@
     </p:spTree>
     <p:extLst>
       <p:ext uri="{BB962C8B-B14F-4D97-AF65-F5344CB8AC3E}">
-        <p14:creationId xmlns:p14="http://schemas.microsoft.com/office/powerpoint/2010/main" val="2182272685"/>
+        <p14:creationId xmlns:p14="http://schemas.microsoft.com/office/powerpoint/2010/main" val="2313163340"/>
       </p:ext>
     </p:extLst>
   </p:cSld>
@@ -1151,7 +1152,7 @@
     </p:spTree>
     <p:extLst>
       <p:ext uri="{BB962C8B-B14F-4D97-AF65-F5344CB8AC3E}">
-        <p14:creationId xmlns:p14="http://schemas.microsoft.com/office/powerpoint/2010/main" val="3772440321"/>
+        <p14:creationId xmlns:p14="http://schemas.microsoft.com/office/powerpoint/2010/main" val="2182272685"/>
       </p:ext>
     </p:extLst>
   </p:cSld>
@@ -1227,6 +1228,90 @@
             <a:fld id="{93C3B4D7-0BB6-8848-AAEB-035530BD24FD}" type="slidenum">
               <a:rPr lang="en-US" smtClean="0"/>
               <a:t>24</a:t>
+            </a:fld>
+            <a:endParaRPr lang="en-US"/>
+          </a:p>
+        </p:txBody>
+      </p:sp>
+    </p:spTree>
+    <p:extLst>
+      <p:ext uri="{BB962C8B-B14F-4D97-AF65-F5344CB8AC3E}">
+        <p14:creationId xmlns:p14="http://schemas.microsoft.com/office/powerpoint/2010/main" val="3772440321"/>
+      </p:ext>
+    </p:extLst>
+  </p:cSld>
+  <p:clrMapOvr>
+    <a:masterClrMapping/>
+  </p:clrMapOvr>
+</p:notes>
+</file>
+
+<file path=ppt/notesSlides/notesSlide18.xml><?xml version="1.0" encoding="utf-8"?>
+<p:notes xmlns:a="http://schemas.openxmlformats.org/drawingml/2006/main" xmlns:r="http://schemas.openxmlformats.org/officeDocument/2006/relationships" xmlns:p="http://schemas.openxmlformats.org/presentationml/2006/main">
+  <p:cSld>
+    <p:spTree>
+      <p:nvGrpSpPr>
+        <p:cNvPr id="1" name=""/>
+        <p:cNvGrpSpPr/>
+        <p:nvPr/>
+      </p:nvGrpSpPr>
+      <p:grpSpPr>
+        <a:xfrm>
+          <a:off x="0" y="0"/>
+          <a:ext cx="0" cy="0"/>
+          <a:chOff x="0" y="0"/>
+          <a:chExt cx="0" cy="0"/>
+        </a:xfrm>
+      </p:grpSpPr>
+      <p:sp>
+        <p:nvSpPr>
+          <p:cNvPr id="2" name="Slide Image Placeholder 1"/>
+          <p:cNvSpPr>
+            <a:spLocks noGrp="1" noRot="1" noChangeAspect="1"/>
+          </p:cNvSpPr>
+          <p:nvPr>
+            <p:ph type="sldImg"/>
+          </p:nvPr>
+        </p:nvSpPr>
+        <p:spPr/>
+      </p:sp>
+      <p:sp>
+        <p:nvSpPr>
+          <p:cNvPr id="3" name="Notes Placeholder 2"/>
+          <p:cNvSpPr>
+            <a:spLocks noGrp="1"/>
+          </p:cNvSpPr>
+          <p:nvPr>
+            <p:ph type="body" idx="1"/>
+          </p:nvPr>
+        </p:nvSpPr>
+        <p:spPr/>
+        <p:txBody>
+          <a:bodyPr/>
+          <a:lstStyle/>
+          <a:p>
+            <a:endParaRPr lang="en-US" dirty="0"/>
+          </a:p>
+        </p:txBody>
+      </p:sp>
+      <p:sp>
+        <p:nvSpPr>
+          <p:cNvPr id="4" name="Slide Number Placeholder 3"/>
+          <p:cNvSpPr>
+            <a:spLocks noGrp="1"/>
+          </p:cNvSpPr>
+          <p:nvPr>
+            <p:ph type="sldNum" sz="quarter" idx="5"/>
+          </p:nvPr>
+        </p:nvSpPr>
+        <p:spPr/>
+        <p:txBody>
+          <a:bodyPr/>
+          <a:lstStyle/>
+          <a:p>
+            <a:fld id="{93C3B4D7-0BB6-8848-AAEB-035530BD24FD}" type="slidenum">
+              <a:rPr lang="en-US" smtClean="0"/>
+              <a:t>25</a:t>
             </a:fld>
             <a:endParaRPr lang="en-US"/>
           </a:p>
@@ -1907,7 +1992,7 @@
     </p:spTree>
     <p:extLst>
       <p:ext uri="{BB962C8B-B14F-4D97-AF65-F5344CB8AC3E}">
-        <p14:creationId xmlns:p14="http://schemas.microsoft.com/office/powerpoint/2010/main" val="3890526474"/>
+        <p14:creationId xmlns:p14="http://schemas.microsoft.com/office/powerpoint/2010/main" val="3308170288"/>
       </p:ext>
     </p:extLst>
   </p:cSld>
@@ -2066,7 +2151,7 @@
           <a:p>
             <a:fld id="{B925EEBE-EEFE-B244-BC00-9A5F77BFDE60}" type="datetime1">
               <a:rPr lang="en-IN" smtClean="0"/>
-              <a:t>10/01/20</a:t>
+              <a:t>11/01/20</a:t>
             </a:fld>
             <a:endParaRPr lang="en-US"/>
           </a:p>
@@ -2266,7 +2351,7 @@
           <a:p>
             <a:fld id="{BD0F75DD-0B8E-6344-9405-F4ABD7D1D5D4}" type="datetime1">
               <a:rPr lang="en-IN" smtClean="0"/>
-              <a:t>10/01/20</a:t>
+              <a:t>11/01/20</a:t>
             </a:fld>
             <a:endParaRPr lang="en-US"/>
           </a:p>
@@ -2476,7 +2561,7 @@
           <a:p>
             <a:fld id="{60A979AD-BD27-DD4C-A4DA-CB12F38A1C00}" type="datetime1">
               <a:rPr lang="en-IN" smtClean="0"/>
-              <a:t>10/01/20</a:t>
+              <a:t>11/01/20</a:t>
             </a:fld>
             <a:endParaRPr lang="en-US"/>
           </a:p>
@@ -2676,7 +2761,7 @@
           <a:p>
             <a:fld id="{B5FEA0D5-2DE4-4545-B774-B83F7EB3EE76}" type="datetime1">
               <a:rPr lang="en-IN" smtClean="0"/>
-              <a:t>10/01/20</a:t>
+              <a:t>11/01/20</a:t>
             </a:fld>
             <a:endParaRPr lang="en-US"/>
           </a:p>
@@ -2952,7 +3037,7 @@
           <a:p>
             <a:fld id="{07B477B9-9980-7E4C-9985-0FDBAA35FC81}" type="datetime1">
               <a:rPr lang="en-IN" smtClean="0"/>
-              <a:t>10/01/20</a:t>
+              <a:t>11/01/20</a:t>
             </a:fld>
             <a:endParaRPr lang="en-US"/>
           </a:p>
@@ -3220,7 +3305,7 @@
           <a:p>
             <a:fld id="{23CDD473-1A5C-7F40-A8E6-4CC637FA6B85}" type="datetime1">
               <a:rPr lang="en-IN" smtClean="0"/>
-              <a:t>10/01/20</a:t>
+              <a:t>11/01/20</a:t>
             </a:fld>
             <a:endParaRPr lang="en-US"/>
           </a:p>
@@ -3635,7 +3720,7 @@
           <a:p>
             <a:fld id="{4FB6258E-34C0-144C-B313-B68008D55017}" type="datetime1">
               <a:rPr lang="en-IN" smtClean="0"/>
-              <a:t>10/01/20</a:t>
+              <a:t>11/01/20</a:t>
             </a:fld>
             <a:endParaRPr lang="en-US"/>
           </a:p>
@@ -3777,7 +3862,7 @@
           <a:p>
             <a:fld id="{914F8D1E-88CD-D54E-BCD0-7329799842A0}" type="datetime1">
               <a:rPr lang="en-IN" smtClean="0"/>
-              <a:t>10/01/20</a:t>
+              <a:t>11/01/20</a:t>
             </a:fld>
             <a:endParaRPr lang="en-US"/>
           </a:p>
@@ -3890,7 +3975,7 @@
           <a:p>
             <a:fld id="{03EA06D0-71A8-DC46-9CB5-B51AB6CECA2E}" type="datetime1">
               <a:rPr lang="en-IN" smtClean="0"/>
-              <a:t>10/01/20</a:t>
+              <a:t>11/01/20</a:t>
             </a:fld>
             <a:endParaRPr lang="en-US"/>
           </a:p>
@@ -4203,7 +4288,7 @@
           <a:p>
             <a:fld id="{88FE8B8B-44AA-424C-B758-385D5C306E88}" type="datetime1">
               <a:rPr lang="en-IN" smtClean="0"/>
-              <a:t>10/01/20</a:t>
+              <a:t>11/01/20</a:t>
             </a:fld>
             <a:endParaRPr lang="en-US"/>
           </a:p>
@@ -4492,7 +4577,7 @@
           <a:p>
             <a:fld id="{66FC8382-A9CF-E44F-9DDB-A0138475716C}" type="datetime1">
               <a:rPr lang="en-IN" smtClean="0"/>
-              <a:t>10/01/20</a:t>
+              <a:t>11/01/20</a:t>
             </a:fld>
             <a:endParaRPr lang="en-US"/>
           </a:p>
@@ -4735,7 +4820,7 @@
           <a:p>
             <a:fld id="{5A9EC791-EFE7-D44E-92DB-80C7D533BC4C}" type="datetime1">
               <a:rPr lang="en-IN" smtClean="0"/>
-              <a:t>10/01/20</a:t>
+              <a:t>11/01/20</a:t>
             </a:fld>
             <a:endParaRPr lang="en-US"/>
           </a:p>
@@ -5213,7 +5298,9 @@
           </a:xfrm>
         </p:spPr>
         <p:txBody>
-          <a:bodyPr/>
+          <a:bodyPr>
+            <a:normAutofit fontScale="55000" lnSpcReduction="20000"/>
+          </a:bodyPr>
           <a:lstStyle/>
           <a:p>
             <a:r>
@@ -5310,7 +5397,7 @@
           <a:p>
             <a:fld id="{12069FE6-B041-374D-9DCC-DCD2D984ACD3}" type="datetime1">
               <a:rPr lang="en-IN" smtClean="0"/>
-              <a:t>10/01/20</a:t>
+              <a:t>11/01/20</a:t>
             </a:fld>
             <a:endParaRPr lang="en-US"/>
           </a:p>
@@ -5603,7 +5690,7 @@
           <a:p>
             <a:fld id="{75262197-7B77-2A48-8CC8-564453387870}" type="datetime1">
               <a:rPr lang="en-IN" smtClean="0"/>
-              <a:t>10/01/20</a:t>
+              <a:t>11/01/20</a:t>
             </a:fld>
             <a:endParaRPr lang="en-US"/>
           </a:p>
@@ -6301,7 +6388,7 @@
           <a:p>
             <a:fld id="{333CB848-8D90-5B41-A101-E5B5735F06B1}" type="datetime1">
               <a:rPr lang="en-IN" smtClean="0"/>
-              <a:t>10/01/20</a:t>
+              <a:t>11/01/20</a:t>
             </a:fld>
             <a:endParaRPr lang="en-US"/>
           </a:p>
@@ -7466,8 +7553,8 @@
         </p:nvSpPr>
         <p:spPr>
           <a:xfrm>
-            <a:off x="9496314" y="2798267"/>
-            <a:ext cx="2310248" cy="461665"/>
+            <a:off x="9252025" y="2775859"/>
+            <a:ext cx="2515432" cy="461665"/>
           </a:xfrm>
           <a:prstGeom prst="rect">
             <a:avLst/>
@@ -7485,7 +7572,7 @@
                 <a:latin typeface="Times New Roman" panose="02020603050405020304" pitchFamily="18" charset="0"/>
                 <a:cs typeface="Times New Roman" panose="02020603050405020304" pitchFamily="18" charset="0"/>
               </a:rPr>
-              <a:t>Global Container</a:t>
+              <a:t>Global Namespace</a:t>
             </a:r>
           </a:p>
         </p:txBody>
@@ -7513,7 +7600,7 @@
           <a:p>
             <a:fld id="{8B02429F-A000-AB4B-A6B9-CB2F91FD3E62}" type="datetime1">
               <a:rPr lang="en-IN" smtClean="0"/>
-              <a:t>10/01/20</a:t>
+              <a:t>11/01/20</a:t>
             </a:fld>
             <a:endParaRPr lang="en-US"/>
           </a:p>
@@ -7545,6 +7632,44 @@
               <a:t>12</a:t>
             </a:fld>
             <a:endParaRPr lang="en-US"/>
+          </a:p>
+        </p:txBody>
+      </p:sp>
+      <p:sp>
+        <p:nvSpPr>
+          <p:cNvPr id="15" name="TextBox 14">
+            <a:extLst>
+              <a:ext uri="{FF2B5EF4-FFF2-40B4-BE49-F238E27FC236}">
+                <a16:creationId xmlns:a16="http://schemas.microsoft.com/office/drawing/2014/main" id="{2523E7BE-87ED-9F4D-8EDE-3EB5E203EF28}"/>
+              </a:ext>
+            </a:extLst>
+          </p:cNvPr>
+          <p:cNvSpPr txBox="1"/>
+          <p:nvPr/>
+        </p:nvSpPr>
+        <p:spPr>
+          <a:xfrm>
+            <a:off x="10476065" y="2335927"/>
+            <a:ext cx="1518364" cy="461665"/>
+          </a:xfrm>
+          <a:prstGeom prst="rect">
+            <a:avLst/>
+          </a:prstGeom>
+          <a:noFill/>
+        </p:spPr>
+        <p:txBody>
+          <a:bodyPr wrap="none" rtlCol="0">
+            <a:spAutoFit/>
+          </a:bodyPr>
+          <a:lstStyle/>
+          <a:p>
+            <a:r>
+              <a:rPr lang="en-US" sz="2400" b="1" dirty="0">
+                <a:latin typeface="Times New Roman" panose="02020603050405020304" pitchFamily="18" charset="0"/>
+                <a:cs typeface="Times New Roman" panose="02020603050405020304" pitchFamily="18" charset="0"/>
+              </a:rPr>
+              <a:t>Container</a:t>
+            </a:r>
           </a:p>
         </p:txBody>
       </p:sp>
@@ -8257,6 +8382,33 @@
                                   </p:childTnLst>
                                 </p:cTn>
                               </p:par>
+                              <p:par>
+                                <p:cTn id="61" presetID="1" presetClass="entr" presetSubtype="0" fill="hold" grpId="0" nodeType="withEffect">
+                                  <p:stCondLst>
+                                    <p:cond delay="0"/>
+                                  </p:stCondLst>
+                                  <p:childTnLst>
+                                    <p:set>
+                                      <p:cBhvr>
+                                        <p:cTn id="62" dur="1" fill="hold">
+                                          <p:stCondLst>
+                                            <p:cond delay="0"/>
+                                          </p:stCondLst>
+                                        </p:cTn>
+                                        <p:tgtEl>
+                                          <p:spTgt spid="15"/>
+                                        </p:tgtEl>
+                                        <p:attrNameLst>
+                                          <p:attrName>style.visibility</p:attrName>
+                                        </p:attrNameLst>
+                                      </p:cBhvr>
+                                      <p:to>
+                                        <p:strVal val="visible"/>
+                                      </p:to>
+                                    </p:set>
+                                  </p:childTnLst>
+                                </p:cTn>
+                              </p:par>
                             </p:childTnLst>
                           </p:cTn>
                         </p:par>
@@ -8298,6 +8450,7 @@
       <p:bldP spid="24" grpId="0"/>
       <p:bldP spid="25" grpId="0"/>
       <p:bldP spid="27" grpId="0"/>
+      <p:bldP spid="15" grpId="0"/>
     </p:bldLst>
   </p:timing>
 </p:sld>
@@ -9666,7 +9819,7 @@
           <a:p>
             <a:fld id="{521B57EF-AF81-0B46-A8B9-68CC97803AA1}" type="datetime1">
               <a:rPr lang="en-IN" smtClean="0"/>
-              <a:t>10/01/20</a:t>
+              <a:t>11/01/20</a:t>
             </a:fld>
             <a:endParaRPr lang="en-US"/>
           </a:p>
@@ -10440,6 +10593,1200 @@
         </p:nvSpPr>
         <p:spPr>
           <a:xfrm>
+            <a:off x="568410" y="827901"/>
+            <a:ext cx="11623589" cy="5758249"/>
+          </a:xfrm>
+        </p:spPr>
+        <p:txBody>
+          <a:bodyPr>
+            <a:normAutofit/>
+          </a:bodyPr>
+          <a:lstStyle/>
+          <a:p>
+            <a:pPr marL="0" indent="0">
+              <a:buNone/>
+            </a:pPr>
+            <a:r>
+              <a:rPr lang="en-US" sz="2800" dirty="0">
+                <a:latin typeface="Times New Roman" panose="02020603050405020304" pitchFamily="18" charset="0"/>
+                <a:cs typeface="Times New Roman" panose="02020603050405020304" pitchFamily="18" charset="0"/>
+              </a:rPr>
+              <a:t> </a:t>
+            </a:r>
+          </a:p>
+        </p:txBody>
+      </p:sp>
+      <p:sp>
+        <p:nvSpPr>
+          <p:cNvPr id="4" name="Title 1">
+            <a:extLst>
+              <a:ext uri="{FF2B5EF4-FFF2-40B4-BE49-F238E27FC236}">
+                <a16:creationId xmlns:a16="http://schemas.microsoft.com/office/drawing/2014/main" id="{EB411E5D-7C21-F441-A960-AB5FC5A47EC1}"/>
+              </a:ext>
+            </a:extLst>
+          </p:cNvPr>
+          <p:cNvSpPr txBox="1">
+            <a:spLocks/>
+          </p:cNvSpPr>
+          <p:nvPr/>
+        </p:nvSpPr>
+        <p:spPr>
+          <a:xfrm>
+            <a:off x="0" y="0"/>
+            <a:ext cx="10515600" cy="767255"/>
+          </a:xfrm>
+          <a:prstGeom prst="rect">
+            <a:avLst/>
+          </a:prstGeom>
+        </p:spPr>
+        <p:txBody>
+          <a:bodyPr vert="horz" lIns="91440" tIns="45720" rIns="91440" bIns="45720" rtlCol="0" anchor="ctr">
+            <a:normAutofit/>
+          </a:bodyPr>
+          <a:lstStyle>
+            <a:lvl1pPr algn="l" defTabSz="914400" rtl="0" eaLnBrk="1" latinLnBrk="0" hangingPunct="1">
+              <a:lnSpc>
+                <a:spcPct val="90000"/>
+              </a:lnSpc>
+              <a:spcBef>
+                <a:spcPct val="0"/>
+              </a:spcBef>
+              <a:buNone/>
+              <a:defRPr sz="4400" kern="1200">
+                <a:solidFill>
+                  <a:schemeClr val="tx1"/>
+                </a:solidFill>
+                <a:latin typeface="+mj-lt"/>
+                <a:ea typeface="+mj-ea"/>
+                <a:cs typeface="+mj-cs"/>
+              </a:defRPr>
+            </a:lvl1pPr>
+          </a:lstStyle>
+          <a:p>
+            <a:r>
+              <a:rPr lang="en-US" sz="3800" b="1" u="sng" dirty="0">
+                <a:solidFill>
+                  <a:srgbClr val="00B0F0"/>
+                </a:solidFill>
+                <a:latin typeface="Times New Roman" panose="02020603050405020304" pitchFamily="18" charset="0"/>
+                <a:cs typeface="Times New Roman" panose="02020603050405020304" pitchFamily="18" charset="0"/>
+              </a:rPr>
+              <a:t>Let’s Create a New UTS Namespace</a:t>
+            </a:r>
+          </a:p>
+        </p:txBody>
+      </p:sp>
+      <p:sp>
+        <p:nvSpPr>
+          <p:cNvPr id="10" name="Rectangle 9">
+            <a:extLst>
+              <a:ext uri="{FF2B5EF4-FFF2-40B4-BE49-F238E27FC236}">
+                <a16:creationId xmlns:a16="http://schemas.microsoft.com/office/drawing/2014/main" id="{5A82CA32-93E7-F840-A14E-D1B95D1D7105}"/>
+              </a:ext>
+            </a:extLst>
+          </p:cNvPr>
+          <p:cNvSpPr/>
+          <p:nvPr/>
+        </p:nvSpPr>
+        <p:spPr>
+          <a:xfrm>
+            <a:off x="4973393" y="2023031"/>
+            <a:ext cx="1944304" cy="900447"/>
+          </a:xfrm>
+          <a:prstGeom prst="rect">
+            <a:avLst/>
+          </a:prstGeom>
+          <a:scene3d>
+            <a:camera prst="orthographicFront"/>
+            <a:lightRig rig="threePt" dir="t"/>
+          </a:scene3d>
+          <a:sp3d>
+            <a:bevelT/>
+          </a:sp3d>
+        </p:spPr>
+        <p:style>
+          <a:lnRef idx="2">
+            <a:schemeClr val="accent1">
+              <a:shade val="50000"/>
+            </a:schemeClr>
+          </a:lnRef>
+          <a:fillRef idx="1">
+            <a:schemeClr val="accent1"/>
+          </a:fillRef>
+          <a:effectRef idx="0">
+            <a:schemeClr val="accent1"/>
+          </a:effectRef>
+          <a:fontRef idx="minor">
+            <a:schemeClr val="lt1"/>
+          </a:fontRef>
+        </p:style>
+        <p:txBody>
+          <a:bodyPr rtlCol="0" anchor="ctr"/>
+          <a:lstStyle/>
+          <a:p>
+            <a:pPr algn="ctr"/>
+            <a:r>
+              <a:rPr lang="en-US" sz="2400" dirty="0" err="1">
+                <a:latin typeface="Times New Roman" panose="02020603050405020304" pitchFamily="18" charset="0"/>
+                <a:cs typeface="Times New Roman" panose="02020603050405020304" pitchFamily="18" charset="0"/>
+              </a:rPr>
+              <a:t>new_uts</a:t>
+            </a:r>
+            <a:endParaRPr lang="en-US" sz="2400" dirty="0">
+              <a:latin typeface="Times New Roman" panose="02020603050405020304" pitchFamily="18" charset="0"/>
+              <a:cs typeface="Times New Roman" panose="02020603050405020304" pitchFamily="18" charset="0"/>
+            </a:endParaRPr>
+          </a:p>
+        </p:txBody>
+      </p:sp>
+      <p:sp>
+        <p:nvSpPr>
+          <p:cNvPr id="12" name="TextBox 11">
+            <a:extLst>
+              <a:ext uri="{FF2B5EF4-FFF2-40B4-BE49-F238E27FC236}">
+                <a16:creationId xmlns:a16="http://schemas.microsoft.com/office/drawing/2014/main" id="{DCAD55CD-511D-BF4E-98EE-C481F9872084}"/>
+              </a:ext>
+            </a:extLst>
+          </p:cNvPr>
+          <p:cNvSpPr txBox="1"/>
+          <p:nvPr/>
+        </p:nvSpPr>
+        <p:spPr>
+          <a:xfrm>
+            <a:off x="568410" y="827901"/>
+            <a:ext cx="2807179" cy="461665"/>
+          </a:xfrm>
+          <a:prstGeom prst="rect">
+            <a:avLst/>
+          </a:prstGeom>
+          <a:noFill/>
+        </p:spPr>
+        <p:txBody>
+          <a:bodyPr wrap="none" rtlCol="0">
+            <a:spAutoFit/>
+          </a:bodyPr>
+          <a:lstStyle/>
+          <a:p>
+            <a:r>
+              <a:rPr lang="en-US" sz="2400" dirty="0">
+                <a:latin typeface="Times New Roman" panose="02020603050405020304" pitchFamily="18" charset="0"/>
+                <a:cs typeface="Times New Roman" panose="02020603050405020304" pitchFamily="18" charset="0"/>
+              </a:rPr>
+              <a:t>$</a:t>
+            </a:r>
+            <a:r>
+              <a:rPr lang="en-US" sz="2400" dirty="0">
+                <a:solidFill>
+                  <a:srgbClr val="FF0000"/>
+                </a:solidFill>
+                <a:latin typeface="Times New Roman" panose="02020603050405020304" pitchFamily="18" charset="0"/>
+                <a:cs typeface="Times New Roman" panose="02020603050405020304" pitchFamily="18" charset="0"/>
+              </a:rPr>
+              <a:t> ./</a:t>
+            </a:r>
+            <a:r>
+              <a:rPr lang="en-US" sz="2400" dirty="0" err="1">
+                <a:solidFill>
+                  <a:srgbClr val="FF0000"/>
+                </a:solidFill>
+                <a:latin typeface="Times New Roman" panose="02020603050405020304" pitchFamily="18" charset="0"/>
+                <a:cs typeface="Times New Roman" panose="02020603050405020304" pitchFamily="18" charset="0"/>
+              </a:rPr>
+              <a:t>new_uts</a:t>
+            </a:r>
+            <a:r>
+              <a:rPr lang="en-US" sz="2400" dirty="0">
+                <a:solidFill>
+                  <a:srgbClr val="FF0000"/>
+                </a:solidFill>
+                <a:latin typeface="Times New Roman" panose="02020603050405020304" pitchFamily="18" charset="0"/>
+                <a:cs typeface="Times New Roman" panose="02020603050405020304" pitchFamily="18" charset="0"/>
+              </a:rPr>
+              <a:t> </a:t>
+            </a:r>
+            <a:r>
+              <a:rPr lang="en-US" sz="2400" dirty="0">
+                <a:latin typeface="Times New Roman" panose="02020603050405020304" pitchFamily="18" charset="0"/>
+                <a:cs typeface="Times New Roman" panose="02020603050405020304" pitchFamily="18" charset="0"/>
+              </a:rPr>
+              <a:t>/bin/bash</a:t>
+            </a:r>
+          </a:p>
+        </p:txBody>
+      </p:sp>
+      <p:cxnSp>
+        <p:nvCxnSpPr>
+          <p:cNvPr id="20" name="Straight Arrow Connector 19">
+            <a:extLst>
+              <a:ext uri="{FF2B5EF4-FFF2-40B4-BE49-F238E27FC236}">
+                <a16:creationId xmlns:a16="http://schemas.microsoft.com/office/drawing/2014/main" id="{A5D7E91A-A22D-2D4A-BBDF-F18FE8CED75E}"/>
+              </a:ext>
+            </a:extLst>
+          </p:cNvPr>
+          <p:cNvCxnSpPr>
+            <a:stCxn id="10" idx="2"/>
+          </p:cNvCxnSpPr>
+          <p:nvPr/>
+        </p:nvCxnSpPr>
+        <p:spPr>
+          <a:xfrm flipH="1">
+            <a:off x="5940405" y="2923478"/>
+            <a:ext cx="5140" cy="1070971"/>
+          </a:xfrm>
+          <a:prstGeom prst="straightConnector1">
+            <a:avLst/>
+          </a:prstGeom>
+          <a:ln w="31750" cap="flat" cmpd="sng" algn="ctr">
+            <a:solidFill>
+              <a:schemeClr val="dk1"/>
+            </a:solidFill>
+            <a:prstDash val="solid"/>
+            <a:round/>
+            <a:headEnd type="none" w="med" len="med"/>
+            <a:tailEnd type="arrow" w="med" len="med"/>
+          </a:ln>
+        </p:spPr>
+        <p:style>
+          <a:lnRef idx="0">
+            <a:scrgbClr r="0" g="0" b="0"/>
+          </a:lnRef>
+          <a:fillRef idx="0">
+            <a:scrgbClr r="0" g="0" b="0"/>
+          </a:fillRef>
+          <a:effectRef idx="0">
+            <a:scrgbClr r="0" g="0" b="0"/>
+          </a:effectRef>
+          <a:fontRef idx="minor">
+            <a:schemeClr val="tx1"/>
+          </a:fontRef>
+        </p:style>
+      </p:cxnSp>
+      <p:sp>
+        <p:nvSpPr>
+          <p:cNvPr id="21" name="TextBox 20">
+            <a:extLst>
+              <a:ext uri="{FF2B5EF4-FFF2-40B4-BE49-F238E27FC236}">
+                <a16:creationId xmlns:a16="http://schemas.microsoft.com/office/drawing/2014/main" id="{16543FCC-D96E-9C43-BF48-D0DE183F5E7A}"/>
+              </a:ext>
+            </a:extLst>
+          </p:cNvPr>
+          <p:cNvSpPr txBox="1"/>
+          <p:nvPr/>
+        </p:nvSpPr>
+        <p:spPr>
+          <a:xfrm>
+            <a:off x="4097502" y="3207442"/>
+            <a:ext cx="3685805" cy="461665"/>
+          </a:xfrm>
+          <a:prstGeom prst="rect">
+            <a:avLst/>
+          </a:prstGeom>
+          <a:noFill/>
+        </p:spPr>
+        <p:txBody>
+          <a:bodyPr wrap="square" rtlCol="0">
+            <a:spAutoFit/>
+          </a:bodyPr>
+          <a:lstStyle/>
+          <a:p>
+            <a:r>
+              <a:rPr lang="en-US" sz="2400" b="1" dirty="0">
+                <a:solidFill>
+                  <a:srgbClr val="FF0000"/>
+                </a:solidFill>
+                <a:latin typeface="Times New Roman" panose="02020603050405020304" pitchFamily="18" charset="0"/>
+                <a:cs typeface="Times New Roman" panose="02020603050405020304" pitchFamily="18" charset="0"/>
+              </a:rPr>
+              <a:t>clone(CLONE_NEWUTS)</a:t>
+            </a:r>
+          </a:p>
+        </p:txBody>
+      </p:sp>
+      <p:sp>
+        <p:nvSpPr>
+          <p:cNvPr id="14" name="Rectangle 13">
+            <a:extLst>
+              <a:ext uri="{FF2B5EF4-FFF2-40B4-BE49-F238E27FC236}">
+                <a16:creationId xmlns:a16="http://schemas.microsoft.com/office/drawing/2014/main" id="{FF09660B-8F95-6944-B568-C27A8288C7C0}"/>
+              </a:ext>
+            </a:extLst>
+          </p:cNvPr>
+          <p:cNvSpPr/>
+          <p:nvPr/>
+        </p:nvSpPr>
+        <p:spPr>
+          <a:xfrm>
+            <a:off x="4860475" y="3994449"/>
+            <a:ext cx="2176530" cy="1469682"/>
+          </a:xfrm>
+          <a:prstGeom prst="rect">
+            <a:avLst/>
+          </a:prstGeom>
+          <a:solidFill>
+            <a:schemeClr val="bg1"/>
+          </a:solidFill>
+          <a:ln w="47625">
+            <a:prstDash val="sysDot"/>
+          </a:ln>
+        </p:spPr>
+        <p:style>
+          <a:lnRef idx="2">
+            <a:schemeClr val="accent1">
+              <a:shade val="50000"/>
+            </a:schemeClr>
+          </a:lnRef>
+          <a:fillRef idx="1">
+            <a:schemeClr val="accent1"/>
+          </a:fillRef>
+          <a:effectRef idx="0">
+            <a:schemeClr val="accent1"/>
+          </a:effectRef>
+          <a:fontRef idx="minor">
+            <a:schemeClr val="lt1"/>
+          </a:fontRef>
+        </p:style>
+        <p:txBody>
+          <a:bodyPr rtlCol="0" anchor="ctr"/>
+          <a:lstStyle/>
+          <a:p>
+            <a:pPr algn="ctr"/>
+            <a:endParaRPr lang="en-US"/>
+          </a:p>
+        </p:txBody>
+      </p:sp>
+      <p:sp>
+        <p:nvSpPr>
+          <p:cNvPr id="15" name="Rectangle 14">
+            <a:extLst>
+              <a:ext uri="{FF2B5EF4-FFF2-40B4-BE49-F238E27FC236}">
+                <a16:creationId xmlns:a16="http://schemas.microsoft.com/office/drawing/2014/main" id="{EFBDD3D7-06F4-F040-A44E-68E193F071CE}"/>
+              </a:ext>
+            </a:extLst>
+          </p:cNvPr>
+          <p:cNvSpPr/>
+          <p:nvPr/>
+        </p:nvSpPr>
+        <p:spPr>
+          <a:xfrm>
+            <a:off x="4973393" y="4067562"/>
+            <a:ext cx="1944304" cy="374914"/>
+          </a:xfrm>
+          <a:prstGeom prst="rect">
+            <a:avLst/>
+          </a:prstGeom>
+          <a:scene3d>
+            <a:camera prst="orthographicFront"/>
+            <a:lightRig rig="threePt" dir="t"/>
+          </a:scene3d>
+          <a:sp3d>
+            <a:bevelT/>
+          </a:sp3d>
+        </p:spPr>
+        <p:style>
+          <a:lnRef idx="2">
+            <a:schemeClr val="accent1">
+              <a:shade val="50000"/>
+            </a:schemeClr>
+          </a:lnRef>
+          <a:fillRef idx="1">
+            <a:schemeClr val="accent1"/>
+          </a:fillRef>
+          <a:effectRef idx="0">
+            <a:schemeClr val="accent1"/>
+          </a:effectRef>
+          <a:fontRef idx="minor">
+            <a:schemeClr val="lt1"/>
+          </a:fontRef>
+        </p:style>
+        <p:txBody>
+          <a:bodyPr rtlCol="0" anchor="ctr"/>
+          <a:lstStyle/>
+          <a:p>
+            <a:pPr algn="ctr"/>
+            <a:r>
+              <a:rPr lang="en-US" sz="2400" dirty="0">
+                <a:latin typeface="Times New Roman" panose="02020603050405020304" pitchFamily="18" charset="0"/>
+                <a:cs typeface="Times New Roman" panose="02020603050405020304" pitchFamily="18" charset="0"/>
+              </a:rPr>
+              <a:t>setup</a:t>
+            </a:r>
+          </a:p>
+        </p:txBody>
+      </p:sp>
+      <p:sp>
+        <p:nvSpPr>
+          <p:cNvPr id="16" name="TextBox 15">
+            <a:extLst>
+              <a:ext uri="{FF2B5EF4-FFF2-40B4-BE49-F238E27FC236}">
+                <a16:creationId xmlns:a16="http://schemas.microsoft.com/office/drawing/2014/main" id="{34F14070-E881-264C-84B6-F3E75070789E}"/>
+              </a:ext>
+            </a:extLst>
+          </p:cNvPr>
+          <p:cNvSpPr txBox="1"/>
+          <p:nvPr/>
+        </p:nvSpPr>
+        <p:spPr>
+          <a:xfrm>
+            <a:off x="5259107" y="5464131"/>
+            <a:ext cx="1372876" cy="461665"/>
+          </a:xfrm>
+          <a:prstGeom prst="rect">
+            <a:avLst/>
+          </a:prstGeom>
+          <a:noFill/>
+        </p:spPr>
+        <p:txBody>
+          <a:bodyPr wrap="none" rtlCol="0">
+            <a:spAutoFit/>
+          </a:bodyPr>
+          <a:lstStyle/>
+          <a:p>
+            <a:r>
+              <a:rPr lang="en-US" sz="2400" dirty="0">
+                <a:latin typeface="Times New Roman" panose="02020603050405020304" pitchFamily="18" charset="0"/>
+                <a:cs typeface="Times New Roman" panose="02020603050405020304" pitchFamily="18" charset="0"/>
+              </a:rPr>
+              <a:t>container</a:t>
+            </a:r>
+          </a:p>
+        </p:txBody>
+      </p:sp>
+      <p:sp>
+        <p:nvSpPr>
+          <p:cNvPr id="17" name="Rectangle 16">
+            <a:extLst>
+              <a:ext uri="{FF2B5EF4-FFF2-40B4-BE49-F238E27FC236}">
+                <a16:creationId xmlns:a16="http://schemas.microsoft.com/office/drawing/2014/main" id="{473ED951-F6FF-C449-8309-1B784897D789}"/>
+              </a:ext>
+            </a:extLst>
+          </p:cNvPr>
+          <p:cNvSpPr/>
+          <p:nvPr/>
+        </p:nvSpPr>
+        <p:spPr>
+          <a:xfrm>
+            <a:off x="4973393" y="4929734"/>
+            <a:ext cx="1944304" cy="374914"/>
+          </a:xfrm>
+          <a:prstGeom prst="rect">
+            <a:avLst/>
+          </a:prstGeom>
+          <a:scene3d>
+            <a:camera prst="orthographicFront"/>
+            <a:lightRig rig="threePt" dir="t"/>
+          </a:scene3d>
+          <a:sp3d>
+            <a:bevelT/>
+          </a:sp3d>
+        </p:spPr>
+        <p:style>
+          <a:lnRef idx="2">
+            <a:schemeClr val="accent1">
+              <a:shade val="50000"/>
+            </a:schemeClr>
+          </a:lnRef>
+          <a:fillRef idx="1">
+            <a:schemeClr val="accent1"/>
+          </a:fillRef>
+          <a:effectRef idx="0">
+            <a:schemeClr val="accent1"/>
+          </a:effectRef>
+          <a:fontRef idx="minor">
+            <a:schemeClr val="lt1"/>
+          </a:fontRef>
+        </p:style>
+        <p:txBody>
+          <a:bodyPr rtlCol="0" anchor="ctr"/>
+          <a:lstStyle/>
+          <a:p>
+            <a:pPr algn="ctr"/>
+            <a:r>
+              <a:rPr lang="en-US" sz="2400" dirty="0">
+                <a:latin typeface="Times New Roman" panose="02020603050405020304" pitchFamily="18" charset="0"/>
+                <a:cs typeface="Times New Roman" panose="02020603050405020304" pitchFamily="18" charset="0"/>
+              </a:rPr>
+              <a:t>/bin/bash</a:t>
+            </a:r>
+          </a:p>
+        </p:txBody>
+      </p:sp>
+      <p:cxnSp>
+        <p:nvCxnSpPr>
+          <p:cNvPr id="18" name="Straight Arrow Connector 17">
+            <a:extLst>
+              <a:ext uri="{FF2B5EF4-FFF2-40B4-BE49-F238E27FC236}">
+                <a16:creationId xmlns:a16="http://schemas.microsoft.com/office/drawing/2014/main" id="{1CE182F5-44C1-BF48-9F8C-E4D35E934286}"/>
+              </a:ext>
+            </a:extLst>
+          </p:cNvPr>
+          <p:cNvCxnSpPr>
+            <a:stCxn id="15" idx="2"/>
+            <a:endCxn id="17" idx="0"/>
+          </p:cNvCxnSpPr>
+          <p:nvPr/>
+        </p:nvCxnSpPr>
+        <p:spPr>
+          <a:xfrm>
+            <a:off x="5945545" y="4442476"/>
+            <a:ext cx="0" cy="487258"/>
+          </a:xfrm>
+          <a:prstGeom prst="straightConnector1">
+            <a:avLst/>
+          </a:prstGeom>
+          <a:ln w="28575" cap="flat" cmpd="sng" algn="ctr">
+            <a:solidFill>
+              <a:schemeClr val="dk1"/>
+            </a:solidFill>
+            <a:prstDash val="solid"/>
+            <a:round/>
+            <a:headEnd type="none" w="med" len="med"/>
+            <a:tailEnd type="arrow" w="med" len="med"/>
+          </a:ln>
+        </p:spPr>
+        <p:style>
+          <a:lnRef idx="0">
+            <a:scrgbClr r="0" g="0" b="0"/>
+          </a:lnRef>
+          <a:fillRef idx="0">
+            <a:scrgbClr r="0" g="0" b="0"/>
+          </a:fillRef>
+          <a:effectRef idx="0">
+            <a:scrgbClr r="0" g="0" b="0"/>
+          </a:effectRef>
+          <a:fontRef idx="minor">
+            <a:schemeClr val="tx1"/>
+          </a:fontRef>
+        </p:style>
+      </p:cxnSp>
+      <p:sp>
+        <p:nvSpPr>
+          <p:cNvPr id="19" name="TextBox 18">
+            <a:extLst>
+              <a:ext uri="{FF2B5EF4-FFF2-40B4-BE49-F238E27FC236}">
+                <a16:creationId xmlns:a16="http://schemas.microsoft.com/office/drawing/2014/main" id="{40F5D677-81F4-6B47-835F-9AB9798201F1}"/>
+              </a:ext>
+            </a:extLst>
+          </p:cNvPr>
+          <p:cNvSpPr txBox="1"/>
+          <p:nvPr/>
+        </p:nvSpPr>
+        <p:spPr>
+          <a:xfrm>
+            <a:off x="4927173" y="4388327"/>
+            <a:ext cx="1055097" cy="461665"/>
+          </a:xfrm>
+          <a:prstGeom prst="rect">
+            <a:avLst/>
+          </a:prstGeom>
+          <a:noFill/>
+        </p:spPr>
+        <p:txBody>
+          <a:bodyPr wrap="none" rtlCol="0">
+            <a:spAutoFit/>
+          </a:bodyPr>
+          <a:lstStyle/>
+          <a:p>
+            <a:r>
+              <a:rPr lang="en-US" sz="2400" dirty="0">
+                <a:latin typeface="Times New Roman" panose="02020603050405020304" pitchFamily="18" charset="0"/>
+                <a:cs typeface="Times New Roman" panose="02020603050405020304" pitchFamily="18" charset="0"/>
+              </a:rPr>
+              <a:t>clone()</a:t>
+            </a:r>
+          </a:p>
+        </p:txBody>
+      </p:sp>
+      <p:sp>
+        <p:nvSpPr>
+          <p:cNvPr id="2" name="Date Placeholder 1">
+            <a:extLst>
+              <a:ext uri="{FF2B5EF4-FFF2-40B4-BE49-F238E27FC236}">
+                <a16:creationId xmlns:a16="http://schemas.microsoft.com/office/drawing/2014/main" id="{66F61F8D-4344-354E-A3AF-91679C4C96AE}"/>
+              </a:ext>
+            </a:extLst>
+          </p:cNvPr>
+          <p:cNvSpPr>
+            <a:spLocks noGrp="1"/>
+          </p:cNvSpPr>
+          <p:nvPr>
+            <p:ph type="dt" sz="half" idx="10"/>
+          </p:nvPr>
+        </p:nvSpPr>
+        <p:spPr/>
+        <p:txBody>
+          <a:bodyPr/>
+          <a:lstStyle/>
+          <a:p>
+            <a:fld id="{10695C4A-B77B-6E49-8769-89BFF5DFD3E6}" type="datetime1">
+              <a:rPr lang="en-IN" smtClean="0"/>
+              <a:t>11/01/20</a:t>
+            </a:fld>
+            <a:endParaRPr lang="en-US"/>
+          </a:p>
+        </p:txBody>
+      </p:sp>
+      <p:sp>
+        <p:nvSpPr>
+          <p:cNvPr id="5" name="Slide Number Placeholder 4">
+            <a:extLst>
+              <a:ext uri="{FF2B5EF4-FFF2-40B4-BE49-F238E27FC236}">
+                <a16:creationId xmlns:a16="http://schemas.microsoft.com/office/drawing/2014/main" id="{CFB709EA-EBD7-F040-93A1-AD4A0F825755}"/>
+              </a:ext>
+            </a:extLst>
+          </p:cNvPr>
+          <p:cNvSpPr>
+            <a:spLocks noGrp="1"/>
+          </p:cNvSpPr>
+          <p:nvPr>
+            <p:ph type="sldNum" sz="quarter" idx="12"/>
+          </p:nvPr>
+        </p:nvSpPr>
+        <p:spPr/>
+        <p:txBody>
+          <a:bodyPr/>
+          <a:lstStyle/>
+          <a:p>
+            <a:fld id="{2DFE4E3B-BD83-A741-B6F9-61E4552725D1}" type="slidenum">
+              <a:rPr lang="en-US" smtClean="0"/>
+              <a:t>14</a:t>
+            </a:fld>
+            <a:endParaRPr lang="en-US"/>
+          </a:p>
+        </p:txBody>
+      </p:sp>
+    </p:spTree>
+    <p:extLst>
+      <p:ext uri="{BB962C8B-B14F-4D97-AF65-F5344CB8AC3E}">
+        <p14:creationId xmlns:p14="http://schemas.microsoft.com/office/powerpoint/2010/main" val="2537804745"/>
+      </p:ext>
+    </p:extLst>
+  </p:cSld>
+  <p:clrMapOvr>
+    <a:masterClrMapping/>
+  </p:clrMapOvr>
+  <p:timing>
+    <p:tnLst>
+      <p:par>
+        <p:cTn id="1" dur="indefinite" restart="never" nodeType="tmRoot">
+          <p:childTnLst>
+            <p:seq concurrent="1" nextAc="seek">
+              <p:cTn id="2" dur="indefinite" nodeType="mainSeq">
+                <p:childTnLst>
+                  <p:par>
+                    <p:cTn id="3" fill="hold">
+                      <p:stCondLst>
+                        <p:cond delay="indefinite"/>
+                      </p:stCondLst>
+                      <p:childTnLst>
+                        <p:par>
+                          <p:cTn id="4" fill="hold">
+                            <p:stCondLst>
+                              <p:cond delay="0"/>
+                            </p:stCondLst>
+                            <p:childTnLst>
+                              <p:par>
+                                <p:cTn id="5" presetID="1" presetClass="entr" presetSubtype="0" fill="hold" grpId="0" nodeType="clickEffect">
+                                  <p:stCondLst>
+                                    <p:cond delay="0"/>
+                                  </p:stCondLst>
+                                  <p:childTnLst>
+                                    <p:set>
+                                      <p:cBhvr>
+                                        <p:cTn id="6" dur="1" fill="hold">
+                                          <p:stCondLst>
+                                            <p:cond delay="0"/>
+                                          </p:stCondLst>
+                                        </p:cTn>
+                                        <p:tgtEl>
+                                          <p:spTgt spid="21"/>
+                                        </p:tgtEl>
+                                        <p:attrNameLst>
+                                          <p:attrName>style.visibility</p:attrName>
+                                        </p:attrNameLst>
+                                      </p:cBhvr>
+                                      <p:to>
+                                        <p:strVal val="visible"/>
+                                      </p:to>
+                                    </p:set>
+                                  </p:childTnLst>
+                                </p:cTn>
+                              </p:par>
+                              <p:par>
+                                <p:cTn id="7" presetID="1" presetClass="entr" presetSubtype="0" fill="hold" nodeType="withEffect">
+                                  <p:stCondLst>
+                                    <p:cond delay="0"/>
+                                  </p:stCondLst>
+                                  <p:childTnLst>
+                                    <p:set>
+                                      <p:cBhvr>
+                                        <p:cTn id="8" dur="1" fill="hold">
+                                          <p:stCondLst>
+                                            <p:cond delay="0"/>
+                                          </p:stCondLst>
+                                        </p:cTn>
+                                        <p:tgtEl>
+                                          <p:spTgt spid="20"/>
+                                        </p:tgtEl>
+                                        <p:attrNameLst>
+                                          <p:attrName>style.visibility</p:attrName>
+                                        </p:attrNameLst>
+                                      </p:cBhvr>
+                                      <p:to>
+                                        <p:strVal val="visible"/>
+                                      </p:to>
+                                    </p:set>
+                                  </p:childTnLst>
+                                </p:cTn>
+                              </p:par>
+                              <p:par>
+                                <p:cTn id="9" presetID="1" presetClass="entr" presetSubtype="0" fill="hold" grpId="0" nodeType="withEffect">
+                                  <p:stCondLst>
+                                    <p:cond delay="0"/>
+                                  </p:stCondLst>
+                                  <p:childTnLst>
+                                    <p:set>
+                                      <p:cBhvr>
+                                        <p:cTn id="10" dur="1" fill="hold">
+                                          <p:stCondLst>
+                                            <p:cond delay="0"/>
+                                          </p:stCondLst>
+                                        </p:cTn>
+                                        <p:tgtEl>
+                                          <p:spTgt spid="14"/>
+                                        </p:tgtEl>
+                                        <p:attrNameLst>
+                                          <p:attrName>style.visibility</p:attrName>
+                                        </p:attrNameLst>
+                                      </p:cBhvr>
+                                      <p:to>
+                                        <p:strVal val="visible"/>
+                                      </p:to>
+                                    </p:set>
+                                  </p:childTnLst>
+                                </p:cTn>
+                              </p:par>
+                              <p:par>
+                                <p:cTn id="11" presetID="1" presetClass="entr" presetSubtype="0" fill="hold" grpId="0" nodeType="withEffect">
+                                  <p:stCondLst>
+                                    <p:cond delay="0"/>
+                                  </p:stCondLst>
+                                  <p:childTnLst>
+                                    <p:set>
+                                      <p:cBhvr>
+                                        <p:cTn id="12" dur="1" fill="hold">
+                                          <p:stCondLst>
+                                            <p:cond delay="0"/>
+                                          </p:stCondLst>
+                                        </p:cTn>
+                                        <p:tgtEl>
+                                          <p:spTgt spid="15"/>
+                                        </p:tgtEl>
+                                        <p:attrNameLst>
+                                          <p:attrName>style.visibility</p:attrName>
+                                        </p:attrNameLst>
+                                      </p:cBhvr>
+                                      <p:to>
+                                        <p:strVal val="visible"/>
+                                      </p:to>
+                                    </p:set>
+                                  </p:childTnLst>
+                                </p:cTn>
+                              </p:par>
+                              <p:par>
+                                <p:cTn id="13" presetID="1" presetClass="entr" presetSubtype="0" fill="hold" grpId="0" nodeType="withEffect">
+                                  <p:stCondLst>
+                                    <p:cond delay="0"/>
+                                  </p:stCondLst>
+                                  <p:childTnLst>
+                                    <p:set>
+                                      <p:cBhvr>
+                                        <p:cTn id="14" dur="1" fill="hold">
+                                          <p:stCondLst>
+                                            <p:cond delay="0"/>
+                                          </p:stCondLst>
+                                        </p:cTn>
+                                        <p:tgtEl>
+                                          <p:spTgt spid="16"/>
+                                        </p:tgtEl>
+                                        <p:attrNameLst>
+                                          <p:attrName>style.visibility</p:attrName>
+                                        </p:attrNameLst>
+                                      </p:cBhvr>
+                                      <p:to>
+                                        <p:strVal val="visible"/>
+                                      </p:to>
+                                    </p:set>
+                                  </p:childTnLst>
+                                </p:cTn>
+                              </p:par>
+                              <p:par>
+                                <p:cTn id="15" presetID="1" presetClass="entr" presetSubtype="0" fill="hold" grpId="0" nodeType="withEffect">
+                                  <p:stCondLst>
+                                    <p:cond delay="0"/>
+                                  </p:stCondLst>
+                                  <p:childTnLst>
+                                    <p:set>
+                                      <p:cBhvr>
+                                        <p:cTn id="16" dur="1" fill="hold">
+                                          <p:stCondLst>
+                                            <p:cond delay="0"/>
+                                          </p:stCondLst>
+                                        </p:cTn>
+                                        <p:tgtEl>
+                                          <p:spTgt spid="17"/>
+                                        </p:tgtEl>
+                                        <p:attrNameLst>
+                                          <p:attrName>style.visibility</p:attrName>
+                                        </p:attrNameLst>
+                                      </p:cBhvr>
+                                      <p:to>
+                                        <p:strVal val="visible"/>
+                                      </p:to>
+                                    </p:set>
+                                  </p:childTnLst>
+                                </p:cTn>
+                              </p:par>
+                              <p:par>
+                                <p:cTn id="17" presetID="1" presetClass="entr" presetSubtype="0" fill="hold" nodeType="withEffect">
+                                  <p:stCondLst>
+                                    <p:cond delay="0"/>
+                                  </p:stCondLst>
+                                  <p:childTnLst>
+                                    <p:set>
+                                      <p:cBhvr>
+                                        <p:cTn id="18" dur="1" fill="hold">
+                                          <p:stCondLst>
+                                            <p:cond delay="0"/>
+                                          </p:stCondLst>
+                                        </p:cTn>
+                                        <p:tgtEl>
+                                          <p:spTgt spid="18"/>
+                                        </p:tgtEl>
+                                        <p:attrNameLst>
+                                          <p:attrName>style.visibility</p:attrName>
+                                        </p:attrNameLst>
+                                      </p:cBhvr>
+                                      <p:to>
+                                        <p:strVal val="visible"/>
+                                      </p:to>
+                                    </p:set>
+                                  </p:childTnLst>
+                                </p:cTn>
+                              </p:par>
+                              <p:par>
+                                <p:cTn id="19" presetID="1" presetClass="entr" presetSubtype="0" fill="hold" grpId="0" nodeType="withEffect">
+                                  <p:stCondLst>
+                                    <p:cond delay="0"/>
+                                  </p:stCondLst>
+                                  <p:childTnLst>
+                                    <p:set>
+                                      <p:cBhvr>
+                                        <p:cTn id="20" dur="1" fill="hold">
+                                          <p:stCondLst>
+                                            <p:cond delay="0"/>
+                                          </p:stCondLst>
+                                        </p:cTn>
+                                        <p:tgtEl>
+                                          <p:spTgt spid="19"/>
+                                        </p:tgtEl>
+                                        <p:attrNameLst>
+                                          <p:attrName>style.visibility</p:attrName>
+                                        </p:attrNameLst>
+                                      </p:cBhvr>
+                                      <p:to>
+                                        <p:strVal val="visible"/>
+                                      </p:to>
+                                    </p:set>
+                                  </p:childTnLst>
+                                </p:cTn>
+                              </p:par>
+                            </p:childTnLst>
+                          </p:cTn>
+                        </p:par>
+                      </p:childTnLst>
+                    </p:cTn>
+                  </p:par>
+                  <p:par>
+                    <p:cTn id="21" fill="hold">
+                      <p:stCondLst>
+                        <p:cond delay="indefinite"/>
+                      </p:stCondLst>
+                      <p:childTnLst>
+                        <p:par>
+                          <p:cTn id="22" fill="hold">
+                            <p:stCondLst>
+                              <p:cond delay="0"/>
+                            </p:stCondLst>
+                            <p:childTnLst>
+                              <p:par>
+                                <p:cTn id="23" presetID="1" presetClass="entr" presetSubtype="0" fill="hold" grpId="1" nodeType="clickEffect">
+                                  <p:stCondLst>
+                                    <p:cond delay="0"/>
+                                  </p:stCondLst>
+                                  <p:childTnLst>
+                                    <p:set>
+                                      <p:cBhvr>
+                                        <p:cTn id="24" dur="1" fill="hold">
+                                          <p:stCondLst>
+                                            <p:cond delay="0"/>
+                                          </p:stCondLst>
+                                        </p:cTn>
+                                        <p:tgtEl>
+                                          <p:spTgt spid="21"/>
+                                        </p:tgtEl>
+                                        <p:attrNameLst>
+                                          <p:attrName>style.visibility</p:attrName>
+                                        </p:attrNameLst>
+                                      </p:cBhvr>
+                                      <p:to>
+                                        <p:strVal val="visible"/>
+                                      </p:to>
+                                    </p:set>
+                                  </p:childTnLst>
+                                </p:cTn>
+                              </p:par>
+                              <p:par>
+                                <p:cTn id="25" presetID="1" presetClass="entr" presetSubtype="0" fill="hold" grpId="1" nodeType="withEffect">
+                                  <p:stCondLst>
+                                    <p:cond delay="0"/>
+                                  </p:stCondLst>
+                                  <p:childTnLst>
+                                    <p:set>
+                                      <p:cBhvr>
+                                        <p:cTn id="26" dur="1" fill="hold">
+                                          <p:stCondLst>
+                                            <p:cond delay="0"/>
+                                          </p:stCondLst>
+                                        </p:cTn>
+                                        <p:tgtEl>
+                                          <p:spTgt spid="14"/>
+                                        </p:tgtEl>
+                                        <p:attrNameLst>
+                                          <p:attrName>style.visibility</p:attrName>
+                                        </p:attrNameLst>
+                                      </p:cBhvr>
+                                      <p:to>
+                                        <p:strVal val="visible"/>
+                                      </p:to>
+                                    </p:set>
+                                  </p:childTnLst>
+                                </p:cTn>
+                              </p:par>
+                              <p:par>
+                                <p:cTn id="27" presetID="1" presetClass="entr" presetSubtype="0" fill="hold" grpId="1" nodeType="withEffect">
+                                  <p:stCondLst>
+                                    <p:cond delay="0"/>
+                                  </p:stCondLst>
+                                  <p:childTnLst>
+                                    <p:set>
+                                      <p:cBhvr>
+                                        <p:cTn id="28" dur="1" fill="hold">
+                                          <p:stCondLst>
+                                            <p:cond delay="0"/>
+                                          </p:stCondLst>
+                                        </p:cTn>
+                                        <p:tgtEl>
+                                          <p:spTgt spid="15"/>
+                                        </p:tgtEl>
+                                        <p:attrNameLst>
+                                          <p:attrName>style.visibility</p:attrName>
+                                        </p:attrNameLst>
+                                      </p:cBhvr>
+                                      <p:to>
+                                        <p:strVal val="visible"/>
+                                      </p:to>
+                                    </p:set>
+                                  </p:childTnLst>
+                                </p:cTn>
+                              </p:par>
+                              <p:par>
+                                <p:cTn id="29" presetID="1" presetClass="entr" presetSubtype="0" fill="hold" grpId="1" nodeType="withEffect">
+                                  <p:stCondLst>
+                                    <p:cond delay="0"/>
+                                  </p:stCondLst>
+                                  <p:childTnLst>
+                                    <p:set>
+                                      <p:cBhvr>
+                                        <p:cTn id="30" dur="1" fill="hold">
+                                          <p:stCondLst>
+                                            <p:cond delay="0"/>
+                                          </p:stCondLst>
+                                        </p:cTn>
+                                        <p:tgtEl>
+                                          <p:spTgt spid="16"/>
+                                        </p:tgtEl>
+                                        <p:attrNameLst>
+                                          <p:attrName>style.visibility</p:attrName>
+                                        </p:attrNameLst>
+                                      </p:cBhvr>
+                                      <p:to>
+                                        <p:strVal val="visible"/>
+                                      </p:to>
+                                    </p:set>
+                                  </p:childTnLst>
+                                </p:cTn>
+                              </p:par>
+                              <p:par>
+                                <p:cTn id="31" presetID="1" presetClass="entr" presetSubtype="0" fill="hold" grpId="1" nodeType="withEffect">
+                                  <p:stCondLst>
+                                    <p:cond delay="0"/>
+                                  </p:stCondLst>
+                                  <p:childTnLst>
+                                    <p:set>
+                                      <p:cBhvr>
+                                        <p:cTn id="32" dur="1" fill="hold">
+                                          <p:stCondLst>
+                                            <p:cond delay="0"/>
+                                          </p:stCondLst>
+                                        </p:cTn>
+                                        <p:tgtEl>
+                                          <p:spTgt spid="17"/>
+                                        </p:tgtEl>
+                                        <p:attrNameLst>
+                                          <p:attrName>style.visibility</p:attrName>
+                                        </p:attrNameLst>
+                                      </p:cBhvr>
+                                      <p:to>
+                                        <p:strVal val="visible"/>
+                                      </p:to>
+                                    </p:set>
+                                  </p:childTnLst>
+                                </p:cTn>
+                              </p:par>
+                              <p:par>
+                                <p:cTn id="33" presetID="1" presetClass="entr" presetSubtype="0" fill="hold" nodeType="withEffect">
+                                  <p:stCondLst>
+                                    <p:cond delay="0"/>
+                                  </p:stCondLst>
+                                  <p:childTnLst>
+                                    <p:set>
+                                      <p:cBhvr>
+                                        <p:cTn id="34" dur="1" fill="hold">
+                                          <p:stCondLst>
+                                            <p:cond delay="0"/>
+                                          </p:stCondLst>
+                                        </p:cTn>
+                                        <p:tgtEl>
+                                          <p:spTgt spid="18"/>
+                                        </p:tgtEl>
+                                        <p:attrNameLst>
+                                          <p:attrName>style.visibility</p:attrName>
+                                        </p:attrNameLst>
+                                      </p:cBhvr>
+                                      <p:to>
+                                        <p:strVal val="visible"/>
+                                      </p:to>
+                                    </p:set>
+                                  </p:childTnLst>
+                                </p:cTn>
+                              </p:par>
+                              <p:par>
+                                <p:cTn id="35" presetID="1" presetClass="entr" presetSubtype="0" fill="hold" grpId="1" nodeType="withEffect">
+                                  <p:stCondLst>
+                                    <p:cond delay="0"/>
+                                  </p:stCondLst>
+                                  <p:childTnLst>
+                                    <p:set>
+                                      <p:cBhvr>
+                                        <p:cTn id="36" dur="1" fill="hold">
+                                          <p:stCondLst>
+                                            <p:cond delay="0"/>
+                                          </p:stCondLst>
+                                        </p:cTn>
+                                        <p:tgtEl>
+                                          <p:spTgt spid="19"/>
+                                        </p:tgtEl>
+                                        <p:attrNameLst>
+                                          <p:attrName>style.visibility</p:attrName>
+                                        </p:attrNameLst>
+                                      </p:cBhvr>
+                                      <p:to>
+                                        <p:strVal val="visible"/>
+                                      </p:to>
+                                    </p:set>
+                                  </p:childTnLst>
+                                </p:cTn>
+                              </p:par>
+                            </p:childTnLst>
+                          </p:cTn>
+                        </p:par>
+                      </p:childTnLst>
+                    </p:cTn>
+                  </p:par>
+                </p:childTnLst>
+              </p:cTn>
+              <p:prevCondLst>
+                <p:cond evt="onPrev" delay="0">
+                  <p:tgtEl>
+                    <p:sldTgt/>
+                  </p:tgtEl>
+                </p:cond>
+              </p:prevCondLst>
+              <p:nextCondLst>
+                <p:cond evt="onNext" delay="0">
+                  <p:tgtEl>
+                    <p:sldTgt/>
+                  </p:tgtEl>
+                </p:cond>
+              </p:nextCondLst>
+            </p:seq>
+          </p:childTnLst>
+        </p:cTn>
+      </p:par>
+    </p:tnLst>
+    <p:bldLst>
+      <p:bldP spid="21" grpId="0"/>
+      <p:bldP spid="21" grpId="1"/>
+      <p:bldP spid="14" grpId="0" animBg="1"/>
+      <p:bldP spid="14" grpId="1" animBg="1"/>
+      <p:bldP spid="15" grpId="0" animBg="1"/>
+      <p:bldP spid="15" grpId="1" animBg="1"/>
+      <p:bldP spid="16" grpId="0"/>
+      <p:bldP spid="16" grpId="1"/>
+      <p:bldP spid="17" grpId="0" animBg="1"/>
+      <p:bldP spid="17" grpId="1" animBg="1"/>
+      <p:bldP spid="19" grpId="0"/>
+      <p:bldP spid="19" grpId="1"/>
+    </p:bldLst>
+  </p:timing>
+</p:sld>
+</file>
+
+<file path=ppt/slides/slide15.xml><?xml version="1.0" encoding="utf-8"?>
+<p:sld xmlns:a="http://schemas.openxmlformats.org/drawingml/2006/main" xmlns:r="http://schemas.openxmlformats.org/officeDocument/2006/relationships" xmlns:p="http://schemas.openxmlformats.org/presentationml/2006/main">
+  <p:cSld>
+    <p:spTree>
+      <p:nvGrpSpPr>
+        <p:cNvPr id="1" name=""/>
+        <p:cNvGrpSpPr/>
+        <p:nvPr/>
+      </p:nvGrpSpPr>
+      <p:grpSpPr>
+        <a:xfrm>
+          <a:off x="0" y="0"/>
+          <a:ext cx="0" cy="0"/>
+          <a:chOff x="0" y="0"/>
+          <a:chExt cx="0" cy="0"/>
+        </a:xfrm>
+      </p:grpSpPr>
+      <p:sp>
+        <p:nvSpPr>
+          <p:cNvPr id="3" name="Content Placeholder 2">
+            <a:extLst>
+              <a:ext uri="{FF2B5EF4-FFF2-40B4-BE49-F238E27FC236}">
+                <a16:creationId xmlns:a16="http://schemas.microsoft.com/office/drawing/2014/main" id="{F9490FAD-764B-DD42-B4BC-7F23BBAAB432}"/>
+              </a:ext>
+            </a:extLst>
+          </p:cNvPr>
+          <p:cNvSpPr>
+            <a:spLocks noGrp="1"/>
+          </p:cNvSpPr>
+          <p:nvPr>
+            <p:ph idx="1"/>
+          </p:nvPr>
+        </p:nvSpPr>
+        <p:spPr>
+          <a:xfrm>
             <a:off x="568410" y="729046"/>
             <a:ext cx="11623589" cy="5609968"/>
           </a:xfrm>
@@ -11443,7 +12790,7 @@
           <a:p>
             <a:fld id="{475D3666-13A6-8F43-BA86-951D01A00E7B}" type="datetime1">
               <a:rPr lang="en-IN" smtClean="0"/>
-              <a:t>10/01/20</a:t>
+              <a:t>11/01/20</a:t>
             </a:fld>
             <a:endParaRPr lang="en-US"/>
           </a:p>
@@ -11472,7 +12819,7 @@
           <a:p>
             <a:fld id="{2DFE4E3B-BD83-A741-B6F9-61E4552725D1}" type="slidenum">
               <a:rPr lang="en-US" smtClean="0"/>
-              <a:t>14</a:t>
+              <a:t>15</a:t>
             </a:fld>
             <a:endParaRPr lang="en-US"/>
           </a:p>
@@ -11491,7 +12838,7 @@
 </p:sld>
 </file>
 
-<file path=ppt/slides/slide15.xml><?xml version="1.0" encoding="utf-8"?>
+<file path=ppt/slides/slide16.xml><?xml version="1.0" encoding="utf-8"?>
 <p:sld xmlns:a="http://schemas.openxmlformats.org/drawingml/2006/main" xmlns:r="http://schemas.openxmlformats.org/officeDocument/2006/relationships" xmlns:p="http://schemas.openxmlformats.org/presentationml/2006/main">
   <p:cSld>
     <p:spTree>
@@ -12152,7 +13499,7 @@
           <a:p>
             <a:fld id="{10695C4A-B77B-6E49-8769-89BFF5DFD3E6}" type="datetime1">
               <a:rPr lang="en-IN" smtClean="0"/>
-              <a:t>10/01/20</a:t>
+              <a:t>11/01/20</a:t>
             </a:fld>
             <a:endParaRPr lang="en-US"/>
           </a:p>
@@ -12181,7 +13528,7 @@
           <a:p>
             <a:fld id="{2DFE4E3B-BD83-A741-B6F9-61E4552725D1}" type="slidenum">
               <a:rPr lang="en-US" smtClean="0"/>
-              <a:t>15</a:t>
+              <a:t>16</a:t>
             </a:fld>
             <a:endParaRPr lang="en-US"/>
           </a:p>
@@ -12685,7 +14032,7 @@
 </p:sld>
 </file>
 
-<file path=ppt/slides/slide16.xml><?xml version="1.0" encoding="utf-8"?>
+<file path=ppt/slides/slide17.xml><?xml version="1.0" encoding="utf-8"?>
 <p:sld xmlns:a="http://schemas.openxmlformats.org/drawingml/2006/main" xmlns:r="http://schemas.openxmlformats.org/officeDocument/2006/relationships" xmlns:p="http://schemas.openxmlformats.org/presentationml/2006/main">
   <p:cSld>
     <p:spTree>
@@ -13752,7 +15099,7 @@
           <a:p>
             <a:fld id="{063725A8-141D-8C4A-9FDC-C64472BD3A28}" type="datetime1">
               <a:rPr lang="en-IN" smtClean="0"/>
-              <a:t>10/01/20</a:t>
+              <a:t>11/01/20</a:t>
             </a:fld>
             <a:endParaRPr lang="en-US"/>
           </a:p>
@@ -13781,7 +15128,7 @@
           <a:p>
             <a:fld id="{2DFE4E3B-BD83-A741-B6F9-61E4552725D1}" type="slidenum">
               <a:rPr lang="en-US" smtClean="0"/>
-              <a:t>16</a:t>
+              <a:t>17</a:t>
             </a:fld>
             <a:endParaRPr lang="en-US"/>
           </a:p>
@@ -14331,7 +15678,7 @@
 </p:sld>
 </file>
 
-<file path=ppt/slides/slide17.xml><?xml version="1.0" encoding="utf-8"?>
+<file path=ppt/slides/slide18.xml><?xml version="1.0" encoding="utf-8"?>
 <p:sld xmlns:a="http://schemas.openxmlformats.org/drawingml/2006/main" xmlns:r="http://schemas.openxmlformats.org/officeDocument/2006/relationships" xmlns:p="http://schemas.openxmlformats.org/presentationml/2006/main">
   <p:cSld>
     <p:spTree>
@@ -14993,7 +16340,7 @@
           <a:p>
             <a:fld id="{06906C8E-D71A-2145-8779-1D9DFA2E9D64}" type="datetime1">
               <a:rPr lang="en-IN" smtClean="0"/>
-              <a:t>10/01/20</a:t>
+              <a:t>11/01/20</a:t>
             </a:fld>
             <a:endParaRPr lang="en-US"/>
           </a:p>
@@ -15022,7 +16369,7 @@
           <a:p>
             <a:fld id="{2DFE4E3B-BD83-A741-B6F9-61E4552725D1}" type="slidenum">
               <a:rPr lang="en-US" smtClean="0"/>
-              <a:t>17</a:t>
+              <a:t>18</a:t>
             </a:fld>
             <a:endParaRPr lang="en-US"/>
           </a:p>
@@ -15313,7 +16660,7 @@
 </p:sld>
 </file>
 
-<file path=ppt/slides/slide18.xml><?xml version="1.0" encoding="utf-8"?>
+<file path=ppt/slides/slide19.xml><?xml version="1.0" encoding="utf-8"?>
 <p:sld xmlns:a="http://schemas.openxmlformats.org/drawingml/2006/main" xmlns:r="http://schemas.openxmlformats.org/officeDocument/2006/relationships" xmlns:p="http://schemas.openxmlformats.org/presentationml/2006/main">
   <p:cSld>
     <p:spTree>
@@ -16121,7 +17468,7 @@
           <a:p>
             <a:fld id="{3B586296-D702-3D41-B3FB-F9AB5FEC5D79}" type="datetime1">
               <a:rPr lang="en-IN" smtClean="0"/>
-              <a:t>10/01/20</a:t>
+              <a:t>11/01/20</a:t>
             </a:fld>
             <a:endParaRPr lang="en-US"/>
           </a:p>
@@ -16150,7 +17497,7 @@
           <a:p>
             <a:fld id="{2DFE4E3B-BD83-A741-B6F9-61E4552725D1}" type="slidenum">
               <a:rPr lang="en-US" smtClean="0"/>
-              <a:t>18</a:t>
+              <a:t>19</a:t>
             </a:fld>
             <a:endParaRPr lang="en-US"/>
           </a:p>
@@ -16193,6 +17540,110 @@
                 <a:cs typeface="Times New Roman" panose="02020603050405020304" pitchFamily="18" charset="0"/>
               </a:rPr>
               <a:t>Virtual Machine -&gt; Host OS cannot see processes running inside a Guest OS</a:t>
+            </a:r>
+          </a:p>
+        </p:txBody>
+      </p:sp>
+      <p:sp>
+        <p:nvSpPr>
+          <p:cNvPr id="2" name="Rectangle 1">
+            <a:extLst>
+              <a:ext uri="{FF2B5EF4-FFF2-40B4-BE49-F238E27FC236}">
+                <a16:creationId xmlns:a16="http://schemas.microsoft.com/office/drawing/2014/main" id="{ABF52129-9431-A949-A78F-39CC5122F6FF}"/>
+              </a:ext>
+            </a:extLst>
+          </p:cNvPr>
+          <p:cNvSpPr/>
+          <p:nvPr/>
+        </p:nvSpPr>
+        <p:spPr>
+          <a:xfrm>
+            <a:off x="7875814" y="1142426"/>
+            <a:ext cx="3477986" cy="464371"/>
+          </a:xfrm>
+          <a:prstGeom prst="rect">
+            <a:avLst/>
+          </a:prstGeom>
+        </p:spPr>
+        <p:style>
+          <a:lnRef idx="2">
+            <a:schemeClr val="accent1">
+              <a:shade val="50000"/>
+            </a:schemeClr>
+          </a:lnRef>
+          <a:fillRef idx="1">
+            <a:schemeClr val="accent1"/>
+          </a:fillRef>
+          <a:effectRef idx="0">
+            <a:schemeClr val="accent1"/>
+          </a:effectRef>
+          <a:fontRef idx="minor">
+            <a:schemeClr val="lt1"/>
+          </a:fontRef>
+        </p:style>
+        <p:txBody>
+          <a:bodyPr rtlCol="0" anchor="ctr"/>
+          <a:lstStyle/>
+          <a:p>
+            <a:pPr algn="ctr"/>
+            <a:r>
+              <a:rPr lang="en-US" sz="2400" dirty="0">
+                <a:latin typeface="Times New Roman" panose="02020603050405020304" pitchFamily="18" charset="0"/>
+                <a:cs typeface="Times New Roman" panose="02020603050405020304" pitchFamily="18" charset="0"/>
+              </a:rPr>
+              <a:t>Parent PID Namespace</a:t>
+            </a:r>
+          </a:p>
+        </p:txBody>
+      </p:sp>
+      <p:sp>
+        <p:nvSpPr>
+          <p:cNvPr id="24" name="Rectangle 23">
+            <a:extLst>
+              <a:ext uri="{FF2B5EF4-FFF2-40B4-BE49-F238E27FC236}">
+                <a16:creationId xmlns:a16="http://schemas.microsoft.com/office/drawing/2014/main" id="{50C9AB8A-FE42-7B48-9383-719C3F330345}"/>
+              </a:ext>
+            </a:extLst>
+          </p:cNvPr>
+          <p:cNvSpPr/>
+          <p:nvPr/>
+        </p:nvSpPr>
+        <p:spPr>
+          <a:xfrm>
+            <a:off x="10135191" y="2604195"/>
+            <a:ext cx="1685877" cy="767255"/>
+          </a:xfrm>
+          <a:prstGeom prst="rect">
+            <a:avLst/>
+          </a:prstGeom>
+        </p:spPr>
+        <p:style>
+          <a:lnRef idx="2">
+            <a:schemeClr val="accent1">
+              <a:shade val="50000"/>
+            </a:schemeClr>
+          </a:lnRef>
+          <a:fillRef idx="1">
+            <a:schemeClr val="accent1"/>
+          </a:fillRef>
+          <a:effectRef idx="0">
+            <a:schemeClr val="accent1"/>
+          </a:effectRef>
+          <a:fontRef idx="minor">
+            <a:schemeClr val="lt1"/>
+          </a:fontRef>
+        </p:style>
+        <p:txBody>
+          <a:bodyPr rtlCol="0" anchor="ctr"/>
+          <a:lstStyle/>
+          <a:p>
+            <a:pPr algn="ctr"/>
+            <a:r>
+              <a:rPr lang="en-US" sz="2400" dirty="0">
+                <a:latin typeface="Times New Roman" panose="02020603050405020304" pitchFamily="18" charset="0"/>
+                <a:cs typeface="Times New Roman" panose="02020603050405020304" pitchFamily="18" charset="0"/>
+              </a:rPr>
+              <a:t>Child PID Namespace</a:t>
             </a:r>
           </a:p>
         </p:txBody>
@@ -16470,6 +17921,60 @@
                                   </p:childTnLst>
                                 </p:cTn>
                               </p:par>
+                              <p:par>
+                                <p:cTn id="25" presetID="1" presetClass="entr" presetSubtype="0" fill="hold" grpId="0" nodeType="withEffect">
+                                  <p:stCondLst>
+                                    <p:cond delay="0"/>
+                                  </p:stCondLst>
+                                  <p:childTnLst>
+                                    <p:set>
+                                      <p:cBhvr>
+                                        <p:cTn id="26" dur="1" fill="hold">
+                                          <p:stCondLst>
+                                            <p:cond delay="0"/>
+                                          </p:stCondLst>
+                                        </p:cTn>
+                                        <p:tgtEl>
+                                          <p:spTgt spid="2"/>
+                                        </p:tgtEl>
+                                        <p:attrNameLst>
+                                          <p:attrName>style.visibility</p:attrName>
+                                        </p:attrNameLst>
+                                      </p:cBhvr>
+                                      <p:to>
+                                        <p:strVal val="visible"/>
+                                      </p:to>
+                                    </p:set>
+                                  </p:childTnLst>
+                                </p:cTn>
+                              </p:par>
+                              <p:par>
+                                <p:cTn id="27" presetID="1" presetClass="entr" presetSubtype="0" fill="hold" grpId="1" nodeType="withEffect">
+                                  <p:stCondLst>
+                                    <p:cond delay="0"/>
+                                  </p:stCondLst>
+                                  <p:childTnLst>
+                                    <p:set>
+                                      <p:cBhvr>
+                                        <p:cTn id="28" dur="1" fill="hold">
+                                          <p:stCondLst>
+                                            <p:cond delay="0"/>
+                                          </p:stCondLst>
+                                        </p:cTn>
+                                        <p:tgtEl>
+                                          <p:spTgt spid="24"/>
+                                        </p:tgtEl>
+                                        <p:attrNameLst>
+                                          <p:attrName>style.visibility</p:attrName>
+                                        </p:attrNameLst>
+                                      </p:cBhvr>
+                                      <p:to>
+                                        <p:strVal val="visible"/>
+                                      </p:to>
+                                    </p:set>
+                                  </p:childTnLst>
+                                </p:cTn>
+                              </p:par>
                             </p:childTnLst>
                           </p:cTn>
                         </p:par>
@@ -16477,26 +17982,26 @@
                     </p:cTn>
                   </p:par>
                   <p:par>
-                    <p:cTn id="25" fill="hold">
+                    <p:cTn id="29" fill="hold">
                       <p:stCondLst>
                         <p:cond delay="indefinite"/>
                       </p:stCondLst>
                       <p:childTnLst>
                         <p:par>
-                          <p:cTn id="26" fill="hold">
+                          <p:cTn id="30" fill="hold">
                             <p:stCondLst>
                               <p:cond delay="0"/>
                             </p:stCondLst>
                             <p:childTnLst>
                               <p:par>
-                                <p:cTn id="27" presetID="1" presetClass="entr" presetSubtype="0" fill="hold" grpId="0" nodeType="clickEffect">
+                                <p:cTn id="31" presetID="1" presetClass="entr" presetSubtype="0" fill="hold" grpId="0" nodeType="clickEffect">
                                   <p:stCondLst>
                                     <p:cond delay="0"/>
                                   </p:stCondLst>
                                   <p:childTnLst>
                                     <p:set>
                                       <p:cBhvr>
-                                        <p:cTn id="28" dur="1" fill="hold">
+                                        <p:cTn id="32" dur="1" fill="hold">
                                           <p:stCondLst>
                                             <p:cond delay="0"/>
                                           </p:stCondLst>
@@ -16550,989 +18055,8 @@
       <p:bldP spid="23" grpId="0"/>
       <p:bldP spid="8" grpId="0"/>
       <p:bldP spid="19" grpId="0"/>
-    </p:bldLst>
-  </p:timing>
-</p:sld>
-</file>
-
-<file path=ppt/slides/slide19.xml><?xml version="1.0" encoding="utf-8"?>
-<p:sld xmlns:a="http://schemas.openxmlformats.org/drawingml/2006/main" xmlns:r="http://schemas.openxmlformats.org/officeDocument/2006/relationships" xmlns:p="http://schemas.openxmlformats.org/presentationml/2006/main">
-  <p:cSld>
-    <p:spTree>
-      <p:nvGrpSpPr>
-        <p:cNvPr id="1" name=""/>
-        <p:cNvGrpSpPr/>
-        <p:nvPr/>
-      </p:nvGrpSpPr>
-      <p:grpSpPr>
-        <a:xfrm>
-          <a:off x="0" y="0"/>
-          <a:ext cx="0" cy="0"/>
-          <a:chOff x="0" y="0"/>
-          <a:chExt cx="0" cy="0"/>
-        </a:xfrm>
-      </p:grpSpPr>
-      <p:sp>
-        <p:nvSpPr>
-          <p:cNvPr id="3" name="Content Placeholder 2">
-            <a:extLst>
-              <a:ext uri="{FF2B5EF4-FFF2-40B4-BE49-F238E27FC236}">
-                <a16:creationId xmlns:a16="http://schemas.microsoft.com/office/drawing/2014/main" id="{F9490FAD-764B-DD42-B4BC-7F23BBAAB432}"/>
-              </a:ext>
-            </a:extLst>
-          </p:cNvPr>
-          <p:cNvSpPr>
-            <a:spLocks noGrp="1"/>
-          </p:cNvSpPr>
-          <p:nvPr>
-            <p:ph idx="1"/>
-          </p:nvPr>
-        </p:nvSpPr>
-        <p:spPr>
-          <a:xfrm>
-            <a:off x="568410" y="827901"/>
-            <a:ext cx="11623589" cy="5758249"/>
-          </a:xfrm>
-        </p:spPr>
-        <p:txBody>
-          <a:bodyPr>
-            <a:normAutofit/>
-          </a:bodyPr>
-          <a:lstStyle/>
-          <a:p>
-            <a:pPr marL="0" indent="0">
-              <a:buNone/>
-            </a:pPr>
-            <a:r>
-              <a:rPr lang="en-US" sz="2800" dirty="0">
-                <a:latin typeface="Times New Roman" panose="02020603050405020304" pitchFamily="18" charset="0"/>
-                <a:cs typeface="Times New Roman" panose="02020603050405020304" pitchFamily="18" charset="0"/>
-              </a:rPr>
-              <a:t> </a:t>
-            </a:r>
-          </a:p>
-        </p:txBody>
-      </p:sp>
-      <p:sp>
-        <p:nvSpPr>
-          <p:cNvPr id="4" name="Title 1">
-            <a:extLst>
-              <a:ext uri="{FF2B5EF4-FFF2-40B4-BE49-F238E27FC236}">
-                <a16:creationId xmlns:a16="http://schemas.microsoft.com/office/drawing/2014/main" id="{EB411E5D-7C21-F441-A960-AB5FC5A47EC1}"/>
-              </a:ext>
-            </a:extLst>
-          </p:cNvPr>
-          <p:cNvSpPr txBox="1">
-            <a:spLocks/>
-          </p:cNvSpPr>
-          <p:nvPr/>
-        </p:nvSpPr>
-        <p:spPr>
-          <a:xfrm>
-            <a:off x="0" y="0"/>
-            <a:ext cx="11179404" cy="767255"/>
-          </a:xfrm>
-          <a:prstGeom prst="rect">
-            <a:avLst/>
-          </a:prstGeom>
-        </p:spPr>
-        <p:txBody>
-          <a:bodyPr vert="horz" lIns="91440" tIns="45720" rIns="91440" bIns="45720" rtlCol="0" anchor="ctr">
-            <a:normAutofit fontScale="92500"/>
-          </a:bodyPr>
-          <a:lstStyle>
-            <a:lvl1pPr algn="l" defTabSz="914400" rtl="0" eaLnBrk="1" latinLnBrk="0" hangingPunct="1">
-              <a:lnSpc>
-                <a:spcPct val="90000"/>
-              </a:lnSpc>
-              <a:spcBef>
-                <a:spcPct val="0"/>
-              </a:spcBef>
-              <a:buNone/>
-              <a:defRPr sz="4400" kern="1200">
-                <a:solidFill>
-                  <a:schemeClr val="tx1"/>
-                </a:solidFill>
-                <a:latin typeface="+mj-lt"/>
-                <a:ea typeface="+mj-ea"/>
-                <a:cs typeface="+mj-cs"/>
-              </a:defRPr>
-            </a:lvl1pPr>
-          </a:lstStyle>
-          <a:p>
-            <a:r>
-              <a:rPr lang="en-US" sz="3800" b="1" u="sng" dirty="0">
-                <a:solidFill>
-                  <a:srgbClr val="00B0F0"/>
-                </a:solidFill>
-                <a:latin typeface="Times New Roman" panose="02020603050405020304" pitchFamily="18" charset="0"/>
-                <a:cs typeface="Times New Roman" panose="02020603050405020304" pitchFamily="18" charset="0"/>
-              </a:rPr>
-              <a:t>Let’s Create a New NET, UTS, MNT, &amp; PID Namespace</a:t>
-            </a:r>
-          </a:p>
-        </p:txBody>
-      </p:sp>
-      <p:sp>
-        <p:nvSpPr>
-          <p:cNvPr id="10" name="Rectangle 9">
-            <a:extLst>
-              <a:ext uri="{FF2B5EF4-FFF2-40B4-BE49-F238E27FC236}">
-                <a16:creationId xmlns:a16="http://schemas.microsoft.com/office/drawing/2014/main" id="{5A82CA32-93E7-F840-A14E-D1B95D1D7105}"/>
-              </a:ext>
-            </a:extLst>
-          </p:cNvPr>
-          <p:cNvSpPr/>
-          <p:nvPr/>
-        </p:nvSpPr>
-        <p:spPr>
-          <a:xfrm>
-            <a:off x="4506078" y="1873039"/>
-            <a:ext cx="2972412" cy="900447"/>
-          </a:xfrm>
-          <a:prstGeom prst="rect">
-            <a:avLst/>
-          </a:prstGeom>
-          <a:scene3d>
-            <a:camera prst="orthographicFront"/>
-            <a:lightRig rig="threePt" dir="t"/>
-          </a:scene3d>
-          <a:sp3d>
-            <a:bevelT/>
-          </a:sp3d>
-        </p:spPr>
-        <p:style>
-          <a:lnRef idx="2">
-            <a:schemeClr val="accent1">
-              <a:shade val="50000"/>
-            </a:schemeClr>
-          </a:lnRef>
-          <a:fillRef idx="1">
-            <a:schemeClr val="accent1"/>
-          </a:fillRef>
-          <a:effectRef idx="0">
-            <a:schemeClr val="accent1"/>
-          </a:effectRef>
-          <a:fontRef idx="minor">
-            <a:schemeClr val="lt1"/>
-          </a:fontRef>
-        </p:style>
-        <p:txBody>
-          <a:bodyPr rtlCol="0" anchor="ctr"/>
-          <a:lstStyle/>
-          <a:p>
-            <a:pPr algn="ctr"/>
-            <a:r>
-              <a:rPr lang="en-US" sz="2400" dirty="0" err="1">
-                <a:latin typeface="Times New Roman" panose="02020603050405020304" pitchFamily="18" charset="0"/>
-                <a:cs typeface="Times New Roman" panose="02020603050405020304" pitchFamily="18" charset="0"/>
-              </a:rPr>
-              <a:t>new_uts_mnt_net_pid</a:t>
-            </a:r>
-            <a:endParaRPr lang="en-US" sz="2400" dirty="0">
-              <a:latin typeface="Times New Roman" panose="02020603050405020304" pitchFamily="18" charset="0"/>
-              <a:cs typeface="Times New Roman" panose="02020603050405020304" pitchFamily="18" charset="0"/>
-            </a:endParaRPr>
-          </a:p>
-        </p:txBody>
-      </p:sp>
-      <p:sp>
-        <p:nvSpPr>
-          <p:cNvPr id="12" name="TextBox 11">
-            <a:extLst>
-              <a:ext uri="{FF2B5EF4-FFF2-40B4-BE49-F238E27FC236}">
-                <a16:creationId xmlns:a16="http://schemas.microsoft.com/office/drawing/2014/main" id="{DCAD55CD-511D-BF4E-98EE-C481F9872084}"/>
-              </a:ext>
-            </a:extLst>
-          </p:cNvPr>
-          <p:cNvSpPr txBox="1"/>
-          <p:nvPr/>
-        </p:nvSpPr>
-        <p:spPr>
-          <a:xfrm>
-            <a:off x="568410" y="827901"/>
-            <a:ext cx="4514377" cy="461665"/>
-          </a:xfrm>
-          <a:prstGeom prst="rect">
-            <a:avLst/>
-          </a:prstGeom>
-          <a:noFill/>
-        </p:spPr>
-        <p:txBody>
-          <a:bodyPr wrap="none" rtlCol="0">
-            <a:spAutoFit/>
-          </a:bodyPr>
-          <a:lstStyle/>
-          <a:p>
-            <a:r>
-              <a:rPr lang="en-US" sz="2400" dirty="0">
-                <a:latin typeface="Times New Roman" panose="02020603050405020304" pitchFamily="18" charset="0"/>
-                <a:cs typeface="Times New Roman" panose="02020603050405020304" pitchFamily="18" charset="0"/>
-              </a:rPr>
-              <a:t>$</a:t>
-            </a:r>
-            <a:r>
-              <a:rPr lang="en-US" sz="2400" dirty="0">
-                <a:solidFill>
-                  <a:srgbClr val="FF0000"/>
-                </a:solidFill>
-                <a:latin typeface="Times New Roman" panose="02020603050405020304" pitchFamily="18" charset="0"/>
-                <a:cs typeface="Times New Roman" panose="02020603050405020304" pitchFamily="18" charset="0"/>
-              </a:rPr>
-              <a:t> ./</a:t>
-            </a:r>
-            <a:r>
-              <a:rPr lang="en-US" sz="2400" dirty="0" err="1">
-                <a:solidFill>
-                  <a:srgbClr val="FF0000"/>
-                </a:solidFill>
-                <a:latin typeface="Times New Roman" panose="02020603050405020304" pitchFamily="18" charset="0"/>
-                <a:cs typeface="Times New Roman" panose="02020603050405020304" pitchFamily="18" charset="0"/>
-              </a:rPr>
-              <a:t>new_uts_mnt_net_pid</a:t>
-            </a:r>
-            <a:r>
-              <a:rPr lang="en-US" sz="2400" dirty="0">
-                <a:solidFill>
-                  <a:srgbClr val="FF0000"/>
-                </a:solidFill>
-                <a:latin typeface="Times New Roman" panose="02020603050405020304" pitchFamily="18" charset="0"/>
-                <a:cs typeface="Times New Roman" panose="02020603050405020304" pitchFamily="18" charset="0"/>
-              </a:rPr>
-              <a:t> </a:t>
-            </a:r>
-            <a:r>
-              <a:rPr lang="en-US" sz="2400" dirty="0">
-                <a:latin typeface="Times New Roman" panose="02020603050405020304" pitchFamily="18" charset="0"/>
-                <a:cs typeface="Times New Roman" panose="02020603050405020304" pitchFamily="18" charset="0"/>
-              </a:rPr>
-              <a:t>/bin/bash</a:t>
-            </a:r>
-          </a:p>
-        </p:txBody>
-      </p:sp>
-      <p:cxnSp>
-        <p:nvCxnSpPr>
-          <p:cNvPr id="20" name="Straight Arrow Connector 19">
-            <a:extLst>
-              <a:ext uri="{FF2B5EF4-FFF2-40B4-BE49-F238E27FC236}">
-                <a16:creationId xmlns:a16="http://schemas.microsoft.com/office/drawing/2014/main" id="{A5D7E91A-A22D-2D4A-BBDF-F18FE8CED75E}"/>
-              </a:ext>
-            </a:extLst>
-          </p:cNvPr>
-          <p:cNvCxnSpPr>
-            <a:cxnSpLocks/>
-            <a:stCxn id="10" idx="2"/>
-            <a:endCxn id="14" idx="0"/>
-          </p:cNvCxnSpPr>
-          <p:nvPr/>
-        </p:nvCxnSpPr>
-        <p:spPr>
-          <a:xfrm>
-            <a:off x="5992284" y="2773486"/>
-            <a:ext cx="661" cy="1103692"/>
-          </a:xfrm>
-          <a:prstGeom prst="straightConnector1">
-            <a:avLst/>
-          </a:prstGeom>
-          <a:ln w="31750" cap="flat" cmpd="sng" algn="ctr">
-            <a:solidFill>
-              <a:schemeClr val="dk1"/>
-            </a:solidFill>
-            <a:prstDash val="solid"/>
-            <a:round/>
-            <a:headEnd type="none" w="med" len="med"/>
-            <a:tailEnd type="arrow" w="med" len="med"/>
-          </a:ln>
-        </p:spPr>
-        <p:style>
-          <a:lnRef idx="0">
-            <a:scrgbClr r="0" g="0" b="0"/>
-          </a:lnRef>
-          <a:fillRef idx="0">
-            <a:scrgbClr r="0" g="0" b="0"/>
-          </a:fillRef>
-          <a:effectRef idx="0">
-            <a:scrgbClr r="0" g="0" b="0"/>
-          </a:effectRef>
-          <a:fontRef idx="minor">
-            <a:schemeClr val="tx1"/>
-          </a:fontRef>
-        </p:style>
-      </p:cxnSp>
-      <p:sp>
-        <p:nvSpPr>
-          <p:cNvPr id="21" name="TextBox 20">
-            <a:extLst>
-              <a:ext uri="{FF2B5EF4-FFF2-40B4-BE49-F238E27FC236}">
-                <a16:creationId xmlns:a16="http://schemas.microsoft.com/office/drawing/2014/main" id="{16543FCC-D96E-9C43-BF48-D0DE183F5E7A}"/>
-              </a:ext>
-            </a:extLst>
-          </p:cNvPr>
-          <p:cNvSpPr txBox="1"/>
-          <p:nvPr/>
-        </p:nvSpPr>
-        <p:spPr>
-          <a:xfrm>
-            <a:off x="326581" y="2964749"/>
-            <a:ext cx="12017818" cy="461665"/>
-          </a:xfrm>
-          <a:prstGeom prst="rect">
-            <a:avLst/>
-          </a:prstGeom>
-          <a:noFill/>
-        </p:spPr>
-        <p:txBody>
-          <a:bodyPr wrap="square" rtlCol="0">
-            <a:spAutoFit/>
-          </a:bodyPr>
-          <a:lstStyle/>
-          <a:p>
-            <a:r>
-              <a:rPr lang="en-US" sz="2400" b="1" dirty="0">
-                <a:solidFill>
-                  <a:srgbClr val="FF0000"/>
-                </a:solidFill>
-                <a:latin typeface="Times New Roman" panose="02020603050405020304" pitchFamily="18" charset="0"/>
-                <a:cs typeface="Times New Roman" panose="02020603050405020304" pitchFamily="18" charset="0"/>
-              </a:rPr>
-              <a:t>clone(CLONE_NEWUTS, CLONE_NEWNS, CLONE_NEWPID, CLONE_NEWNET)</a:t>
-            </a:r>
-          </a:p>
-        </p:txBody>
-      </p:sp>
-      <p:sp>
-        <p:nvSpPr>
-          <p:cNvPr id="14" name="Rectangle 13">
-            <a:extLst>
-              <a:ext uri="{FF2B5EF4-FFF2-40B4-BE49-F238E27FC236}">
-                <a16:creationId xmlns:a16="http://schemas.microsoft.com/office/drawing/2014/main" id="{67F81CCC-2614-5C41-8794-9E7C09957E89}"/>
-              </a:ext>
-            </a:extLst>
-          </p:cNvPr>
-          <p:cNvSpPr/>
-          <p:nvPr/>
-        </p:nvSpPr>
-        <p:spPr>
-          <a:xfrm>
-            <a:off x="4904680" y="3877178"/>
-            <a:ext cx="2176530" cy="1469682"/>
-          </a:xfrm>
-          <a:prstGeom prst="rect">
-            <a:avLst/>
-          </a:prstGeom>
-          <a:solidFill>
-            <a:schemeClr val="bg1"/>
-          </a:solidFill>
-          <a:ln w="47625">
-            <a:prstDash val="sysDot"/>
-          </a:ln>
-        </p:spPr>
-        <p:style>
-          <a:lnRef idx="2">
-            <a:schemeClr val="accent1">
-              <a:shade val="50000"/>
-            </a:schemeClr>
-          </a:lnRef>
-          <a:fillRef idx="1">
-            <a:schemeClr val="accent1"/>
-          </a:fillRef>
-          <a:effectRef idx="0">
-            <a:schemeClr val="accent1"/>
-          </a:effectRef>
-          <a:fontRef idx="minor">
-            <a:schemeClr val="lt1"/>
-          </a:fontRef>
-        </p:style>
-        <p:txBody>
-          <a:bodyPr rtlCol="0" anchor="ctr"/>
-          <a:lstStyle/>
-          <a:p>
-            <a:pPr algn="ctr"/>
-            <a:endParaRPr lang="en-US"/>
-          </a:p>
-        </p:txBody>
-      </p:sp>
-      <p:sp>
-        <p:nvSpPr>
-          <p:cNvPr id="15" name="Rectangle 14">
-            <a:extLst>
-              <a:ext uri="{FF2B5EF4-FFF2-40B4-BE49-F238E27FC236}">
-                <a16:creationId xmlns:a16="http://schemas.microsoft.com/office/drawing/2014/main" id="{3F46F6CE-9B7D-6D4B-9CB8-DC2F399867C9}"/>
-              </a:ext>
-            </a:extLst>
-          </p:cNvPr>
-          <p:cNvSpPr/>
-          <p:nvPr/>
-        </p:nvSpPr>
-        <p:spPr>
-          <a:xfrm>
-            <a:off x="5017598" y="3950291"/>
-            <a:ext cx="1944304" cy="374914"/>
-          </a:xfrm>
-          <a:prstGeom prst="rect">
-            <a:avLst/>
-          </a:prstGeom>
-          <a:scene3d>
-            <a:camera prst="orthographicFront"/>
-            <a:lightRig rig="threePt" dir="t"/>
-          </a:scene3d>
-          <a:sp3d>
-            <a:bevelT/>
-          </a:sp3d>
-        </p:spPr>
-        <p:style>
-          <a:lnRef idx="2">
-            <a:schemeClr val="accent1">
-              <a:shade val="50000"/>
-            </a:schemeClr>
-          </a:lnRef>
-          <a:fillRef idx="1">
-            <a:schemeClr val="accent1"/>
-          </a:fillRef>
-          <a:effectRef idx="0">
-            <a:schemeClr val="accent1"/>
-          </a:effectRef>
-          <a:fontRef idx="minor">
-            <a:schemeClr val="lt1"/>
-          </a:fontRef>
-        </p:style>
-        <p:txBody>
-          <a:bodyPr rtlCol="0" anchor="ctr"/>
-          <a:lstStyle/>
-          <a:p>
-            <a:pPr algn="ctr"/>
-            <a:r>
-              <a:rPr lang="en-US" sz="2400" dirty="0">
-                <a:latin typeface="Times New Roman" panose="02020603050405020304" pitchFamily="18" charset="0"/>
-                <a:cs typeface="Times New Roman" panose="02020603050405020304" pitchFamily="18" charset="0"/>
-              </a:rPr>
-              <a:t>setup</a:t>
-            </a:r>
-          </a:p>
-        </p:txBody>
-      </p:sp>
-      <p:sp>
-        <p:nvSpPr>
-          <p:cNvPr id="16" name="TextBox 15">
-            <a:extLst>
-              <a:ext uri="{FF2B5EF4-FFF2-40B4-BE49-F238E27FC236}">
-                <a16:creationId xmlns:a16="http://schemas.microsoft.com/office/drawing/2014/main" id="{B7D903F3-E8D4-BF47-BC9E-934625027854}"/>
-              </a:ext>
-            </a:extLst>
-          </p:cNvPr>
-          <p:cNvSpPr txBox="1"/>
-          <p:nvPr/>
-        </p:nvSpPr>
-        <p:spPr>
-          <a:xfrm>
-            <a:off x="5303312" y="5346860"/>
-            <a:ext cx="1372876" cy="461665"/>
-          </a:xfrm>
-          <a:prstGeom prst="rect">
-            <a:avLst/>
-          </a:prstGeom>
-          <a:noFill/>
-        </p:spPr>
-        <p:txBody>
-          <a:bodyPr wrap="none" rtlCol="0">
-            <a:spAutoFit/>
-          </a:bodyPr>
-          <a:lstStyle/>
-          <a:p>
-            <a:r>
-              <a:rPr lang="en-US" sz="2400" dirty="0">
-                <a:latin typeface="Times New Roman" panose="02020603050405020304" pitchFamily="18" charset="0"/>
-                <a:cs typeface="Times New Roman" panose="02020603050405020304" pitchFamily="18" charset="0"/>
-              </a:rPr>
-              <a:t>container</a:t>
-            </a:r>
-          </a:p>
-        </p:txBody>
-      </p:sp>
-      <p:sp>
-        <p:nvSpPr>
-          <p:cNvPr id="17" name="Rectangle 16">
-            <a:extLst>
-              <a:ext uri="{FF2B5EF4-FFF2-40B4-BE49-F238E27FC236}">
-                <a16:creationId xmlns:a16="http://schemas.microsoft.com/office/drawing/2014/main" id="{96874C05-5C48-5841-95E6-CB6CAE021016}"/>
-              </a:ext>
-            </a:extLst>
-          </p:cNvPr>
-          <p:cNvSpPr/>
-          <p:nvPr/>
-        </p:nvSpPr>
-        <p:spPr>
-          <a:xfrm>
-            <a:off x="5017598" y="4812463"/>
-            <a:ext cx="1944304" cy="374914"/>
-          </a:xfrm>
-          <a:prstGeom prst="rect">
-            <a:avLst/>
-          </a:prstGeom>
-          <a:scene3d>
-            <a:camera prst="orthographicFront"/>
-            <a:lightRig rig="threePt" dir="t"/>
-          </a:scene3d>
-          <a:sp3d>
-            <a:bevelT/>
-          </a:sp3d>
-        </p:spPr>
-        <p:style>
-          <a:lnRef idx="2">
-            <a:schemeClr val="accent1">
-              <a:shade val="50000"/>
-            </a:schemeClr>
-          </a:lnRef>
-          <a:fillRef idx="1">
-            <a:schemeClr val="accent1"/>
-          </a:fillRef>
-          <a:effectRef idx="0">
-            <a:schemeClr val="accent1"/>
-          </a:effectRef>
-          <a:fontRef idx="minor">
-            <a:schemeClr val="lt1"/>
-          </a:fontRef>
-        </p:style>
-        <p:txBody>
-          <a:bodyPr rtlCol="0" anchor="ctr"/>
-          <a:lstStyle/>
-          <a:p>
-            <a:pPr algn="ctr"/>
-            <a:r>
-              <a:rPr lang="en-US" sz="2400" dirty="0">
-                <a:latin typeface="Times New Roman" panose="02020603050405020304" pitchFamily="18" charset="0"/>
-                <a:cs typeface="Times New Roman" panose="02020603050405020304" pitchFamily="18" charset="0"/>
-              </a:rPr>
-              <a:t>/bin/bash</a:t>
-            </a:r>
-          </a:p>
-        </p:txBody>
-      </p:sp>
-      <p:cxnSp>
-        <p:nvCxnSpPr>
-          <p:cNvPr id="18" name="Straight Arrow Connector 17">
-            <a:extLst>
-              <a:ext uri="{FF2B5EF4-FFF2-40B4-BE49-F238E27FC236}">
-                <a16:creationId xmlns:a16="http://schemas.microsoft.com/office/drawing/2014/main" id="{8E91852A-1717-F74A-B7F0-3812BC207C89}"/>
-              </a:ext>
-            </a:extLst>
-          </p:cNvPr>
-          <p:cNvCxnSpPr>
-            <a:stCxn id="15" idx="2"/>
-            <a:endCxn id="17" idx="0"/>
-          </p:cNvCxnSpPr>
-          <p:nvPr/>
-        </p:nvCxnSpPr>
-        <p:spPr>
-          <a:xfrm>
-            <a:off x="5989750" y="4325205"/>
-            <a:ext cx="0" cy="487258"/>
-          </a:xfrm>
-          <a:prstGeom prst="straightConnector1">
-            <a:avLst/>
-          </a:prstGeom>
-          <a:ln w="28575" cap="flat" cmpd="sng" algn="ctr">
-            <a:solidFill>
-              <a:schemeClr val="dk1"/>
-            </a:solidFill>
-            <a:prstDash val="solid"/>
-            <a:round/>
-            <a:headEnd type="none" w="med" len="med"/>
-            <a:tailEnd type="arrow" w="med" len="med"/>
-          </a:ln>
-        </p:spPr>
-        <p:style>
-          <a:lnRef idx="0">
-            <a:scrgbClr r="0" g="0" b="0"/>
-          </a:lnRef>
-          <a:fillRef idx="0">
-            <a:scrgbClr r="0" g="0" b="0"/>
-          </a:fillRef>
-          <a:effectRef idx="0">
-            <a:scrgbClr r="0" g="0" b="0"/>
-          </a:effectRef>
-          <a:fontRef idx="minor">
-            <a:schemeClr val="tx1"/>
-          </a:fontRef>
-        </p:style>
-      </p:cxnSp>
-      <p:sp>
-        <p:nvSpPr>
-          <p:cNvPr id="19" name="TextBox 18">
-            <a:extLst>
-              <a:ext uri="{FF2B5EF4-FFF2-40B4-BE49-F238E27FC236}">
-                <a16:creationId xmlns:a16="http://schemas.microsoft.com/office/drawing/2014/main" id="{7C0C5F50-F0B4-8B49-93E5-72B38A67CD5C}"/>
-              </a:ext>
-            </a:extLst>
-          </p:cNvPr>
-          <p:cNvSpPr txBox="1"/>
-          <p:nvPr/>
-        </p:nvSpPr>
-        <p:spPr>
-          <a:xfrm>
-            <a:off x="4971378" y="4271056"/>
-            <a:ext cx="1055097" cy="461665"/>
-          </a:xfrm>
-          <a:prstGeom prst="rect">
-            <a:avLst/>
-          </a:prstGeom>
-          <a:noFill/>
-        </p:spPr>
-        <p:txBody>
-          <a:bodyPr wrap="none" rtlCol="0">
-            <a:spAutoFit/>
-          </a:bodyPr>
-          <a:lstStyle/>
-          <a:p>
-            <a:r>
-              <a:rPr lang="en-US" sz="2400" dirty="0">
-                <a:latin typeface="Times New Roman" panose="02020603050405020304" pitchFamily="18" charset="0"/>
-                <a:cs typeface="Times New Roman" panose="02020603050405020304" pitchFamily="18" charset="0"/>
-              </a:rPr>
-              <a:t>clone()</a:t>
-            </a:r>
-          </a:p>
-        </p:txBody>
-      </p:sp>
-      <p:sp>
-        <p:nvSpPr>
-          <p:cNvPr id="6" name="Date Placeholder 5">
-            <a:extLst>
-              <a:ext uri="{FF2B5EF4-FFF2-40B4-BE49-F238E27FC236}">
-                <a16:creationId xmlns:a16="http://schemas.microsoft.com/office/drawing/2014/main" id="{225F1D91-9F1C-3640-A8D4-BC1D7C1B8895}"/>
-              </a:ext>
-            </a:extLst>
-          </p:cNvPr>
-          <p:cNvSpPr>
-            <a:spLocks noGrp="1"/>
-          </p:cNvSpPr>
-          <p:nvPr>
-            <p:ph type="dt" sz="half" idx="10"/>
-          </p:nvPr>
-        </p:nvSpPr>
-        <p:spPr/>
-        <p:txBody>
-          <a:bodyPr/>
-          <a:lstStyle/>
-          <a:p>
-            <a:fld id="{AED37C0B-A040-D54E-B9D1-5540CA452E10}" type="datetime1">
-              <a:rPr lang="en-IN" smtClean="0"/>
-              <a:t>10/01/20</a:t>
-            </a:fld>
-            <a:endParaRPr lang="en-US"/>
-          </a:p>
-        </p:txBody>
-      </p:sp>
-      <p:sp>
-        <p:nvSpPr>
-          <p:cNvPr id="7" name="Slide Number Placeholder 6">
-            <a:extLst>
-              <a:ext uri="{FF2B5EF4-FFF2-40B4-BE49-F238E27FC236}">
-                <a16:creationId xmlns:a16="http://schemas.microsoft.com/office/drawing/2014/main" id="{3DD5F558-D1F0-6444-A324-CE73912733E9}"/>
-              </a:ext>
-            </a:extLst>
-          </p:cNvPr>
-          <p:cNvSpPr>
-            <a:spLocks noGrp="1"/>
-          </p:cNvSpPr>
-          <p:nvPr>
-            <p:ph type="sldNum" sz="quarter" idx="12"/>
-          </p:nvPr>
-        </p:nvSpPr>
-        <p:spPr/>
-        <p:txBody>
-          <a:bodyPr/>
-          <a:lstStyle/>
-          <a:p>
-            <a:fld id="{2DFE4E3B-BD83-A741-B6F9-61E4552725D1}" type="slidenum">
-              <a:rPr lang="en-US" smtClean="0"/>
-              <a:t>19</a:t>
-            </a:fld>
-            <a:endParaRPr lang="en-US"/>
-          </a:p>
-        </p:txBody>
-      </p:sp>
-    </p:spTree>
-    <p:extLst>
-      <p:ext uri="{BB962C8B-B14F-4D97-AF65-F5344CB8AC3E}">
-        <p14:creationId xmlns:p14="http://schemas.microsoft.com/office/powerpoint/2010/main" val="2370987864"/>
-      </p:ext>
-    </p:extLst>
-  </p:cSld>
-  <p:clrMapOvr>
-    <a:masterClrMapping/>
-  </p:clrMapOvr>
-  <p:timing>
-    <p:tnLst>
-      <p:par>
-        <p:cTn id="1" dur="indefinite" restart="never" nodeType="tmRoot">
-          <p:childTnLst>
-            <p:seq concurrent="1" nextAc="seek">
-              <p:cTn id="2" dur="indefinite" nodeType="mainSeq">
-                <p:childTnLst>
-                  <p:par>
-                    <p:cTn id="3" fill="hold">
-                      <p:stCondLst>
-                        <p:cond delay="indefinite"/>
-                      </p:stCondLst>
-                      <p:childTnLst>
-                        <p:par>
-                          <p:cTn id="4" fill="hold">
-                            <p:stCondLst>
-                              <p:cond delay="0"/>
-                            </p:stCondLst>
-                            <p:childTnLst>
-                              <p:par>
-                                <p:cTn id="5" presetID="1" presetClass="entr" presetSubtype="0" fill="hold" grpId="0" nodeType="clickEffect">
-                                  <p:stCondLst>
-                                    <p:cond delay="0"/>
-                                  </p:stCondLst>
-                                  <p:childTnLst>
-                                    <p:set>
-                                      <p:cBhvr>
-                                        <p:cTn id="6" dur="1" fill="hold">
-                                          <p:stCondLst>
-                                            <p:cond delay="0"/>
-                                          </p:stCondLst>
-                                        </p:cTn>
-                                        <p:tgtEl>
-                                          <p:spTgt spid="21"/>
-                                        </p:tgtEl>
-                                        <p:attrNameLst>
-                                          <p:attrName>style.visibility</p:attrName>
-                                        </p:attrNameLst>
-                                      </p:cBhvr>
-                                      <p:to>
-                                        <p:strVal val="visible"/>
-                                      </p:to>
-                                    </p:set>
-                                  </p:childTnLst>
-                                </p:cTn>
-                              </p:par>
-                              <p:par>
-                                <p:cTn id="7" presetID="1" presetClass="entr" presetSubtype="0" fill="hold" nodeType="withEffect">
-                                  <p:stCondLst>
-                                    <p:cond delay="0"/>
-                                  </p:stCondLst>
-                                  <p:childTnLst>
-                                    <p:set>
-                                      <p:cBhvr>
-                                        <p:cTn id="8" dur="1" fill="hold">
-                                          <p:stCondLst>
-                                            <p:cond delay="0"/>
-                                          </p:stCondLst>
-                                        </p:cTn>
-                                        <p:tgtEl>
-                                          <p:spTgt spid="20"/>
-                                        </p:tgtEl>
-                                        <p:attrNameLst>
-                                          <p:attrName>style.visibility</p:attrName>
-                                        </p:attrNameLst>
-                                      </p:cBhvr>
-                                      <p:to>
-                                        <p:strVal val="visible"/>
-                                      </p:to>
-                                    </p:set>
-                                  </p:childTnLst>
-                                </p:cTn>
-                              </p:par>
-                              <p:par>
-                                <p:cTn id="9" presetID="1" presetClass="entr" presetSubtype="0" fill="hold" grpId="0" nodeType="withEffect">
-                                  <p:stCondLst>
-                                    <p:cond delay="0"/>
-                                  </p:stCondLst>
-                                  <p:childTnLst>
-                                    <p:set>
-                                      <p:cBhvr>
-                                        <p:cTn id="10" dur="1" fill="hold">
-                                          <p:stCondLst>
-                                            <p:cond delay="0"/>
-                                          </p:stCondLst>
-                                        </p:cTn>
-                                        <p:tgtEl>
-                                          <p:spTgt spid="14"/>
-                                        </p:tgtEl>
-                                        <p:attrNameLst>
-                                          <p:attrName>style.visibility</p:attrName>
-                                        </p:attrNameLst>
-                                      </p:cBhvr>
-                                      <p:to>
-                                        <p:strVal val="visible"/>
-                                      </p:to>
-                                    </p:set>
-                                  </p:childTnLst>
-                                </p:cTn>
-                              </p:par>
-                              <p:par>
-                                <p:cTn id="11" presetID="1" presetClass="entr" presetSubtype="0" fill="hold" grpId="0" nodeType="withEffect">
-                                  <p:stCondLst>
-                                    <p:cond delay="0"/>
-                                  </p:stCondLst>
-                                  <p:childTnLst>
-                                    <p:set>
-                                      <p:cBhvr>
-                                        <p:cTn id="12" dur="1" fill="hold">
-                                          <p:stCondLst>
-                                            <p:cond delay="0"/>
-                                          </p:stCondLst>
-                                        </p:cTn>
-                                        <p:tgtEl>
-                                          <p:spTgt spid="15"/>
-                                        </p:tgtEl>
-                                        <p:attrNameLst>
-                                          <p:attrName>style.visibility</p:attrName>
-                                        </p:attrNameLst>
-                                      </p:cBhvr>
-                                      <p:to>
-                                        <p:strVal val="visible"/>
-                                      </p:to>
-                                    </p:set>
-                                  </p:childTnLst>
-                                </p:cTn>
-                              </p:par>
-                              <p:par>
-                                <p:cTn id="13" presetID="1" presetClass="entr" presetSubtype="0" fill="hold" grpId="0" nodeType="withEffect">
-                                  <p:stCondLst>
-                                    <p:cond delay="0"/>
-                                  </p:stCondLst>
-                                  <p:childTnLst>
-                                    <p:set>
-                                      <p:cBhvr>
-                                        <p:cTn id="14" dur="1" fill="hold">
-                                          <p:stCondLst>
-                                            <p:cond delay="0"/>
-                                          </p:stCondLst>
-                                        </p:cTn>
-                                        <p:tgtEl>
-                                          <p:spTgt spid="16"/>
-                                        </p:tgtEl>
-                                        <p:attrNameLst>
-                                          <p:attrName>style.visibility</p:attrName>
-                                        </p:attrNameLst>
-                                      </p:cBhvr>
-                                      <p:to>
-                                        <p:strVal val="visible"/>
-                                      </p:to>
-                                    </p:set>
-                                  </p:childTnLst>
-                                </p:cTn>
-                              </p:par>
-                              <p:par>
-                                <p:cTn id="15" presetID="1" presetClass="entr" presetSubtype="0" fill="hold" grpId="0" nodeType="withEffect">
-                                  <p:stCondLst>
-                                    <p:cond delay="0"/>
-                                  </p:stCondLst>
-                                  <p:childTnLst>
-                                    <p:set>
-                                      <p:cBhvr>
-                                        <p:cTn id="16" dur="1" fill="hold">
-                                          <p:stCondLst>
-                                            <p:cond delay="0"/>
-                                          </p:stCondLst>
-                                        </p:cTn>
-                                        <p:tgtEl>
-                                          <p:spTgt spid="17"/>
-                                        </p:tgtEl>
-                                        <p:attrNameLst>
-                                          <p:attrName>style.visibility</p:attrName>
-                                        </p:attrNameLst>
-                                      </p:cBhvr>
-                                      <p:to>
-                                        <p:strVal val="visible"/>
-                                      </p:to>
-                                    </p:set>
-                                  </p:childTnLst>
-                                </p:cTn>
-                              </p:par>
-                              <p:par>
-                                <p:cTn id="17" presetID="1" presetClass="entr" presetSubtype="0" fill="hold" nodeType="withEffect">
-                                  <p:stCondLst>
-                                    <p:cond delay="0"/>
-                                  </p:stCondLst>
-                                  <p:childTnLst>
-                                    <p:set>
-                                      <p:cBhvr>
-                                        <p:cTn id="18" dur="1" fill="hold">
-                                          <p:stCondLst>
-                                            <p:cond delay="0"/>
-                                          </p:stCondLst>
-                                        </p:cTn>
-                                        <p:tgtEl>
-                                          <p:spTgt spid="18"/>
-                                        </p:tgtEl>
-                                        <p:attrNameLst>
-                                          <p:attrName>style.visibility</p:attrName>
-                                        </p:attrNameLst>
-                                      </p:cBhvr>
-                                      <p:to>
-                                        <p:strVal val="visible"/>
-                                      </p:to>
-                                    </p:set>
-                                  </p:childTnLst>
-                                </p:cTn>
-                              </p:par>
-                              <p:par>
-                                <p:cTn id="19" presetID="1" presetClass="entr" presetSubtype="0" fill="hold" grpId="0" nodeType="withEffect">
-                                  <p:stCondLst>
-                                    <p:cond delay="0"/>
-                                  </p:stCondLst>
-                                  <p:childTnLst>
-                                    <p:set>
-                                      <p:cBhvr>
-                                        <p:cTn id="20" dur="1" fill="hold">
-                                          <p:stCondLst>
-                                            <p:cond delay="0"/>
-                                          </p:stCondLst>
-                                        </p:cTn>
-                                        <p:tgtEl>
-                                          <p:spTgt spid="19"/>
-                                        </p:tgtEl>
-                                        <p:attrNameLst>
-                                          <p:attrName>style.visibility</p:attrName>
-                                        </p:attrNameLst>
-                                      </p:cBhvr>
-                                      <p:to>
-                                        <p:strVal val="visible"/>
-                                      </p:to>
-                                    </p:set>
-                                  </p:childTnLst>
-                                </p:cTn>
-                              </p:par>
-                            </p:childTnLst>
-                          </p:cTn>
-                        </p:par>
-                      </p:childTnLst>
-                    </p:cTn>
-                  </p:par>
-                </p:childTnLst>
-              </p:cTn>
-              <p:prevCondLst>
-                <p:cond evt="onPrev" delay="0">
-                  <p:tgtEl>
-                    <p:sldTgt/>
-                  </p:tgtEl>
-                </p:cond>
-              </p:prevCondLst>
-              <p:nextCondLst>
-                <p:cond evt="onNext" delay="0">
-                  <p:tgtEl>
-                    <p:sldTgt/>
-                  </p:tgtEl>
-                </p:cond>
-              </p:nextCondLst>
-            </p:seq>
-          </p:childTnLst>
-        </p:cTn>
-      </p:par>
-    </p:tnLst>
-    <p:bldLst>
-      <p:bldP spid="21" grpId="0"/>
-      <p:bldP spid="14" grpId="0" animBg="1"/>
-      <p:bldP spid="15" grpId="0" animBg="1"/>
-      <p:bldP spid="16" grpId="0"/>
-      <p:bldP spid="17" grpId="0" animBg="1"/>
-      <p:bldP spid="19" grpId="0"/>
+      <p:bldP spid="2" grpId="0" animBg="1"/>
+      <p:bldP spid="24" grpId="1" animBg="1"/>
     </p:bldLst>
   </p:timing>
 </p:sld>
@@ -18565,7 +19089,7 @@
           <a:p>
             <a:fld id="{A5AF9F40-E885-2344-A925-782197879BBE}" type="datetime1">
               <a:rPr lang="en-IN" smtClean="0"/>
-              <a:t>10/01/20</a:t>
+              <a:t>11/01/20</a:t>
             </a:fld>
             <a:endParaRPr lang="en-US"/>
           </a:p>
@@ -19298,6 +19822,989 @@
         </p:nvSpPr>
         <p:spPr>
           <a:xfrm>
+            <a:off x="568410" y="827901"/>
+            <a:ext cx="11623589" cy="5758249"/>
+          </a:xfrm>
+        </p:spPr>
+        <p:txBody>
+          <a:bodyPr>
+            <a:normAutofit/>
+          </a:bodyPr>
+          <a:lstStyle/>
+          <a:p>
+            <a:pPr marL="0" indent="0">
+              <a:buNone/>
+            </a:pPr>
+            <a:r>
+              <a:rPr lang="en-US" sz="2800" dirty="0">
+                <a:latin typeface="Times New Roman" panose="02020603050405020304" pitchFamily="18" charset="0"/>
+                <a:cs typeface="Times New Roman" panose="02020603050405020304" pitchFamily="18" charset="0"/>
+              </a:rPr>
+              <a:t> </a:t>
+            </a:r>
+          </a:p>
+        </p:txBody>
+      </p:sp>
+      <p:sp>
+        <p:nvSpPr>
+          <p:cNvPr id="4" name="Title 1">
+            <a:extLst>
+              <a:ext uri="{FF2B5EF4-FFF2-40B4-BE49-F238E27FC236}">
+                <a16:creationId xmlns:a16="http://schemas.microsoft.com/office/drawing/2014/main" id="{EB411E5D-7C21-F441-A960-AB5FC5A47EC1}"/>
+              </a:ext>
+            </a:extLst>
+          </p:cNvPr>
+          <p:cNvSpPr txBox="1">
+            <a:spLocks/>
+          </p:cNvSpPr>
+          <p:nvPr/>
+        </p:nvSpPr>
+        <p:spPr>
+          <a:xfrm>
+            <a:off x="0" y="0"/>
+            <a:ext cx="11179404" cy="767255"/>
+          </a:xfrm>
+          <a:prstGeom prst="rect">
+            <a:avLst/>
+          </a:prstGeom>
+        </p:spPr>
+        <p:txBody>
+          <a:bodyPr vert="horz" lIns="91440" tIns="45720" rIns="91440" bIns="45720" rtlCol="0" anchor="ctr">
+            <a:normAutofit fontScale="92500"/>
+          </a:bodyPr>
+          <a:lstStyle>
+            <a:lvl1pPr algn="l" defTabSz="914400" rtl="0" eaLnBrk="1" latinLnBrk="0" hangingPunct="1">
+              <a:lnSpc>
+                <a:spcPct val="90000"/>
+              </a:lnSpc>
+              <a:spcBef>
+                <a:spcPct val="0"/>
+              </a:spcBef>
+              <a:buNone/>
+              <a:defRPr sz="4400" kern="1200">
+                <a:solidFill>
+                  <a:schemeClr val="tx1"/>
+                </a:solidFill>
+                <a:latin typeface="+mj-lt"/>
+                <a:ea typeface="+mj-ea"/>
+                <a:cs typeface="+mj-cs"/>
+              </a:defRPr>
+            </a:lvl1pPr>
+          </a:lstStyle>
+          <a:p>
+            <a:r>
+              <a:rPr lang="en-US" sz="3800" b="1" u="sng" dirty="0">
+                <a:solidFill>
+                  <a:srgbClr val="00B0F0"/>
+                </a:solidFill>
+                <a:latin typeface="Times New Roman" panose="02020603050405020304" pitchFamily="18" charset="0"/>
+                <a:cs typeface="Times New Roman" panose="02020603050405020304" pitchFamily="18" charset="0"/>
+              </a:rPr>
+              <a:t>Let’s Create a New NET, UTS, MNT, &amp; PID Namespace</a:t>
+            </a:r>
+          </a:p>
+        </p:txBody>
+      </p:sp>
+      <p:sp>
+        <p:nvSpPr>
+          <p:cNvPr id="10" name="Rectangle 9">
+            <a:extLst>
+              <a:ext uri="{FF2B5EF4-FFF2-40B4-BE49-F238E27FC236}">
+                <a16:creationId xmlns:a16="http://schemas.microsoft.com/office/drawing/2014/main" id="{5A82CA32-93E7-F840-A14E-D1B95D1D7105}"/>
+              </a:ext>
+            </a:extLst>
+          </p:cNvPr>
+          <p:cNvSpPr/>
+          <p:nvPr/>
+        </p:nvSpPr>
+        <p:spPr>
+          <a:xfrm>
+            <a:off x="4506078" y="1873039"/>
+            <a:ext cx="2972412" cy="900447"/>
+          </a:xfrm>
+          <a:prstGeom prst="rect">
+            <a:avLst/>
+          </a:prstGeom>
+          <a:scene3d>
+            <a:camera prst="orthographicFront"/>
+            <a:lightRig rig="threePt" dir="t"/>
+          </a:scene3d>
+          <a:sp3d>
+            <a:bevelT/>
+          </a:sp3d>
+        </p:spPr>
+        <p:style>
+          <a:lnRef idx="2">
+            <a:schemeClr val="accent1">
+              <a:shade val="50000"/>
+            </a:schemeClr>
+          </a:lnRef>
+          <a:fillRef idx="1">
+            <a:schemeClr val="accent1"/>
+          </a:fillRef>
+          <a:effectRef idx="0">
+            <a:schemeClr val="accent1"/>
+          </a:effectRef>
+          <a:fontRef idx="minor">
+            <a:schemeClr val="lt1"/>
+          </a:fontRef>
+        </p:style>
+        <p:txBody>
+          <a:bodyPr rtlCol="0" anchor="ctr"/>
+          <a:lstStyle/>
+          <a:p>
+            <a:pPr algn="ctr"/>
+            <a:r>
+              <a:rPr lang="en-US" sz="2400" dirty="0" err="1">
+                <a:latin typeface="Times New Roman" panose="02020603050405020304" pitchFamily="18" charset="0"/>
+                <a:cs typeface="Times New Roman" panose="02020603050405020304" pitchFamily="18" charset="0"/>
+              </a:rPr>
+              <a:t>new_uts_mnt_net_pid</a:t>
+            </a:r>
+            <a:endParaRPr lang="en-US" sz="2400" dirty="0">
+              <a:latin typeface="Times New Roman" panose="02020603050405020304" pitchFamily="18" charset="0"/>
+              <a:cs typeface="Times New Roman" panose="02020603050405020304" pitchFamily="18" charset="0"/>
+            </a:endParaRPr>
+          </a:p>
+        </p:txBody>
+      </p:sp>
+      <p:sp>
+        <p:nvSpPr>
+          <p:cNvPr id="12" name="TextBox 11">
+            <a:extLst>
+              <a:ext uri="{FF2B5EF4-FFF2-40B4-BE49-F238E27FC236}">
+                <a16:creationId xmlns:a16="http://schemas.microsoft.com/office/drawing/2014/main" id="{DCAD55CD-511D-BF4E-98EE-C481F9872084}"/>
+              </a:ext>
+            </a:extLst>
+          </p:cNvPr>
+          <p:cNvSpPr txBox="1"/>
+          <p:nvPr/>
+        </p:nvSpPr>
+        <p:spPr>
+          <a:xfrm>
+            <a:off x="568410" y="827901"/>
+            <a:ext cx="4514377" cy="461665"/>
+          </a:xfrm>
+          <a:prstGeom prst="rect">
+            <a:avLst/>
+          </a:prstGeom>
+          <a:noFill/>
+        </p:spPr>
+        <p:txBody>
+          <a:bodyPr wrap="none" rtlCol="0">
+            <a:spAutoFit/>
+          </a:bodyPr>
+          <a:lstStyle/>
+          <a:p>
+            <a:r>
+              <a:rPr lang="en-US" sz="2400" dirty="0">
+                <a:latin typeface="Times New Roman" panose="02020603050405020304" pitchFamily="18" charset="0"/>
+                <a:cs typeface="Times New Roman" panose="02020603050405020304" pitchFamily="18" charset="0"/>
+              </a:rPr>
+              <a:t>$</a:t>
+            </a:r>
+            <a:r>
+              <a:rPr lang="en-US" sz="2400" dirty="0">
+                <a:solidFill>
+                  <a:srgbClr val="FF0000"/>
+                </a:solidFill>
+                <a:latin typeface="Times New Roman" panose="02020603050405020304" pitchFamily="18" charset="0"/>
+                <a:cs typeface="Times New Roman" panose="02020603050405020304" pitchFamily="18" charset="0"/>
+              </a:rPr>
+              <a:t> ./</a:t>
+            </a:r>
+            <a:r>
+              <a:rPr lang="en-US" sz="2400" dirty="0" err="1">
+                <a:solidFill>
+                  <a:srgbClr val="FF0000"/>
+                </a:solidFill>
+                <a:latin typeface="Times New Roman" panose="02020603050405020304" pitchFamily="18" charset="0"/>
+                <a:cs typeface="Times New Roman" panose="02020603050405020304" pitchFamily="18" charset="0"/>
+              </a:rPr>
+              <a:t>new_uts_mnt_net_pid</a:t>
+            </a:r>
+            <a:r>
+              <a:rPr lang="en-US" sz="2400" dirty="0">
+                <a:solidFill>
+                  <a:srgbClr val="FF0000"/>
+                </a:solidFill>
+                <a:latin typeface="Times New Roman" panose="02020603050405020304" pitchFamily="18" charset="0"/>
+                <a:cs typeface="Times New Roman" panose="02020603050405020304" pitchFamily="18" charset="0"/>
+              </a:rPr>
+              <a:t> </a:t>
+            </a:r>
+            <a:r>
+              <a:rPr lang="en-US" sz="2400" dirty="0">
+                <a:latin typeface="Times New Roman" panose="02020603050405020304" pitchFamily="18" charset="0"/>
+                <a:cs typeface="Times New Roman" panose="02020603050405020304" pitchFamily="18" charset="0"/>
+              </a:rPr>
+              <a:t>/bin/bash</a:t>
+            </a:r>
+          </a:p>
+        </p:txBody>
+      </p:sp>
+      <p:cxnSp>
+        <p:nvCxnSpPr>
+          <p:cNvPr id="20" name="Straight Arrow Connector 19">
+            <a:extLst>
+              <a:ext uri="{FF2B5EF4-FFF2-40B4-BE49-F238E27FC236}">
+                <a16:creationId xmlns:a16="http://schemas.microsoft.com/office/drawing/2014/main" id="{A5D7E91A-A22D-2D4A-BBDF-F18FE8CED75E}"/>
+              </a:ext>
+            </a:extLst>
+          </p:cNvPr>
+          <p:cNvCxnSpPr>
+            <a:cxnSpLocks/>
+            <a:stCxn id="10" idx="2"/>
+            <a:endCxn id="14" idx="0"/>
+          </p:cNvCxnSpPr>
+          <p:nvPr/>
+        </p:nvCxnSpPr>
+        <p:spPr>
+          <a:xfrm>
+            <a:off x="5992284" y="2773486"/>
+            <a:ext cx="661" cy="1103692"/>
+          </a:xfrm>
+          <a:prstGeom prst="straightConnector1">
+            <a:avLst/>
+          </a:prstGeom>
+          <a:ln w="31750" cap="flat" cmpd="sng" algn="ctr">
+            <a:solidFill>
+              <a:schemeClr val="dk1"/>
+            </a:solidFill>
+            <a:prstDash val="solid"/>
+            <a:round/>
+            <a:headEnd type="none" w="med" len="med"/>
+            <a:tailEnd type="arrow" w="med" len="med"/>
+          </a:ln>
+        </p:spPr>
+        <p:style>
+          <a:lnRef idx="0">
+            <a:scrgbClr r="0" g="0" b="0"/>
+          </a:lnRef>
+          <a:fillRef idx="0">
+            <a:scrgbClr r="0" g="0" b="0"/>
+          </a:fillRef>
+          <a:effectRef idx="0">
+            <a:scrgbClr r="0" g="0" b="0"/>
+          </a:effectRef>
+          <a:fontRef idx="minor">
+            <a:schemeClr val="tx1"/>
+          </a:fontRef>
+        </p:style>
+      </p:cxnSp>
+      <p:sp>
+        <p:nvSpPr>
+          <p:cNvPr id="21" name="TextBox 20">
+            <a:extLst>
+              <a:ext uri="{FF2B5EF4-FFF2-40B4-BE49-F238E27FC236}">
+                <a16:creationId xmlns:a16="http://schemas.microsoft.com/office/drawing/2014/main" id="{16543FCC-D96E-9C43-BF48-D0DE183F5E7A}"/>
+              </a:ext>
+            </a:extLst>
+          </p:cNvPr>
+          <p:cNvSpPr txBox="1"/>
+          <p:nvPr/>
+        </p:nvSpPr>
+        <p:spPr>
+          <a:xfrm>
+            <a:off x="326581" y="2964749"/>
+            <a:ext cx="12017818" cy="461665"/>
+          </a:xfrm>
+          <a:prstGeom prst="rect">
+            <a:avLst/>
+          </a:prstGeom>
+          <a:noFill/>
+        </p:spPr>
+        <p:txBody>
+          <a:bodyPr wrap="square" rtlCol="0">
+            <a:spAutoFit/>
+          </a:bodyPr>
+          <a:lstStyle/>
+          <a:p>
+            <a:r>
+              <a:rPr lang="en-US" sz="2400" b="1" dirty="0">
+                <a:solidFill>
+                  <a:srgbClr val="FF0000"/>
+                </a:solidFill>
+                <a:latin typeface="Times New Roman" panose="02020603050405020304" pitchFamily="18" charset="0"/>
+                <a:cs typeface="Times New Roman" panose="02020603050405020304" pitchFamily="18" charset="0"/>
+              </a:rPr>
+              <a:t>clone(CLONE_NEWUTS, CLONE_NEWNS, CLONE_NEWPID, CLONE_NEWNET)</a:t>
+            </a:r>
+          </a:p>
+        </p:txBody>
+      </p:sp>
+      <p:sp>
+        <p:nvSpPr>
+          <p:cNvPr id="14" name="Rectangle 13">
+            <a:extLst>
+              <a:ext uri="{FF2B5EF4-FFF2-40B4-BE49-F238E27FC236}">
+                <a16:creationId xmlns:a16="http://schemas.microsoft.com/office/drawing/2014/main" id="{67F81CCC-2614-5C41-8794-9E7C09957E89}"/>
+              </a:ext>
+            </a:extLst>
+          </p:cNvPr>
+          <p:cNvSpPr/>
+          <p:nvPr/>
+        </p:nvSpPr>
+        <p:spPr>
+          <a:xfrm>
+            <a:off x="4904680" y="3877178"/>
+            <a:ext cx="2176530" cy="1469682"/>
+          </a:xfrm>
+          <a:prstGeom prst="rect">
+            <a:avLst/>
+          </a:prstGeom>
+          <a:solidFill>
+            <a:schemeClr val="bg1"/>
+          </a:solidFill>
+          <a:ln w="47625">
+            <a:prstDash val="sysDot"/>
+          </a:ln>
+        </p:spPr>
+        <p:style>
+          <a:lnRef idx="2">
+            <a:schemeClr val="accent1">
+              <a:shade val="50000"/>
+            </a:schemeClr>
+          </a:lnRef>
+          <a:fillRef idx="1">
+            <a:schemeClr val="accent1"/>
+          </a:fillRef>
+          <a:effectRef idx="0">
+            <a:schemeClr val="accent1"/>
+          </a:effectRef>
+          <a:fontRef idx="minor">
+            <a:schemeClr val="lt1"/>
+          </a:fontRef>
+        </p:style>
+        <p:txBody>
+          <a:bodyPr rtlCol="0" anchor="ctr"/>
+          <a:lstStyle/>
+          <a:p>
+            <a:pPr algn="ctr"/>
+            <a:endParaRPr lang="en-US"/>
+          </a:p>
+        </p:txBody>
+      </p:sp>
+      <p:sp>
+        <p:nvSpPr>
+          <p:cNvPr id="15" name="Rectangle 14">
+            <a:extLst>
+              <a:ext uri="{FF2B5EF4-FFF2-40B4-BE49-F238E27FC236}">
+                <a16:creationId xmlns:a16="http://schemas.microsoft.com/office/drawing/2014/main" id="{3F46F6CE-9B7D-6D4B-9CB8-DC2F399867C9}"/>
+              </a:ext>
+            </a:extLst>
+          </p:cNvPr>
+          <p:cNvSpPr/>
+          <p:nvPr/>
+        </p:nvSpPr>
+        <p:spPr>
+          <a:xfrm>
+            <a:off x="5017598" y="3950291"/>
+            <a:ext cx="1944304" cy="374914"/>
+          </a:xfrm>
+          <a:prstGeom prst="rect">
+            <a:avLst/>
+          </a:prstGeom>
+          <a:scene3d>
+            <a:camera prst="orthographicFront"/>
+            <a:lightRig rig="threePt" dir="t"/>
+          </a:scene3d>
+          <a:sp3d>
+            <a:bevelT/>
+          </a:sp3d>
+        </p:spPr>
+        <p:style>
+          <a:lnRef idx="2">
+            <a:schemeClr val="accent1">
+              <a:shade val="50000"/>
+            </a:schemeClr>
+          </a:lnRef>
+          <a:fillRef idx="1">
+            <a:schemeClr val="accent1"/>
+          </a:fillRef>
+          <a:effectRef idx="0">
+            <a:schemeClr val="accent1"/>
+          </a:effectRef>
+          <a:fontRef idx="minor">
+            <a:schemeClr val="lt1"/>
+          </a:fontRef>
+        </p:style>
+        <p:txBody>
+          <a:bodyPr rtlCol="0" anchor="ctr"/>
+          <a:lstStyle/>
+          <a:p>
+            <a:pPr algn="ctr"/>
+            <a:r>
+              <a:rPr lang="en-US" sz="2400" dirty="0">
+                <a:latin typeface="Times New Roman" panose="02020603050405020304" pitchFamily="18" charset="0"/>
+                <a:cs typeface="Times New Roman" panose="02020603050405020304" pitchFamily="18" charset="0"/>
+              </a:rPr>
+              <a:t>setup</a:t>
+            </a:r>
+          </a:p>
+        </p:txBody>
+      </p:sp>
+      <p:sp>
+        <p:nvSpPr>
+          <p:cNvPr id="16" name="TextBox 15">
+            <a:extLst>
+              <a:ext uri="{FF2B5EF4-FFF2-40B4-BE49-F238E27FC236}">
+                <a16:creationId xmlns:a16="http://schemas.microsoft.com/office/drawing/2014/main" id="{B7D903F3-E8D4-BF47-BC9E-934625027854}"/>
+              </a:ext>
+            </a:extLst>
+          </p:cNvPr>
+          <p:cNvSpPr txBox="1"/>
+          <p:nvPr/>
+        </p:nvSpPr>
+        <p:spPr>
+          <a:xfrm>
+            <a:off x="5303312" y="5346860"/>
+            <a:ext cx="1372876" cy="461665"/>
+          </a:xfrm>
+          <a:prstGeom prst="rect">
+            <a:avLst/>
+          </a:prstGeom>
+          <a:noFill/>
+        </p:spPr>
+        <p:txBody>
+          <a:bodyPr wrap="none" rtlCol="0">
+            <a:spAutoFit/>
+          </a:bodyPr>
+          <a:lstStyle/>
+          <a:p>
+            <a:r>
+              <a:rPr lang="en-US" sz="2400" dirty="0">
+                <a:latin typeface="Times New Roman" panose="02020603050405020304" pitchFamily="18" charset="0"/>
+                <a:cs typeface="Times New Roman" panose="02020603050405020304" pitchFamily="18" charset="0"/>
+              </a:rPr>
+              <a:t>container</a:t>
+            </a:r>
+          </a:p>
+        </p:txBody>
+      </p:sp>
+      <p:sp>
+        <p:nvSpPr>
+          <p:cNvPr id="17" name="Rectangle 16">
+            <a:extLst>
+              <a:ext uri="{FF2B5EF4-FFF2-40B4-BE49-F238E27FC236}">
+                <a16:creationId xmlns:a16="http://schemas.microsoft.com/office/drawing/2014/main" id="{96874C05-5C48-5841-95E6-CB6CAE021016}"/>
+              </a:ext>
+            </a:extLst>
+          </p:cNvPr>
+          <p:cNvSpPr/>
+          <p:nvPr/>
+        </p:nvSpPr>
+        <p:spPr>
+          <a:xfrm>
+            <a:off x="5017598" y="4812463"/>
+            <a:ext cx="1944304" cy="374914"/>
+          </a:xfrm>
+          <a:prstGeom prst="rect">
+            <a:avLst/>
+          </a:prstGeom>
+          <a:scene3d>
+            <a:camera prst="orthographicFront"/>
+            <a:lightRig rig="threePt" dir="t"/>
+          </a:scene3d>
+          <a:sp3d>
+            <a:bevelT/>
+          </a:sp3d>
+        </p:spPr>
+        <p:style>
+          <a:lnRef idx="2">
+            <a:schemeClr val="accent1">
+              <a:shade val="50000"/>
+            </a:schemeClr>
+          </a:lnRef>
+          <a:fillRef idx="1">
+            <a:schemeClr val="accent1"/>
+          </a:fillRef>
+          <a:effectRef idx="0">
+            <a:schemeClr val="accent1"/>
+          </a:effectRef>
+          <a:fontRef idx="minor">
+            <a:schemeClr val="lt1"/>
+          </a:fontRef>
+        </p:style>
+        <p:txBody>
+          <a:bodyPr rtlCol="0" anchor="ctr"/>
+          <a:lstStyle/>
+          <a:p>
+            <a:pPr algn="ctr"/>
+            <a:r>
+              <a:rPr lang="en-US" sz="2400" dirty="0">
+                <a:latin typeface="Times New Roman" panose="02020603050405020304" pitchFamily="18" charset="0"/>
+                <a:cs typeface="Times New Roman" panose="02020603050405020304" pitchFamily="18" charset="0"/>
+              </a:rPr>
+              <a:t>/bin/bash</a:t>
+            </a:r>
+          </a:p>
+        </p:txBody>
+      </p:sp>
+      <p:cxnSp>
+        <p:nvCxnSpPr>
+          <p:cNvPr id="18" name="Straight Arrow Connector 17">
+            <a:extLst>
+              <a:ext uri="{FF2B5EF4-FFF2-40B4-BE49-F238E27FC236}">
+                <a16:creationId xmlns:a16="http://schemas.microsoft.com/office/drawing/2014/main" id="{8E91852A-1717-F74A-B7F0-3812BC207C89}"/>
+              </a:ext>
+            </a:extLst>
+          </p:cNvPr>
+          <p:cNvCxnSpPr>
+            <a:stCxn id="15" idx="2"/>
+            <a:endCxn id="17" idx="0"/>
+          </p:cNvCxnSpPr>
+          <p:nvPr/>
+        </p:nvCxnSpPr>
+        <p:spPr>
+          <a:xfrm>
+            <a:off x="5989750" y="4325205"/>
+            <a:ext cx="0" cy="487258"/>
+          </a:xfrm>
+          <a:prstGeom prst="straightConnector1">
+            <a:avLst/>
+          </a:prstGeom>
+          <a:ln w="28575" cap="flat" cmpd="sng" algn="ctr">
+            <a:solidFill>
+              <a:schemeClr val="dk1"/>
+            </a:solidFill>
+            <a:prstDash val="solid"/>
+            <a:round/>
+            <a:headEnd type="none" w="med" len="med"/>
+            <a:tailEnd type="arrow" w="med" len="med"/>
+          </a:ln>
+        </p:spPr>
+        <p:style>
+          <a:lnRef idx="0">
+            <a:scrgbClr r="0" g="0" b="0"/>
+          </a:lnRef>
+          <a:fillRef idx="0">
+            <a:scrgbClr r="0" g="0" b="0"/>
+          </a:fillRef>
+          <a:effectRef idx="0">
+            <a:scrgbClr r="0" g="0" b="0"/>
+          </a:effectRef>
+          <a:fontRef idx="minor">
+            <a:schemeClr val="tx1"/>
+          </a:fontRef>
+        </p:style>
+      </p:cxnSp>
+      <p:sp>
+        <p:nvSpPr>
+          <p:cNvPr id="19" name="TextBox 18">
+            <a:extLst>
+              <a:ext uri="{FF2B5EF4-FFF2-40B4-BE49-F238E27FC236}">
+                <a16:creationId xmlns:a16="http://schemas.microsoft.com/office/drawing/2014/main" id="{7C0C5F50-F0B4-8B49-93E5-72B38A67CD5C}"/>
+              </a:ext>
+            </a:extLst>
+          </p:cNvPr>
+          <p:cNvSpPr txBox="1"/>
+          <p:nvPr/>
+        </p:nvSpPr>
+        <p:spPr>
+          <a:xfrm>
+            <a:off x="4971378" y="4271056"/>
+            <a:ext cx="1055097" cy="461665"/>
+          </a:xfrm>
+          <a:prstGeom prst="rect">
+            <a:avLst/>
+          </a:prstGeom>
+          <a:noFill/>
+        </p:spPr>
+        <p:txBody>
+          <a:bodyPr wrap="none" rtlCol="0">
+            <a:spAutoFit/>
+          </a:bodyPr>
+          <a:lstStyle/>
+          <a:p>
+            <a:r>
+              <a:rPr lang="en-US" sz="2400" dirty="0">
+                <a:latin typeface="Times New Roman" panose="02020603050405020304" pitchFamily="18" charset="0"/>
+                <a:cs typeface="Times New Roman" panose="02020603050405020304" pitchFamily="18" charset="0"/>
+              </a:rPr>
+              <a:t>clone()</a:t>
+            </a:r>
+          </a:p>
+        </p:txBody>
+      </p:sp>
+      <p:sp>
+        <p:nvSpPr>
+          <p:cNvPr id="6" name="Date Placeholder 5">
+            <a:extLst>
+              <a:ext uri="{FF2B5EF4-FFF2-40B4-BE49-F238E27FC236}">
+                <a16:creationId xmlns:a16="http://schemas.microsoft.com/office/drawing/2014/main" id="{225F1D91-9F1C-3640-A8D4-BC1D7C1B8895}"/>
+              </a:ext>
+            </a:extLst>
+          </p:cNvPr>
+          <p:cNvSpPr>
+            <a:spLocks noGrp="1"/>
+          </p:cNvSpPr>
+          <p:nvPr>
+            <p:ph type="dt" sz="half" idx="10"/>
+          </p:nvPr>
+        </p:nvSpPr>
+        <p:spPr/>
+        <p:txBody>
+          <a:bodyPr/>
+          <a:lstStyle/>
+          <a:p>
+            <a:fld id="{AED37C0B-A040-D54E-B9D1-5540CA452E10}" type="datetime1">
+              <a:rPr lang="en-IN" smtClean="0"/>
+              <a:t>11/01/20</a:t>
+            </a:fld>
+            <a:endParaRPr lang="en-US"/>
+          </a:p>
+        </p:txBody>
+      </p:sp>
+      <p:sp>
+        <p:nvSpPr>
+          <p:cNvPr id="7" name="Slide Number Placeholder 6">
+            <a:extLst>
+              <a:ext uri="{FF2B5EF4-FFF2-40B4-BE49-F238E27FC236}">
+                <a16:creationId xmlns:a16="http://schemas.microsoft.com/office/drawing/2014/main" id="{3DD5F558-D1F0-6444-A324-CE73912733E9}"/>
+              </a:ext>
+            </a:extLst>
+          </p:cNvPr>
+          <p:cNvSpPr>
+            <a:spLocks noGrp="1"/>
+          </p:cNvSpPr>
+          <p:nvPr>
+            <p:ph type="sldNum" sz="quarter" idx="12"/>
+          </p:nvPr>
+        </p:nvSpPr>
+        <p:spPr/>
+        <p:txBody>
+          <a:bodyPr/>
+          <a:lstStyle/>
+          <a:p>
+            <a:fld id="{2DFE4E3B-BD83-A741-B6F9-61E4552725D1}" type="slidenum">
+              <a:rPr lang="en-US" smtClean="0"/>
+              <a:t>20</a:t>
+            </a:fld>
+            <a:endParaRPr lang="en-US"/>
+          </a:p>
+        </p:txBody>
+      </p:sp>
+    </p:spTree>
+    <p:extLst>
+      <p:ext uri="{BB962C8B-B14F-4D97-AF65-F5344CB8AC3E}">
+        <p14:creationId xmlns:p14="http://schemas.microsoft.com/office/powerpoint/2010/main" val="2370987864"/>
+      </p:ext>
+    </p:extLst>
+  </p:cSld>
+  <p:clrMapOvr>
+    <a:masterClrMapping/>
+  </p:clrMapOvr>
+  <p:timing>
+    <p:tnLst>
+      <p:par>
+        <p:cTn id="1" dur="indefinite" restart="never" nodeType="tmRoot">
+          <p:childTnLst>
+            <p:seq concurrent="1" nextAc="seek">
+              <p:cTn id="2" dur="indefinite" nodeType="mainSeq">
+                <p:childTnLst>
+                  <p:par>
+                    <p:cTn id="3" fill="hold">
+                      <p:stCondLst>
+                        <p:cond delay="indefinite"/>
+                      </p:stCondLst>
+                      <p:childTnLst>
+                        <p:par>
+                          <p:cTn id="4" fill="hold">
+                            <p:stCondLst>
+                              <p:cond delay="0"/>
+                            </p:stCondLst>
+                            <p:childTnLst>
+                              <p:par>
+                                <p:cTn id="5" presetID="1" presetClass="entr" presetSubtype="0" fill="hold" grpId="0" nodeType="clickEffect">
+                                  <p:stCondLst>
+                                    <p:cond delay="0"/>
+                                  </p:stCondLst>
+                                  <p:childTnLst>
+                                    <p:set>
+                                      <p:cBhvr>
+                                        <p:cTn id="6" dur="1" fill="hold">
+                                          <p:stCondLst>
+                                            <p:cond delay="0"/>
+                                          </p:stCondLst>
+                                        </p:cTn>
+                                        <p:tgtEl>
+                                          <p:spTgt spid="21"/>
+                                        </p:tgtEl>
+                                        <p:attrNameLst>
+                                          <p:attrName>style.visibility</p:attrName>
+                                        </p:attrNameLst>
+                                      </p:cBhvr>
+                                      <p:to>
+                                        <p:strVal val="visible"/>
+                                      </p:to>
+                                    </p:set>
+                                  </p:childTnLst>
+                                </p:cTn>
+                              </p:par>
+                              <p:par>
+                                <p:cTn id="7" presetID="1" presetClass="entr" presetSubtype="0" fill="hold" nodeType="withEffect">
+                                  <p:stCondLst>
+                                    <p:cond delay="0"/>
+                                  </p:stCondLst>
+                                  <p:childTnLst>
+                                    <p:set>
+                                      <p:cBhvr>
+                                        <p:cTn id="8" dur="1" fill="hold">
+                                          <p:stCondLst>
+                                            <p:cond delay="0"/>
+                                          </p:stCondLst>
+                                        </p:cTn>
+                                        <p:tgtEl>
+                                          <p:spTgt spid="20"/>
+                                        </p:tgtEl>
+                                        <p:attrNameLst>
+                                          <p:attrName>style.visibility</p:attrName>
+                                        </p:attrNameLst>
+                                      </p:cBhvr>
+                                      <p:to>
+                                        <p:strVal val="visible"/>
+                                      </p:to>
+                                    </p:set>
+                                  </p:childTnLst>
+                                </p:cTn>
+                              </p:par>
+                              <p:par>
+                                <p:cTn id="9" presetID="1" presetClass="entr" presetSubtype="0" fill="hold" grpId="0" nodeType="withEffect">
+                                  <p:stCondLst>
+                                    <p:cond delay="0"/>
+                                  </p:stCondLst>
+                                  <p:childTnLst>
+                                    <p:set>
+                                      <p:cBhvr>
+                                        <p:cTn id="10" dur="1" fill="hold">
+                                          <p:stCondLst>
+                                            <p:cond delay="0"/>
+                                          </p:stCondLst>
+                                        </p:cTn>
+                                        <p:tgtEl>
+                                          <p:spTgt spid="14"/>
+                                        </p:tgtEl>
+                                        <p:attrNameLst>
+                                          <p:attrName>style.visibility</p:attrName>
+                                        </p:attrNameLst>
+                                      </p:cBhvr>
+                                      <p:to>
+                                        <p:strVal val="visible"/>
+                                      </p:to>
+                                    </p:set>
+                                  </p:childTnLst>
+                                </p:cTn>
+                              </p:par>
+                              <p:par>
+                                <p:cTn id="11" presetID="1" presetClass="entr" presetSubtype="0" fill="hold" grpId="0" nodeType="withEffect">
+                                  <p:stCondLst>
+                                    <p:cond delay="0"/>
+                                  </p:stCondLst>
+                                  <p:childTnLst>
+                                    <p:set>
+                                      <p:cBhvr>
+                                        <p:cTn id="12" dur="1" fill="hold">
+                                          <p:stCondLst>
+                                            <p:cond delay="0"/>
+                                          </p:stCondLst>
+                                        </p:cTn>
+                                        <p:tgtEl>
+                                          <p:spTgt spid="15"/>
+                                        </p:tgtEl>
+                                        <p:attrNameLst>
+                                          <p:attrName>style.visibility</p:attrName>
+                                        </p:attrNameLst>
+                                      </p:cBhvr>
+                                      <p:to>
+                                        <p:strVal val="visible"/>
+                                      </p:to>
+                                    </p:set>
+                                  </p:childTnLst>
+                                </p:cTn>
+                              </p:par>
+                              <p:par>
+                                <p:cTn id="13" presetID="1" presetClass="entr" presetSubtype="0" fill="hold" grpId="0" nodeType="withEffect">
+                                  <p:stCondLst>
+                                    <p:cond delay="0"/>
+                                  </p:stCondLst>
+                                  <p:childTnLst>
+                                    <p:set>
+                                      <p:cBhvr>
+                                        <p:cTn id="14" dur="1" fill="hold">
+                                          <p:stCondLst>
+                                            <p:cond delay="0"/>
+                                          </p:stCondLst>
+                                        </p:cTn>
+                                        <p:tgtEl>
+                                          <p:spTgt spid="16"/>
+                                        </p:tgtEl>
+                                        <p:attrNameLst>
+                                          <p:attrName>style.visibility</p:attrName>
+                                        </p:attrNameLst>
+                                      </p:cBhvr>
+                                      <p:to>
+                                        <p:strVal val="visible"/>
+                                      </p:to>
+                                    </p:set>
+                                  </p:childTnLst>
+                                </p:cTn>
+                              </p:par>
+                              <p:par>
+                                <p:cTn id="15" presetID="1" presetClass="entr" presetSubtype="0" fill="hold" grpId="0" nodeType="withEffect">
+                                  <p:stCondLst>
+                                    <p:cond delay="0"/>
+                                  </p:stCondLst>
+                                  <p:childTnLst>
+                                    <p:set>
+                                      <p:cBhvr>
+                                        <p:cTn id="16" dur="1" fill="hold">
+                                          <p:stCondLst>
+                                            <p:cond delay="0"/>
+                                          </p:stCondLst>
+                                        </p:cTn>
+                                        <p:tgtEl>
+                                          <p:spTgt spid="17"/>
+                                        </p:tgtEl>
+                                        <p:attrNameLst>
+                                          <p:attrName>style.visibility</p:attrName>
+                                        </p:attrNameLst>
+                                      </p:cBhvr>
+                                      <p:to>
+                                        <p:strVal val="visible"/>
+                                      </p:to>
+                                    </p:set>
+                                  </p:childTnLst>
+                                </p:cTn>
+                              </p:par>
+                              <p:par>
+                                <p:cTn id="17" presetID="1" presetClass="entr" presetSubtype="0" fill="hold" nodeType="withEffect">
+                                  <p:stCondLst>
+                                    <p:cond delay="0"/>
+                                  </p:stCondLst>
+                                  <p:childTnLst>
+                                    <p:set>
+                                      <p:cBhvr>
+                                        <p:cTn id="18" dur="1" fill="hold">
+                                          <p:stCondLst>
+                                            <p:cond delay="0"/>
+                                          </p:stCondLst>
+                                        </p:cTn>
+                                        <p:tgtEl>
+                                          <p:spTgt spid="18"/>
+                                        </p:tgtEl>
+                                        <p:attrNameLst>
+                                          <p:attrName>style.visibility</p:attrName>
+                                        </p:attrNameLst>
+                                      </p:cBhvr>
+                                      <p:to>
+                                        <p:strVal val="visible"/>
+                                      </p:to>
+                                    </p:set>
+                                  </p:childTnLst>
+                                </p:cTn>
+                              </p:par>
+                              <p:par>
+                                <p:cTn id="19" presetID="1" presetClass="entr" presetSubtype="0" fill="hold" grpId="0" nodeType="withEffect">
+                                  <p:stCondLst>
+                                    <p:cond delay="0"/>
+                                  </p:stCondLst>
+                                  <p:childTnLst>
+                                    <p:set>
+                                      <p:cBhvr>
+                                        <p:cTn id="20" dur="1" fill="hold">
+                                          <p:stCondLst>
+                                            <p:cond delay="0"/>
+                                          </p:stCondLst>
+                                        </p:cTn>
+                                        <p:tgtEl>
+                                          <p:spTgt spid="19"/>
+                                        </p:tgtEl>
+                                        <p:attrNameLst>
+                                          <p:attrName>style.visibility</p:attrName>
+                                        </p:attrNameLst>
+                                      </p:cBhvr>
+                                      <p:to>
+                                        <p:strVal val="visible"/>
+                                      </p:to>
+                                    </p:set>
+                                  </p:childTnLst>
+                                </p:cTn>
+                              </p:par>
+                            </p:childTnLst>
+                          </p:cTn>
+                        </p:par>
+                      </p:childTnLst>
+                    </p:cTn>
+                  </p:par>
+                </p:childTnLst>
+              </p:cTn>
+              <p:prevCondLst>
+                <p:cond evt="onPrev" delay="0">
+                  <p:tgtEl>
+                    <p:sldTgt/>
+                  </p:tgtEl>
+                </p:cond>
+              </p:prevCondLst>
+              <p:nextCondLst>
+                <p:cond evt="onNext" delay="0">
+                  <p:tgtEl>
+                    <p:sldTgt/>
+                  </p:tgtEl>
+                </p:cond>
+              </p:nextCondLst>
+            </p:seq>
+          </p:childTnLst>
+        </p:cTn>
+      </p:par>
+    </p:tnLst>
+    <p:bldLst>
+      <p:bldP spid="21" grpId="0"/>
+      <p:bldP spid="14" grpId="0" animBg="1"/>
+      <p:bldP spid="15" grpId="0" animBg="1"/>
+      <p:bldP spid="16" grpId="0"/>
+      <p:bldP spid="17" grpId="0" animBg="1"/>
+      <p:bldP spid="19" grpId="0"/>
+    </p:bldLst>
+  </p:timing>
+</p:sld>
+</file>
+
+<file path=ppt/slides/slide21.xml><?xml version="1.0" encoding="utf-8"?>
+<p:sld xmlns:a="http://schemas.openxmlformats.org/drawingml/2006/main" xmlns:r="http://schemas.openxmlformats.org/officeDocument/2006/relationships" xmlns:p="http://schemas.openxmlformats.org/presentationml/2006/main">
+  <p:cSld>
+    <p:spTree>
+      <p:nvGrpSpPr>
+        <p:cNvPr id="1" name=""/>
+        <p:cNvGrpSpPr/>
+        <p:nvPr/>
+      </p:nvGrpSpPr>
+      <p:grpSpPr>
+        <a:xfrm>
+          <a:off x="0" y="0"/>
+          <a:ext cx="0" cy="0"/>
+          <a:chOff x="0" y="0"/>
+          <a:chExt cx="0" cy="0"/>
+        </a:xfrm>
+      </p:grpSpPr>
+      <p:sp>
+        <p:nvSpPr>
+          <p:cNvPr id="3" name="Content Placeholder 2">
+            <a:extLst>
+              <a:ext uri="{FF2B5EF4-FFF2-40B4-BE49-F238E27FC236}">
+                <a16:creationId xmlns:a16="http://schemas.microsoft.com/office/drawing/2014/main" id="{F9490FAD-764B-DD42-B4BC-7F23BBAAB432}"/>
+              </a:ext>
+            </a:extLst>
+          </p:cNvPr>
+          <p:cNvSpPr>
+            <a:spLocks noGrp="1"/>
+          </p:cNvSpPr>
+          <p:nvPr>
+            <p:ph idx="1"/>
+          </p:nvPr>
+        </p:nvSpPr>
+        <p:spPr>
+          <a:xfrm>
             <a:off x="568410" y="729046"/>
             <a:ext cx="11623589" cy="5609968"/>
           </a:xfrm>
@@ -19966,7 +21473,7 @@
           <a:p>
             <a:fld id="{6388D2A1-ABA3-0D40-A386-72BD69C25AE4}" type="datetime1">
               <a:rPr lang="en-IN" smtClean="0"/>
-              <a:t>10/01/20</a:t>
+              <a:t>11/01/20</a:t>
             </a:fld>
             <a:endParaRPr lang="en-US"/>
           </a:p>
@@ -19995,7 +21502,7 @@
           <a:p>
             <a:fld id="{2DFE4E3B-BD83-A741-B6F9-61E4552725D1}" type="slidenum">
               <a:rPr lang="en-US" smtClean="0"/>
-              <a:t>20</a:t>
+              <a:t>21</a:t>
             </a:fld>
             <a:endParaRPr lang="en-US"/>
           </a:p>
@@ -20240,7 +21747,7 @@
 </p:sld>
 </file>
 
-<file path=ppt/slides/slide21.xml><?xml version="1.0" encoding="utf-8"?>
+<file path=ppt/slides/slide22.xml><?xml version="1.0" encoding="utf-8"?>
 <p:sld xmlns:a="http://schemas.openxmlformats.org/drawingml/2006/main" xmlns:r="http://schemas.openxmlformats.org/officeDocument/2006/relationships" xmlns:p="http://schemas.openxmlformats.org/presentationml/2006/main">
   <p:cSld>
     <p:spTree>
@@ -20296,18 +21803,25 @@
           </a:p>
           <a:p>
             <a:r>
-              <a:rPr lang="en-US" sz="3200" dirty="0" err="1">
+              <a:rPr lang="en-US" sz="3200" i="1" dirty="0" err="1">
                 <a:latin typeface="Times New Roman" panose="02020603050405020304" pitchFamily="18" charset="0"/>
                 <a:cs typeface="Times New Roman" panose="02020603050405020304" pitchFamily="18" charset="0"/>
               </a:rPr>
               <a:t>unshare</a:t>
             </a:r>
             <a:r>
+              <a:rPr lang="en-US" sz="3200" i="1" dirty="0">
+                <a:latin typeface="Times New Roman" panose="02020603050405020304" pitchFamily="18" charset="0"/>
+                <a:cs typeface="Times New Roman" panose="02020603050405020304" pitchFamily="18" charset="0"/>
+              </a:rPr>
+              <a:t>()</a:t>
+            </a:r>
+            <a:r>
               <a:rPr lang="en-US" sz="3200" dirty="0">
                 <a:latin typeface="Times New Roman" panose="02020603050405020304" pitchFamily="18" charset="0"/>
                 <a:cs typeface="Times New Roman" panose="02020603050405020304" pitchFamily="18" charset="0"/>
               </a:rPr>
-              <a:t>() – creates a new namespace </a:t>
+              <a:t> – creates a new namespace for the caller</a:t>
             </a:r>
           </a:p>
           <a:p>
@@ -20349,6 +21863,23 @@
             </a:r>
           </a:p>
           <a:p>
+            <a:pPr lvl="2"/>
+            <a:r>
+              <a:rPr lang="en-US" sz="2400" dirty="0" err="1">
+                <a:latin typeface="Times New Roman" panose="02020603050405020304" pitchFamily="18" charset="0"/>
+                <a:cs typeface="Times New Roman" panose="02020603050405020304" pitchFamily="18" charset="0"/>
+              </a:rPr>
+              <a:t>unshare</a:t>
+            </a:r>
+            <a:r>
+              <a:rPr lang="en-US" sz="2400" dirty="0">
+                <a:latin typeface="Times New Roman" panose="02020603050405020304" pitchFamily="18" charset="0"/>
+                <a:cs typeface="Times New Roman" panose="02020603050405020304" pitchFamily="18" charset="0"/>
+              </a:rPr>
+              <a:t> --net /bin/bash </a:t>
+            </a:r>
+          </a:p>
+          <a:p>
             <a:pPr lvl="1"/>
             <a:endParaRPr lang="en-US" dirty="0">
               <a:latin typeface="Times New Roman" panose="02020603050405020304" pitchFamily="18" charset="0"/>
@@ -20357,18 +21888,25 @@
           </a:p>
           <a:p>
             <a:r>
-              <a:rPr lang="en-US" sz="3200" dirty="0" err="1">
+              <a:rPr lang="en-US" sz="3200" i="1" dirty="0" err="1">
                 <a:latin typeface="Times New Roman" panose="02020603050405020304" pitchFamily="18" charset="0"/>
                 <a:cs typeface="Times New Roman" panose="02020603050405020304" pitchFamily="18" charset="0"/>
               </a:rPr>
               <a:t>setns</a:t>
             </a:r>
             <a:r>
+              <a:rPr lang="en-US" sz="3200" i="1" dirty="0">
+                <a:latin typeface="Times New Roman" panose="02020603050405020304" pitchFamily="18" charset="0"/>
+                <a:cs typeface="Times New Roman" panose="02020603050405020304" pitchFamily="18" charset="0"/>
+              </a:rPr>
+              <a:t>() </a:t>
+            </a:r>
+            <a:r>
               <a:rPr lang="en-US" sz="3200" dirty="0">
                 <a:latin typeface="Times New Roman" panose="02020603050405020304" pitchFamily="18" charset="0"/>
                 <a:cs typeface="Times New Roman" panose="02020603050405020304" pitchFamily="18" charset="0"/>
               </a:rPr>
-              <a:t>() – set namespace for a created process</a:t>
+              <a:t>– set namespace for the caller</a:t>
             </a:r>
           </a:p>
           <a:p>
@@ -20407,6 +21945,51 @@
                 <a:cs typeface="Times New Roman" panose="02020603050405020304" pitchFamily="18" charset="0"/>
               </a:rPr>
               <a:t> command</a:t>
+            </a:r>
+          </a:p>
+          <a:p>
+            <a:pPr lvl="2"/>
+            <a:r>
+              <a:rPr lang="en-US" sz="2400" dirty="0" err="1">
+                <a:latin typeface="Times New Roman" panose="02020603050405020304" pitchFamily="18" charset="0"/>
+                <a:cs typeface="Times New Roman" panose="02020603050405020304" pitchFamily="18" charset="0"/>
+              </a:rPr>
+              <a:t>nsenter</a:t>
+            </a:r>
+            <a:r>
+              <a:rPr lang="en-US" sz="2400" dirty="0">
+                <a:latin typeface="Times New Roman" panose="02020603050405020304" pitchFamily="18" charset="0"/>
+                <a:cs typeface="Times New Roman" panose="02020603050405020304" pitchFamily="18" charset="0"/>
+              </a:rPr>
+              <a:t> --</a:t>
+            </a:r>
+            <a:r>
+              <a:rPr lang="en-US" sz="2400" dirty="0" err="1">
+                <a:latin typeface="Times New Roman" panose="02020603050405020304" pitchFamily="18" charset="0"/>
+                <a:cs typeface="Times New Roman" panose="02020603050405020304" pitchFamily="18" charset="0"/>
+              </a:rPr>
+              <a:t>pid</a:t>
+            </a:r>
+            <a:r>
+              <a:rPr lang="en-US" sz="2400" dirty="0">
+                <a:latin typeface="Times New Roman" panose="02020603050405020304" pitchFamily="18" charset="0"/>
+                <a:cs typeface="Times New Roman" panose="02020603050405020304" pitchFamily="18" charset="0"/>
+              </a:rPr>
+              <a:t>=/proc/$$/ns/</a:t>
+            </a:r>
+            <a:r>
+              <a:rPr lang="en-US" sz="2400" dirty="0" err="1">
+                <a:latin typeface="Times New Roman" panose="02020603050405020304" pitchFamily="18" charset="0"/>
+                <a:cs typeface="Times New Roman" panose="02020603050405020304" pitchFamily="18" charset="0"/>
+              </a:rPr>
+              <a:t>pid</a:t>
+            </a:r>
+            <a:r>
+              <a:rPr lang="en-US" sz="2400" dirty="0">
+                <a:latin typeface="Times New Roman" panose="02020603050405020304" pitchFamily="18" charset="0"/>
+                <a:cs typeface="Times New Roman" panose="02020603050405020304" pitchFamily="18" charset="0"/>
+              </a:rPr>
+              <a:t> sleep 1000</a:t>
             </a:r>
           </a:p>
           <a:p>
@@ -20526,7 +22109,7 @@
           <a:p>
             <a:fld id="{D5069CE1-30BD-4D42-85D3-A3FE3FEF8C61}" type="datetime1">
               <a:rPr lang="en-IN" smtClean="0"/>
-              <a:t>10/01/20</a:t>
+              <a:t>11/01/20</a:t>
             </a:fld>
             <a:endParaRPr lang="en-US"/>
           </a:p>
@@ -20555,7 +22138,7 @@
           <a:p>
             <a:fld id="{2DFE4E3B-BD83-A741-B6F9-61E4552725D1}" type="slidenum">
               <a:rPr lang="en-US" smtClean="0"/>
-              <a:t>21</a:t>
+              <a:t>22</a:t>
             </a:fld>
             <a:endParaRPr lang="en-US"/>
           </a:p>
@@ -20690,7 +22273,7 @@
 </p:sld>
 </file>
 
-<file path=ppt/slides/slide22.xml><?xml version="1.0" encoding="utf-8"?>
+<file path=ppt/slides/slide23.xml><?xml version="1.0" encoding="utf-8"?>
 <p:sld xmlns:a="http://schemas.openxmlformats.org/drawingml/2006/main" xmlns:r="http://schemas.openxmlformats.org/officeDocument/2006/relationships" xmlns:p="http://schemas.openxmlformats.org/presentationml/2006/main">
   <p:cSld>
     <p:spTree>
@@ -21308,7 +22891,7 @@
           <a:p>
             <a:fld id="{AF350299-0791-5448-A22D-2118A68D25B7}" type="datetime1">
               <a:rPr lang="en-IN" smtClean="0"/>
-              <a:t>10/01/20</a:t>
+              <a:t>11/01/20</a:t>
             </a:fld>
             <a:endParaRPr lang="en-US"/>
           </a:p>
@@ -21337,7 +22920,7 @@
           <a:p>
             <a:fld id="{2DFE4E3B-BD83-A741-B6F9-61E4552725D1}" type="slidenum">
               <a:rPr lang="en-US" smtClean="0"/>
-              <a:t>22</a:t>
+              <a:t>23</a:t>
             </a:fld>
             <a:endParaRPr lang="en-US"/>
           </a:p>
@@ -21385,255 +22968,6 @@
     <p:extLst>
       <p:ext uri="{BB962C8B-B14F-4D97-AF65-F5344CB8AC3E}">
         <p14:creationId xmlns:p14="http://schemas.microsoft.com/office/powerpoint/2010/main" val="3419401984"/>
-      </p:ext>
-    </p:extLst>
-  </p:cSld>
-  <p:clrMapOvr>
-    <a:masterClrMapping/>
-  </p:clrMapOvr>
-</p:sld>
-</file>
-
-<file path=ppt/slides/slide23.xml><?xml version="1.0" encoding="utf-8"?>
-<p:sld xmlns:a="http://schemas.openxmlformats.org/drawingml/2006/main" xmlns:r="http://schemas.openxmlformats.org/officeDocument/2006/relationships" xmlns:p="http://schemas.openxmlformats.org/presentationml/2006/main">
-  <p:cSld>
-    <p:spTree>
-      <p:nvGrpSpPr>
-        <p:cNvPr id="1" name=""/>
-        <p:cNvGrpSpPr/>
-        <p:nvPr/>
-      </p:nvGrpSpPr>
-      <p:grpSpPr>
-        <a:xfrm>
-          <a:off x="0" y="0"/>
-          <a:ext cx="0" cy="0"/>
-          <a:chOff x="0" y="0"/>
-          <a:chExt cx="0" cy="0"/>
-        </a:xfrm>
-      </p:grpSpPr>
-      <p:sp>
-        <p:nvSpPr>
-          <p:cNvPr id="3" name="Content Placeholder 2">
-            <a:extLst>
-              <a:ext uri="{FF2B5EF4-FFF2-40B4-BE49-F238E27FC236}">
-                <a16:creationId xmlns:a16="http://schemas.microsoft.com/office/drawing/2014/main" id="{F9490FAD-764B-DD42-B4BC-7F23BBAAB432}"/>
-              </a:ext>
-            </a:extLst>
-          </p:cNvPr>
-          <p:cNvSpPr>
-            <a:spLocks noGrp="1"/>
-          </p:cNvSpPr>
-          <p:nvPr>
-            <p:ph idx="1"/>
-          </p:nvPr>
-        </p:nvSpPr>
-        <p:spPr>
-          <a:xfrm>
-            <a:off x="568410" y="827901"/>
-            <a:ext cx="11623589" cy="5758249"/>
-          </a:xfrm>
-        </p:spPr>
-        <p:txBody>
-          <a:bodyPr>
-            <a:normAutofit/>
-          </a:bodyPr>
-          <a:lstStyle/>
-          <a:p>
-            <a:endParaRPr lang="en-US" sz="3200" dirty="0">
-              <a:latin typeface="Times New Roman" panose="02020603050405020304" pitchFamily="18" charset="0"/>
-              <a:cs typeface="Times New Roman" panose="02020603050405020304" pitchFamily="18" charset="0"/>
-            </a:endParaRPr>
-          </a:p>
-          <a:p>
-            <a:r>
-              <a:rPr lang="en-US" sz="3200" dirty="0" err="1">
-                <a:latin typeface="Times New Roman" panose="02020603050405020304" pitchFamily="18" charset="0"/>
-                <a:cs typeface="Times New Roman" panose="02020603050405020304" pitchFamily="18" charset="0"/>
-              </a:rPr>
-              <a:t>lxc</a:t>
-            </a:r>
-            <a:endParaRPr lang="en-US" sz="3200" dirty="0">
-              <a:latin typeface="Times New Roman" panose="02020603050405020304" pitchFamily="18" charset="0"/>
-              <a:cs typeface="Times New Roman" panose="02020603050405020304" pitchFamily="18" charset="0"/>
-            </a:endParaRPr>
-          </a:p>
-          <a:p>
-            <a:endParaRPr lang="en-US" sz="3200" dirty="0">
-              <a:latin typeface="Times New Roman" panose="02020603050405020304" pitchFamily="18" charset="0"/>
-              <a:cs typeface="Times New Roman" panose="02020603050405020304" pitchFamily="18" charset="0"/>
-            </a:endParaRPr>
-          </a:p>
-          <a:p>
-            <a:r>
-              <a:rPr lang="en-US" sz="3200" dirty="0" err="1">
-                <a:latin typeface="Times New Roman" panose="02020603050405020304" pitchFamily="18" charset="0"/>
-                <a:cs typeface="Times New Roman" panose="02020603050405020304" pitchFamily="18" charset="0"/>
-              </a:rPr>
-              <a:t>Openvz</a:t>
-            </a:r>
-            <a:endParaRPr lang="en-US" sz="3200" dirty="0">
-              <a:latin typeface="Times New Roman" panose="02020603050405020304" pitchFamily="18" charset="0"/>
-              <a:cs typeface="Times New Roman" panose="02020603050405020304" pitchFamily="18" charset="0"/>
-            </a:endParaRPr>
-          </a:p>
-          <a:p>
-            <a:endParaRPr lang="en-US" sz="3200" dirty="0">
-              <a:latin typeface="Times New Roman" panose="02020603050405020304" pitchFamily="18" charset="0"/>
-              <a:cs typeface="Times New Roman" panose="02020603050405020304" pitchFamily="18" charset="0"/>
-            </a:endParaRPr>
-          </a:p>
-          <a:p>
-            <a:r>
-              <a:rPr lang="en-US" sz="3200" dirty="0" err="1">
-                <a:latin typeface="Times New Roman" panose="02020603050405020304" pitchFamily="18" charset="0"/>
-                <a:cs typeface="Times New Roman" panose="02020603050405020304" pitchFamily="18" charset="0"/>
-              </a:rPr>
-              <a:t>rkt</a:t>
-            </a:r>
-            <a:endParaRPr lang="en-US" sz="3200" dirty="0">
-              <a:latin typeface="Times New Roman" panose="02020603050405020304" pitchFamily="18" charset="0"/>
-              <a:cs typeface="Times New Roman" panose="02020603050405020304" pitchFamily="18" charset="0"/>
-            </a:endParaRPr>
-          </a:p>
-          <a:p>
-            <a:endParaRPr lang="en-US" sz="3200" dirty="0">
-              <a:latin typeface="Times New Roman" panose="02020603050405020304" pitchFamily="18" charset="0"/>
-              <a:cs typeface="Times New Roman" panose="02020603050405020304" pitchFamily="18" charset="0"/>
-            </a:endParaRPr>
-          </a:p>
-          <a:p>
-            <a:r>
-              <a:rPr lang="en-US" sz="3200" dirty="0">
-                <a:latin typeface="Times New Roman" panose="02020603050405020304" pitchFamily="18" charset="0"/>
-                <a:cs typeface="Times New Roman" panose="02020603050405020304" pitchFamily="18" charset="0"/>
-              </a:rPr>
-              <a:t>Docker</a:t>
-            </a:r>
-          </a:p>
-        </p:txBody>
-      </p:sp>
-      <p:sp>
-        <p:nvSpPr>
-          <p:cNvPr id="4" name="Title 1">
-            <a:extLst>
-              <a:ext uri="{FF2B5EF4-FFF2-40B4-BE49-F238E27FC236}">
-                <a16:creationId xmlns:a16="http://schemas.microsoft.com/office/drawing/2014/main" id="{EB411E5D-7C21-F441-A960-AB5FC5A47EC1}"/>
-              </a:ext>
-            </a:extLst>
-          </p:cNvPr>
-          <p:cNvSpPr txBox="1">
-            <a:spLocks/>
-          </p:cNvSpPr>
-          <p:nvPr/>
-        </p:nvSpPr>
-        <p:spPr>
-          <a:xfrm>
-            <a:off x="-1" y="0"/>
-            <a:ext cx="12191999" cy="767255"/>
-          </a:xfrm>
-          <a:prstGeom prst="rect">
-            <a:avLst/>
-          </a:prstGeom>
-        </p:spPr>
-        <p:txBody>
-          <a:bodyPr vert="horz" lIns="91440" tIns="45720" rIns="91440" bIns="45720" rtlCol="0" anchor="ctr">
-            <a:normAutofit/>
-          </a:bodyPr>
-          <a:lstStyle>
-            <a:lvl1pPr algn="l" defTabSz="914400" rtl="0" eaLnBrk="1" latinLnBrk="0" hangingPunct="1">
-              <a:lnSpc>
-                <a:spcPct val="90000"/>
-              </a:lnSpc>
-              <a:spcBef>
-                <a:spcPct val="0"/>
-              </a:spcBef>
-              <a:buNone/>
-              <a:defRPr sz="4400" kern="1200">
-                <a:solidFill>
-                  <a:schemeClr val="tx1"/>
-                </a:solidFill>
-                <a:latin typeface="+mj-lt"/>
-                <a:ea typeface="+mj-ea"/>
-                <a:cs typeface="+mj-cs"/>
-              </a:defRPr>
-            </a:lvl1pPr>
-          </a:lstStyle>
-          <a:p>
-            <a:r>
-              <a:rPr lang="en-US" sz="3800" b="1" u="sng" dirty="0">
-                <a:solidFill>
-                  <a:srgbClr val="00B0F0"/>
-                </a:solidFill>
-                <a:latin typeface="Times New Roman" panose="02020603050405020304" pitchFamily="18" charset="0"/>
-                <a:cs typeface="Times New Roman" panose="02020603050405020304" pitchFamily="18" charset="0"/>
-              </a:rPr>
-              <a:t>Tools to Easily and Quickly Create Containers</a:t>
-            </a:r>
-          </a:p>
-        </p:txBody>
-      </p:sp>
-      <p:sp>
-        <p:nvSpPr>
-          <p:cNvPr id="9" name="Date Placeholder 8">
-            <a:extLst>
-              <a:ext uri="{FF2B5EF4-FFF2-40B4-BE49-F238E27FC236}">
-                <a16:creationId xmlns:a16="http://schemas.microsoft.com/office/drawing/2014/main" id="{51662142-4C1D-C64E-B1FF-39E0508BFA1F}"/>
-              </a:ext>
-            </a:extLst>
-          </p:cNvPr>
-          <p:cNvSpPr>
-            <a:spLocks noGrp="1"/>
-          </p:cNvSpPr>
-          <p:nvPr>
-            <p:ph type="dt" sz="half" idx="10"/>
-          </p:nvPr>
-        </p:nvSpPr>
-        <p:spPr/>
-        <p:txBody>
-          <a:bodyPr/>
-          <a:lstStyle/>
-          <a:p>
-            <a:fld id="{AF350299-0791-5448-A22D-2118A68D25B7}" type="datetime1">
-              <a:rPr lang="en-IN" smtClean="0"/>
-              <a:t>10/01/20</a:t>
-            </a:fld>
-            <a:endParaRPr lang="en-US"/>
-          </a:p>
-        </p:txBody>
-      </p:sp>
-      <p:sp>
-        <p:nvSpPr>
-          <p:cNvPr id="10" name="Slide Number Placeholder 9">
-            <a:extLst>
-              <a:ext uri="{FF2B5EF4-FFF2-40B4-BE49-F238E27FC236}">
-                <a16:creationId xmlns:a16="http://schemas.microsoft.com/office/drawing/2014/main" id="{0BBE3508-342F-4D49-BECB-322FA8BCADC4}"/>
-              </a:ext>
-            </a:extLst>
-          </p:cNvPr>
-          <p:cNvSpPr>
-            <a:spLocks noGrp="1"/>
-          </p:cNvSpPr>
-          <p:nvPr>
-            <p:ph type="sldNum" sz="quarter" idx="12"/>
-          </p:nvPr>
-        </p:nvSpPr>
-        <p:spPr/>
-        <p:txBody>
-          <a:bodyPr/>
-          <a:lstStyle/>
-          <a:p>
-            <a:fld id="{2DFE4E3B-BD83-A741-B6F9-61E4552725D1}" type="slidenum">
-              <a:rPr lang="en-US" smtClean="0"/>
-              <a:t>23</a:t>
-            </a:fld>
-            <a:endParaRPr lang="en-US"/>
-          </a:p>
-        </p:txBody>
-      </p:sp>
-    </p:spTree>
-    <p:extLst>
-      <p:ext uri="{BB962C8B-B14F-4D97-AF65-F5344CB8AC3E}">
-        <p14:creationId xmlns:p14="http://schemas.microsoft.com/office/powerpoint/2010/main" val="1051599484"/>
       </p:ext>
     </p:extLst>
   </p:cSld>
@@ -21678,7 +23012,7 @@
         </p:nvSpPr>
         <p:spPr>
           <a:xfrm>
-            <a:off x="568410" y="729927"/>
+            <a:off x="568410" y="827901"/>
             <a:ext cx="11623589" cy="5758249"/>
           </a:xfrm>
         </p:spPr>
@@ -21687,57 +23021,76 @@
             <a:normAutofit/>
           </a:bodyPr>
           <a:lstStyle/>
+          <a:p>
+            <a:endParaRPr lang="en-US" sz="3200" dirty="0">
+              <a:latin typeface="Times New Roman" panose="02020603050405020304" pitchFamily="18" charset="0"/>
+              <a:cs typeface="Times New Roman" panose="02020603050405020304" pitchFamily="18" charset="0"/>
+            </a:endParaRPr>
+          </a:p>
+          <a:p>
+            <a:r>
+              <a:rPr lang="en-US" sz="3200" dirty="0" err="1">
+                <a:latin typeface="Times New Roman" panose="02020603050405020304" pitchFamily="18" charset="0"/>
+                <a:cs typeface="Times New Roman" panose="02020603050405020304" pitchFamily="18" charset="0"/>
+              </a:rPr>
+              <a:t>lxc</a:t>
+            </a:r>
+            <a:endParaRPr lang="en-US" sz="3200" dirty="0">
+              <a:latin typeface="Times New Roman" panose="02020603050405020304" pitchFamily="18" charset="0"/>
+              <a:cs typeface="Times New Roman" panose="02020603050405020304" pitchFamily="18" charset="0"/>
+            </a:endParaRPr>
+          </a:p>
+          <a:p>
+            <a:endParaRPr lang="en-US" sz="3200" dirty="0">
+              <a:latin typeface="Times New Roman" panose="02020603050405020304" pitchFamily="18" charset="0"/>
+              <a:cs typeface="Times New Roman" panose="02020603050405020304" pitchFamily="18" charset="0"/>
+            </a:endParaRPr>
+          </a:p>
+          <a:p>
+            <a:r>
+              <a:rPr lang="en-US" sz="3200" dirty="0" err="1">
+                <a:latin typeface="Times New Roman" panose="02020603050405020304" pitchFamily="18" charset="0"/>
+                <a:cs typeface="Times New Roman" panose="02020603050405020304" pitchFamily="18" charset="0"/>
+              </a:rPr>
+              <a:t>Openvz</a:t>
+            </a:r>
+            <a:endParaRPr lang="en-US" sz="3200" dirty="0">
+              <a:latin typeface="Times New Roman" panose="02020603050405020304" pitchFamily="18" charset="0"/>
+              <a:cs typeface="Times New Roman" panose="02020603050405020304" pitchFamily="18" charset="0"/>
+            </a:endParaRPr>
+          </a:p>
+          <a:p>
+            <a:endParaRPr lang="en-US" sz="3200" dirty="0">
+              <a:latin typeface="Times New Roman" panose="02020603050405020304" pitchFamily="18" charset="0"/>
+              <a:cs typeface="Times New Roman" panose="02020603050405020304" pitchFamily="18" charset="0"/>
+            </a:endParaRPr>
+          </a:p>
+          <a:p>
+            <a:r>
+              <a:rPr lang="en-US" sz="3200" dirty="0" err="1">
+                <a:latin typeface="Times New Roman" panose="02020603050405020304" pitchFamily="18" charset="0"/>
+                <a:cs typeface="Times New Roman" panose="02020603050405020304" pitchFamily="18" charset="0"/>
+              </a:rPr>
+              <a:t>rkt</a:t>
+            </a:r>
+            <a:endParaRPr lang="en-US" sz="3200" dirty="0">
+              <a:latin typeface="Times New Roman" panose="02020603050405020304" pitchFamily="18" charset="0"/>
+              <a:cs typeface="Times New Roman" panose="02020603050405020304" pitchFamily="18" charset="0"/>
+            </a:endParaRPr>
+          </a:p>
+          <a:p>
+            <a:endParaRPr lang="en-US" sz="3200" dirty="0">
+              <a:latin typeface="Times New Roman" panose="02020603050405020304" pitchFamily="18" charset="0"/>
+              <a:cs typeface="Times New Roman" panose="02020603050405020304" pitchFamily="18" charset="0"/>
+            </a:endParaRPr>
+          </a:p>
           <a:p>
             <a:r>
               <a:rPr lang="en-US" sz="3200" dirty="0">
                 <a:latin typeface="Times New Roman" panose="02020603050405020304" pitchFamily="18" charset="0"/>
                 <a:cs typeface="Times New Roman" panose="02020603050405020304" pitchFamily="18" charset="0"/>
               </a:rPr>
-              <a:t>Windows 10 supports native container</a:t>
-            </a:r>
-          </a:p>
-          <a:p>
-            <a:endParaRPr lang="en-US" sz="3200" dirty="0">
-              <a:latin typeface="Times New Roman" panose="02020603050405020304" pitchFamily="18" charset="0"/>
-              <a:cs typeface="Times New Roman" panose="02020603050405020304" pitchFamily="18" charset="0"/>
-            </a:endParaRPr>
-          </a:p>
-          <a:p>
-            <a:r>
-              <a:rPr lang="en-US" sz="3200" dirty="0">
-                <a:latin typeface="Times New Roman" panose="02020603050405020304" pitchFamily="18" charset="0"/>
-                <a:cs typeface="Times New Roman" panose="02020603050405020304" pitchFamily="18" charset="0"/>
-              </a:rPr>
-              <a:t>&lt; Windows 10: Hyper-V enabled the created of container using a light-weight Linux VM</a:t>
-            </a:r>
-          </a:p>
-          <a:p>
-            <a:endParaRPr lang="en-US" sz="3200" dirty="0">
-              <a:latin typeface="Times New Roman" panose="02020603050405020304" pitchFamily="18" charset="0"/>
-              <a:cs typeface="Times New Roman" panose="02020603050405020304" pitchFamily="18" charset="0"/>
-            </a:endParaRPr>
-          </a:p>
-          <a:p>
-            <a:r>
-              <a:rPr lang="en-US" sz="3200" dirty="0">
-                <a:latin typeface="Times New Roman" panose="02020603050405020304" pitchFamily="18" charset="0"/>
-                <a:cs typeface="Times New Roman" panose="02020603050405020304" pitchFamily="18" charset="0"/>
-              </a:rPr>
-              <a:t>Mac OS enabled the creation of container using a light-weight VM called </a:t>
-            </a:r>
-            <a:r>
-              <a:rPr lang="en-US" sz="3200" dirty="0" err="1">
-                <a:latin typeface="Times New Roman" panose="02020603050405020304" pitchFamily="18" charset="0"/>
-                <a:cs typeface="Times New Roman" panose="02020603050405020304" pitchFamily="18" charset="0"/>
-              </a:rPr>
-              <a:t>LinuxKit</a:t>
-            </a:r>
-            <a:r>
-              <a:rPr lang="en-US" sz="3200" dirty="0">
-                <a:latin typeface="Times New Roman" panose="02020603050405020304" pitchFamily="18" charset="0"/>
-                <a:cs typeface="Times New Roman" panose="02020603050405020304" pitchFamily="18" charset="0"/>
-              </a:rPr>
-              <a:t> VM</a:t>
+              <a:t>Docker</a:t>
             </a:r>
           </a:p>
         </p:txBody>
@@ -21797,7 +23150,7 @@
                 <a:latin typeface="Times New Roman" panose="02020603050405020304" pitchFamily="18" charset="0"/>
                 <a:cs typeface="Times New Roman" panose="02020603050405020304" pitchFamily="18" charset="0"/>
               </a:rPr>
-              <a:t>Can a Container Be Created on Windows and Mac OS?</a:t>
+              <a:t>Tools to Easily and Quickly Create Containers</a:t>
             </a:r>
           </a:p>
         </p:txBody>
@@ -21825,7 +23178,7 @@
           <a:p>
             <a:fld id="{AF350299-0791-5448-A22D-2118A68D25B7}" type="datetime1">
               <a:rPr lang="en-IN" smtClean="0"/>
-              <a:t>10/01/20</a:t>
+              <a:t>11/01/20</a:t>
             </a:fld>
             <a:endParaRPr lang="en-US"/>
           </a:p>
@@ -21855,6 +23208,236 @@
             <a:fld id="{2DFE4E3B-BD83-A741-B6F9-61E4552725D1}" type="slidenum">
               <a:rPr lang="en-US" smtClean="0"/>
               <a:t>24</a:t>
+            </a:fld>
+            <a:endParaRPr lang="en-US"/>
+          </a:p>
+        </p:txBody>
+      </p:sp>
+    </p:spTree>
+    <p:extLst>
+      <p:ext uri="{BB962C8B-B14F-4D97-AF65-F5344CB8AC3E}">
+        <p14:creationId xmlns:p14="http://schemas.microsoft.com/office/powerpoint/2010/main" val="1051599484"/>
+      </p:ext>
+    </p:extLst>
+  </p:cSld>
+  <p:clrMapOvr>
+    <a:masterClrMapping/>
+  </p:clrMapOvr>
+</p:sld>
+</file>
+
+<file path=ppt/slides/slide25.xml><?xml version="1.0" encoding="utf-8"?>
+<p:sld xmlns:a="http://schemas.openxmlformats.org/drawingml/2006/main" xmlns:r="http://schemas.openxmlformats.org/officeDocument/2006/relationships" xmlns:p="http://schemas.openxmlformats.org/presentationml/2006/main">
+  <p:cSld>
+    <p:spTree>
+      <p:nvGrpSpPr>
+        <p:cNvPr id="1" name=""/>
+        <p:cNvGrpSpPr/>
+        <p:nvPr/>
+      </p:nvGrpSpPr>
+      <p:grpSpPr>
+        <a:xfrm>
+          <a:off x="0" y="0"/>
+          <a:ext cx="0" cy="0"/>
+          <a:chOff x="0" y="0"/>
+          <a:chExt cx="0" cy="0"/>
+        </a:xfrm>
+      </p:grpSpPr>
+      <p:sp>
+        <p:nvSpPr>
+          <p:cNvPr id="3" name="Content Placeholder 2">
+            <a:extLst>
+              <a:ext uri="{FF2B5EF4-FFF2-40B4-BE49-F238E27FC236}">
+                <a16:creationId xmlns:a16="http://schemas.microsoft.com/office/drawing/2014/main" id="{F9490FAD-764B-DD42-B4BC-7F23BBAAB432}"/>
+              </a:ext>
+            </a:extLst>
+          </p:cNvPr>
+          <p:cNvSpPr>
+            <a:spLocks noGrp="1"/>
+          </p:cNvSpPr>
+          <p:nvPr>
+            <p:ph idx="1"/>
+          </p:nvPr>
+        </p:nvSpPr>
+        <p:spPr>
+          <a:xfrm>
+            <a:off x="568410" y="729927"/>
+            <a:ext cx="11623589" cy="5758249"/>
+          </a:xfrm>
+        </p:spPr>
+        <p:txBody>
+          <a:bodyPr>
+            <a:normAutofit/>
+          </a:bodyPr>
+          <a:lstStyle/>
+          <a:p>
+            <a:r>
+              <a:rPr lang="en-US" sz="3200" dirty="0">
+                <a:latin typeface="Times New Roman" panose="02020603050405020304" pitchFamily="18" charset="0"/>
+                <a:cs typeface="Times New Roman" panose="02020603050405020304" pitchFamily="18" charset="0"/>
+              </a:rPr>
+              <a:t>Windows 10 supports native container</a:t>
+            </a:r>
+          </a:p>
+          <a:p>
+            <a:endParaRPr lang="en-US" sz="3200" dirty="0">
+              <a:latin typeface="Times New Roman" panose="02020603050405020304" pitchFamily="18" charset="0"/>
+              <a:cs typeface="Times New Roman" panose="02020603050405020304" pitchFamily="18" charset="0"/>
+            </a:endParaRPr>
+          </a:p>
+          <a:p>
+            <a:r>
+              <a:rPr lang="en-US" sz="3200" dirty="0">
+                <a:latin typeface="Times New Roman" panose="02020603050405020304" pitchFamily="18" charset="0"/>
+                <a:cs typeface="Times New Roman" panose="02020603050405020304" pitchFamily="18" charset="0"/>
+              </a:rPr>
+              <a:t>&lt; Windows 10: Hyper-V enabled the created of container using a light-weight Linux VM</a:t>
+            </a:r>
+          </a:p>
+          <a:p>
+            <a:endParaRPr lang="en-US" sz="3200" dirty="0">
+              <a:latin typeface="Times New Roman" panose="02020603050405020304" pitchFamily="18" charset="0"/>
+              <a:cs typeface="Times New Roman" panose="02020603050405020304" pitchFamily="18" charset="0"/>
+            </a:endParaRPr>
+          </a:p>
+          <a:p>
+            <a:r>
+              <a:rPr lang="en-US" sz="3200" dirty="0">
+                <a:latin typeface="Times New Roman" panose="02020603050405020304" pitchFamily="18" charset="0"/>
+                <a:cs typeface="Times New Roman" panose="02020603050405020304" pitchFamily="18" charset="0"/>
+              </a:rPr>
+              <a:t>Mac OS enabled the creation of container using a light-weight VM called </a:t>
+            </a:r>
+            <a:r>
+              <a:rPr lang="en-US" sz="3200" dirty="0" err="1">
+                <a:latin typeface="Times New Roman" panose="02020603050405020304" pitchFamily="18" charset="0"/>
+                <a:cs typeface="Times New Roman" panose="02020603050405020304" pitchFamily="18" charset="0"/>
+              </a:rPr>
+              <a:t>LinuxKit</a:t>
+            </a:r>
+            <a:r>
+              <a:rPr lang="en-US" sz="3200" dirty="0">
+                <a:latin typeface="Times New Roman" panose="02020603050405020304" pitchFamily="18" charset="0"/>
+                <a:cs typeface="Times New Roman" panose="02020603050405020304" pitchFamily="18" charset="0"/>
+              </a:rPr>
+              <a:t> VM</a:t>
+            </a:r>
+          </a:p>
+        </p:txBody>
+      </p:sp>
+      <p:sp>
+        <p:nvSpPr>
+          <p:cNvPr id="4" name="Title 1">
+            <a:extLst>
+              <a:ext uri="{FF2B5EF4-FFF2-40B4-BE49-F238E27FC236}">
+                <a16:creationId xmlns:a16="http://schemas.microsoft.com/office/drawing/2014/main" id="{EB411E5D-7C21-F441-A960-AB5FC5A47EC1}"/>
+              </a:ext>
+            </a:extLst>
+          </p:cNvPr>
+          <p:cNvSpPr txBox="1">
+            <a:spLocks/>
+          </p:cNvSpPr>
+          <p:nvPr/>
+        </p:nvSpPr>
+        <p:spPr>
+          <a:xfrm>
+            <a:off x="-1" y="0"/>
+            <a:ext cx="12191999" cy="767255"/>
+          </a:xfrm>
+          <a:prstGeom prst="rect">
+            <a:avLst/>
+          </a:prstGeom>
+        </p:spPr>
+        <p:txBody>
+          <a:bodyPr vert="horz" lIns="91440" tIns="45720" rIns="91440" bIns="45720" rtlCol="0" anchor="ctr">
+            <a:normAutofit/>
+          </a:bodyPr>
+          <a:lstStyle>
+            <a:lvl1pPr algn="l" defTabSz="914400" rtl="0" eaLnBrk="1" latinLnBrk="0" hangingPunct="1">
+              <a:lnSpc>
+                <a:spcPct val="90000"/>
+              </a:lnSpc>
+              <a:spcBef>
+                <a:spcPct val="0"/>
+              </a:spcBef>
+              <a:buNone/>
+              <a:defRPr sz="4400" kern="1200">
+                <a:solidFill>
+                  <a:schemeClr val="tx1"/>
+                </a:solidFill>
+                <a:latin typeface="+mj-lt"/>
+                <a:ea typeface="+mj-ea"/>
+                <a:cs typeface="+mj-cs"/>
+              </a:defRPr>
+            </a:lvl1pPr>
+          </a:lstStyle>
+          <a:p>
+            <a:r>
+              <a:rPr lang="en-US" sz="3800" b="1" u="sng" dirty="0">
+                <a:solidFill>
+                  <a:srgbClr val="00B0F0"/>
+                </a:solidFill>
+                <a:latin typeface="Times New Roman" panose="02020603050405020304" pitchFamily="18" charset="0"/>
+                <a:cs typeface="Times New Roman" panose="02020603050405020304" pitchFamily="18" charset="0"/>
+              </a:rPr>
+              <a:t>Can a Container Be Created on Windows and Mac OS?</a:t>
+            </a:r>
+          </a:p>
+        </p:txBody>
+      </p:sp>
+      <p:sp>
+        <p:nvSpPr>
+          <p:cNvPr id="9" name="Date Placeholder 8">
+            <a:extLst>
+              <a:ext uri="{FF2B5EF4-FFF2-40B4-BE49-F238E27FC236}">
+                <a16:creationId xmlns:a16="http://schemas.microsoft.com/office/drawing/2014/main" id="{51662142-4C1D-C64E-B1FF-39E0508BFA1F}"/>
+              </a:ext>
+            </a:extLst>
+          </p:cNvPr>
+          <p:cNvSpPr>
+            <a:spLocks noGrp="1"/>
+          </p:cNvSpPr>
+          <p:nvPr>
+            <p:ph type="dt" sz="half" idx="10"/>
+          </p:nvPr>
+        </p:nvSpPr>
+        <p:spPr/>
+        <p:txBody>
+          <a:bodyPr/>
+          <a:lstStyle/>
+          <a:p>
+            <a:fld id="{AF350299-0791-5448-A22D-2118A68D25B7}" type="datetime1">
+              <a:rPr lang="en-IN" smtClean="0"/>
+              <a:t>11/01/20</a:t>
+            </a:fld>
+            <a:endParaRPr lang="en-US"/>
+          </a:p>
+        </p:txBody>
+      </p:sp>
+      <p:sp>
+        <p:nvSpPr>
+          <p:cNvPr id="10" name="Slide Number Placeholder 9">
+            <a:extLst>
+              <a:ext uri="{FF2B5EF4-FFF2-40B4-BE49-F238E27FC236}">
+                <a16:creationId xmlns:a16="http://schemas.microsoft.com/office/drawing/2014/main" id="{0BBE3508-342F-4D49-BECB-322FA8BCADC4}"/>
+              </a:ext>
+            </a:extLst>
+          </p:cNvPr>
+          <p:cNvSpPr>
+            <a:spLocks noGrp="1"/>
+          </p:cNvSpPr>
+          <p:nvPr>
+            <p:ph type="sldNum" sz="quarter" idx="12"/>
+          </p:nvPr>
+        </p:nvSpPr>
+        <p:spPr/>
+        <p:txBody>
+          <a:bodyPr/>
+          <a:lstStyle/>
+          <a:p>
+            <a:fld id="{2DFE4E3B-BD83-A741-B6F9-61E4552725D1}" type="slidenum">
+              <a:rPr lang="en-US" smtClean="0"/>
+              <a:t>25</a:t>
             </a:fld>
             <a:endParaRPr lang="en-US"/>
           </a:p>
@@ -22169,7 +23752,7 @@
 </p:sld>
 </file>
 
-<file path=ppt/slides/slide25.xml><?xml version="1.0" encoding="utf-8"?>
+<file path=ppt/slides/slide26.xml><?xml version="1.0" encoding="utf-8"?>
 <p:sld xmlns:a="http://schemas.openxmlformats.org/drawingml/2006/main" xmlns:r="http://schemas.openxmlformats.org/officeDocument/2006/relationships" xmlns:p="http://schemas.openxmlformats.org/presentationml/2006/main">
   <p:cSld>
     <p:spTree>
@@ -22266,7 +23849,7 @@
           <a:p>
             <a:fld id="{B5FEA0D5-2DE4-4545-B774-B83F7EB3EE76}" type="datetime1">
               <a:rPr lang="en-IN" smtClean="0"/>
-              <a:t>10/01/20</a:t>
+              <a:t>11/01/20</a:t>
             </a:fld>
             <a:endParaRPr lang="en-US"/>
           </a:p>
@@ -22295,7 +23878,7 @@
           <a:p>
             <a:fld id="{2DFE4E3B-BD83-A741-B6F9-61E4552725D1}" type="slidenum">
               <a:rPr lang="en-US" smtClean="0"/>
-              <a:t>25</a:t>
+              <a:t>26</a:t>
             </a:fld>
             <a:endParaRPr lang="en-US"/>
           </a:p>
@@ -25013,7 +26596,7 @@
           <a:p>
             <a:fld id="{1ECD5AA0-2E9B-174B-9686-EBCA18009D8A}" type="datetime1">
               <a:rPr lang="en-IN" smtClean="0"/>
-              <a:t>10/01/20</a:t>
+              <a:t>11/01/20</a:t>
             </a:fld>
             <a:endParaRPr lang="en-US"/>
           </a:p>
@@ -26279,7 +27862,7 @@
           <a:p>
             <a:fld id="{91C7B60D-E2B4-1B46-AE63-193A56E82FC5}" type="datetime1">
               <a:rPr lang="en-IN" smtClean="0"/>
-              <a:t>10/01/20</a:t>
+              <a:t>11/01/20</a:t>
             </a:fld>
             <a:endParaRPr lang="en-US"/>
           </a:p>
@@ -26888,7 +28471,7 @@
           <a:p>
             <a:fld id="{15B0FDA1-75DD-C64C-A193-1D31F7E1BFA8}" type="datetime1">
               <a:rPr lang="en-IN" smtClean="0"/>
-              <a:t>10/01/20</a:t>
+              <a:t>11/01/20</a:t>
             </a:fld>
             <a:endParaRPr lang="en-US"/>
           </a:p>
@@ -27190,7 +28773,7 @@
           <a:p>
             <a:fld id="{D1F5B30C-A252-664A-A837-B43F31AF0E51}" type="datetime1">
               <a:rPr lang="en-IN" smtClean="0"/>
-              <a:t>10/01/20</a:t>
+              <a:t>11/01/20</a:t>
             </a:fld>
             <a:endParaRPr lang="en-US"/>
           </a:p>
@@ -28334,7 +29917,7 @@
           <a:p>
             <a:fld id="{4DA1327D-280F-FE47-8F66-5F4CE23D9D63}" type="datetime1">
               <a:rPr lang="en-IN" smtClean="0"/>
-              <a:t>10/01/20</a:t>
+              <a:t>11/01/20</a:t>
             </a:fld>
             <a:endParaRPr lang="en-US"/>
           </a:p>
@@ -29490,7 +31073,7 @@
           <a:p>
             <a:fld id="{C4508CB3-E454-EE44-A3AC-2BD57313E4FE}" type="datetime1">
               <a:rPr lang="en-IN" smtClean="0"/>
-              <a:t>10/01/20</a:t>
+              <a:t>11/01/20</a:t>
             </a:fld>
             <a:endParaRPr lang="en-US"/>
           </a:p>
@@ -30230,7 +31813,7 @@
                 <a:latin typeface="Times New Roman" panose="02020603050405020304" pitchFamily="18" charset="0"/>
                 <a:cs typeface="Times New Roman" panose="02020603050405020304" pitchFamily="18" charset="0"/>
               </a:rPr>
-              <a:t>UTS Namespace vs Virtual Machine</a:t>
+              <a:t>Virtual Machine vs UTS Namespace</a:t>
             </a:r>
           </a:p>
         </p:txBody>
@@ -32069,7 +33652,7 @@
           <a:p>
             <a:fld id="{9C9D1066-44B2-5F43-8783-6ACC7C212C80}" type="datetime1">
               <a:rPr lang="en-IN" smtClean="0"/>
-              <a:t>10/01/20</a:t>
+              <a:t>11/01/20</a:t>
             </a:fld>
             <a:endParaRPr lang="en-US"/>
           </a:p>
